--- a/docs/sqltoy查询介绍.pptx
+++ b/docs/sqltoy查询介绍.pptx
@@ -1,11 +1,13 @@
 
 <file path=ppt/presentation.xml><?xml version="1.0" encoding="utf-8"?>
-<p:presentation xmlns:a="http://schemas.openxmlformats.org/drawingml/2006/main" xmlns:r="http://schemas.openxmlformats.org/officeDocument/2006/relationships" xmlns:p="http://schemas.openxmlformats.org/presentationml/2006/main" saveSubsetFonts="1">
+<p:presentation xmlns:a="http://schemas.openxmlformats.org/drawingml/2006/main" xmlns:r="http://schemas.openxmlformats.org/officeDocument/2006/relationships" xmlns:p="http://schemas.openxmlformats.org/presentationml/2006/main">
   <p:sldMasterIdLst>
     <p:sldMasterId id="2147483648" r:id="rId1"/>
+    <p:sldMasterId id="2147483660" r:id="rId3"/>
   </p:sldMasterIdLst>
   <p:sldIdLst>
-    <p:sldId id="256" r:id="rId2"/>
+    <p:sldId id="256" r:id="rId4"/>
+    <p:sldId id="257" r:id="rId5"/>
   </p:sldIdLst>
   <p:sldSz cx="12192000" cy="6858000"/>
   <p:notesSz cx="6858000" cy="9144000"/>
@@ -126,13 +128,7 @@
       </p:grpSpPr>
       <p:sp>
         <p:nvSpPr>
-          <p:cNvPr id="2" name="标题 1">
-            <a:extLst>
-              <a:ext uri="{FF2B5EF4-FFF2-40B4-BE49-F238E27FC236}">
-                <a16:creationId xmlns:a16="http://schemas.microsoft.com/office/drawing/2014/main" id="{714A13C0-C8CB-425A-B575-A3859EB8A6F3}"/>
-              </a:ext>
-            </a:extLst>
-          </p:cNvPr>
+          <p:cNvPr id="2" name="标题 1"/>
           <p:cNvSpPr>
             <a:spLocks noGrp="1"/>
           </p:cNvSpPr>
@@ -158,18 +154,13 @@
               <a:rPr lang="zh-CN" altLang="en-US"/>
               <a:t>单击此处编辑母版标题样式</a:t>
             </a:r>
-          </a:p>
-        </p:txBody>
-      </p:sp>
-      <p:sp>
-        <p:nvSpPr>
-          <p:cNvPr id="3" name="副标题 2">
-            <a:extLst>
-              <a:ext uri="{FF2B5EF4-FFF2-40B4-BE49-F238E27FC236}">
-                <a16:creationId xmlns:a16="http://schemas.microsoft.com/office/drawing/2014/main" id="{70A1400F-78FE-4DCA-B243-F919A01F78EE}"/>
-              </a:ext>
-            </a:extLst>
-          </p:cNvPr>
+            <a:endParaRPr lang="zh-CN" altLang="en-US"/>
+          </a:p>
+        </p:txBody>
+      </p:sp>
+      <p:sp>
+        <p:nvSpPr>
+          <p:cNvPr id="3" name="副标题 2"/>
           <p:cNvSpPr>
             <a:spLocks noGrp="1"/>
           </p:cNvSpPr>
@@ -228,18 +219,13 @@
               <a:rPr lang="zh-CN" altLang="en-US"/>
               <a:t>单击此处编辑母版副标题样式</a:t>
             </a:r>
-          </a:p>
-        </p:txBody>
-      </p:sp>
-      <p:sp>
-        <p:nvSpPr>
-          <p:cNvPr id="4" name="日期占位符 3">
-            <a:extLst>
-              <a:ext uri="{FF2B5EF4-FFF2-40B4-BE49-F238E27FC236}">
-                <a16:creationId xmlns:a16="http://schemas.microsoft.com/office/drawing/2014/main" id="{DADACB4F-4C6D-408E-A6E6-9DCE02C9EF53}"/>
-              </a:ext>
-            </a:extLst>
-          </p:cNvPr>
+            <a:endParaRPr lang="zh-CN" altLang="en-US"/>
+          </a:p>
+        </p:txBody>
+      </p:sp>
+      <p:sp>
+        <p:nvSpPr>
+          <p:cNvPr id="4" name="日期占位符 3"/>
           <p:cNvSpPr>
             <a:spLocks noGrp="1"/>
           </p:cNvSpPr>
@@ -254,7 +240,6 @@
           <a:p>
             <a:fld id="{8B90E707-2250-46BB-9232-0DD54C0D4D6F}" type="datetimeFigureOut">
               <a:rPr lang="zh-CN" altLang="en-US" smtClean="0"/>
-              <a:t>2019/4/26</a:t>
             </a:fld>
             <a:endParaRPr lang="zh-CN" altLang="en-US"/>
           </a:p>
@@ -262,13 +247,7 @@
       </p:sp>
       <p:sp>
         <p:nvSpPr>
-          <p:cNvPr id="5" name="页脚占位符 4">
-            <a:extLst>
-              <a:ext uri="{FF2B5EF4-FFF2-40B4-BE49-F238E27FC236}">
-                <a16:creationId xmlns:a16="http://schemas.microsoft.com/office/drawing/2014/main" id="{27CE7037-A258-43E6-8B55-A167036FE059}"/>
-              </a:ext>
-            </a:extLst>
-          </p:cNvPr>
+          <p:cNvPr id="5" name="页脚占位符 4"/>
           <p:cNvSpPr>
             <a:spLocks noGrp="1"/>
           </p:cNvSpPr>
@@ -287,13 +266,7 @@
       </p:sp>
       <p:sp>
         <p:nvSpPr>
-          <p:cNvPr id="6" name="灯片编号占位符 5">
-            <a:extLst>
-              <a:ext uri="{FF2B5EF4-FFF2-40B4-BE49-F238E27FC236}">
-                <a16:creationId xmlns:a16="http://schemas.microsoft.com/office/drawing/2014/main" id="{C76CF24D-9918-4CDF-B987-E363122173FA}"/>
-              </a:ext>
-            </a:extLst>
-          </p:cNvPr>
+          <p:cNvPr id="6" name="灯片编号占位符 5"/>
           <p:cNvSpPr>
             <a:spLocks noGrp="1"/>
           </p:cNvSpPr>
@@ -308,18 +281,12 @@
           <a:p>
             <a:fld id="{F3C4FE25-33A0-43AE-9374-720E9D455181}" type="slidenum">
               <a:rPr lang="zh-CN" altLang="en-US" smtClean="0"/>
-              <a:t>‹#›</a:t>
             </a:fld>
             <a:endParaRPr lang="zh-CN" altLang="en-US"/>
           </a:p>
         </p:txBody>
       </p:sp>
     </p:spTree>
-    <p:extLst>
-      <p:ext uri="{BB962C8B-B14F-4D97-AF65-F5344CB8AC3E}">
-        <p14:creationId xmlns:p14="http://schemas.microsoft.com/office/powerpoint/2010/main" val="1370681237"/>
-      </p:ext>
-    </p:extLst>
   </p:cSld>
   <p:clrMapOvr>
     <a:masterClrMapping/>
@@ -346,13 +313,7 @@
       </p:grpSpPr>
       <p:sp>
         <p:nvSpPr>
-          <p:cNvPr id="2" name="标题 1">
-            <a:extLst>
-              <a:ext uri="{FF2B5EF4-FFF2-40B4-BE49-F238E27FC236}">
-                <a16:creationId xmlns:a16="http://schemas.microsoft.com/office/drawing/2014/main" id="{18E79A32-25BE-49F1-B988-6B87FED5D03A}"/>
-              </a:ext>
-            </a:extLst>
-          </p:cNvPr>
+          <p:cNvPr id="2" name="标题 1"/>
           <p:cNvSpPr>
             <a:spLocks noGrp="1"/>
           </p:cNvSpPr>
@@ -369,18 +330,13 @@
               <a:rPr lang="zh-CN" altLang="en-US"/>
               <a:t>单击此处编辑母版标题样式</a:t>
             </a:r>
-          </a:p>
-        </p:txBody>
-      </p:sp>
-      <p:sp>
-        <p:nvSpPr>
-          <p:cNvPr id="3" name="竖排文字占位符 2">
-            <a:extLst>
-              <a:ext uri="{FF2B5EF4-FFF2-40B4-BE49-F238E27FC236}">
-                <a16:creationId xmlns:a16="http://schemas.microsoft.com/office/drawing/2014/main" id="{807CE627-BC12-4CDE-8A73-F10AAA572026}"/>
-              </a:ext>
-            </a:extLst>
-          </p:cNvPr>
+            <a:endParaRPr lang="zh-CN" altLang="en-US"/>
+          </a:p>
+        </p:txBody>
+      </p:sp>
+      <p:sp>
+        <p:nvSpPr>
+          <p:cNvPr id="3" name="竖排文字占位符 2"/>
           <p:cNvSpPr>
             <a:spLocks noGrp="1"/>
           </p:cNvSpPr>
@@ -398,6 +354,7 @@
               <a:rPr lang="zh-CN" altLang="en-US"/>
               <a:t>单击此处编辑母版文本样式</a:t>
             </a:r>
+            <a:endParaRPr lang="zh-CN" altLang="en-US"/>
           </a:p>
           <a:p>
             <a:pPr lvl="1"/>
@@ -405,6 +362,7 @@
               <a:rPr lang="zh-CN" altLang="en-US"/>
               <a:t>二级</a:t>
             </a:r>
+            <a:endParaRPr lang="zh-CN" altLang="en-US"/>
           </a:p>
           <a:p>
             <a:pPr lvl="2"/>
@@ -412,6 +370,7 @@
               <a:rPr lang="zh-CN" altLang="en-US"/>
               <a:t>三级</a:t>
             </a:r>
+            <a:endParaRPr lang="zh-CN" altLang="en-US"/>
           </a:p>
           <a:p>
             <a:pPr lvl="3"/>
@@ -419,6 +378,7 @@
               <a:rPr lang="zh-CN" altLang="en-US"/>
               <a:t>四级</a:t>
             </a:r>
+            <a:endParaRPr lang="zh-CN" altLang="en-US"/>
           </a:p>
           <a:p>
             <a:pPr lvl="4"/>
@@ -426,18 +386,13 @@
               <a:rPr lang="zh-CN" altLang="en-US"/>
               <a:t>五级</a:t>
             </a:r>
-          </a:p>
-        </p:txBody>
-      </p:sp>
-      <p:sp>
-        <p:nvSpPr>
-          <p:cNvPr id="4" name="日期占位符 3">
-            <a:extLst>
-              <a:ext uri="{FF2B5EF4-FFF2-40B4-BE49-F238E27FC236}">
-                <a16:creationId xmlns:a16="http://schemas.microsoft.com/office/drawing/2014/main" id="{3844B61B-D8FC-4724-A274-B946E5DEC496}"/>
-              </a:ext>
-            </a:extLst>
-          </p:cNvPr>
+            <a:endParaRPr lang="zh-CN" altLang="en-US"/>
+          </a:p>
+        </p:txBody>
+      </p:sp>
+      <p:sp>
+        <p:nvSpPr>
+          <p:cNvPr id="4" name="日期占位符 3"/>
           <p:cNvSpPr>
             <a:spLocks noGrp="1"/>
           </p:cNvSpPr>
@@ -452,7 +407,6 @@
           <a:p>
             <a:fld id="{8B90E707-2250-46BB-9232-0DD54C0D4D6F}" type="datetimeFigureOut">
               <a:rPr lang="zh-CN" altLang="en-US" smtClean="0"/>
-              <a:t>2019/4/26</a:t>
             </a:fld>
             <a:endParaRPr lang="zh-CN" altLang="en-US"/>
           </a:p>
@@ -460,13 +414,7 @@
       </p:sp>
       <p:sp>
         <p:nvSpPr>
-          <p:cNvPr id="5" name="页脚占位符 4">
-            <a:extLst>
-              <a:ext uri="{FF2B5EF4-FFF2-40B4-BE49-F238E27FC236}">
-                <a16:creationId xmlns:a16="http://schemas.microsoft.com/office/drawing/2014/main" id="{38060701-62F0-41DE-A0A6-C8A0959DA9FB}"/>
-              </a:ext>
-            </a:extLst>
-          </p:cNvPr>
+          <p:cNvPr id="5" name="页脚占位符 4"/>
           <p:cNvSpPr>
             <a:spLocks noGrp="1"/>
           </p:cNvSpPr>
@@ -485,13 +433,7 @@
       </p:sp>
       <p:sp>
         <p:nvSpPr>
-          <p:cNvPr id="6" name="灯片编号占位符 5">
-            <a:extLst>
-              <a:ext uri="{FF2B5EF4-FFF2-40B4-BE49-F238E27FC236}">
-                <a16:creationId xmlns:a16="http://schemas.microsoft.com/office/drawing/2014/main" id="{8EDBDE38-3267-4D32-ADBB-4EDD1A249CE1}"/>
-              </a:ext>
-            </a:extLst>
-          </p:cNvPr>
+          <p:cNvPr id="6" name="灯片编号占位符 5"/>
           <p:cNvSpPr>
             <a:spLocks noGrp="1"/>
           </p:cNvSpPr>
@@ -506,18 +448,12 @@
           <a:p>
             <a:fld id="{F3C4FE25-33A0-43AE-9374-720E9D455181}" type="slidenum">
               <a:rPr lang="zh-CN" altLang="en-US" smtClean="0"/>
-              <a:t>‹#›</a:t>
             </a:fld>
             <a:endParaRPr lang="zh-CN" altLang="en-US"/>
           </a:p>
         </p:txBody>
       </p:sp>
     </p:spTree>
-    <p:extLst>
-      <p:ext uri="{BB962C8B-B14F-4D97-AF65-F5344CB8AC3E}">
-        <p14:creationId xmlns:p14="http://schemas.microsoft.com/office/powerpoint/2010/main" val="2906956766"/>
-      </p:ext>
-    </p:extLst>
   </p:cSld>
   <p:clrMapOvr>
     <a:masterClrMapping/>
@@ -544,13 +480,7 @@
       </p:grpSpPr>
       <p:sp>
         <p:nvSpPr>
-          <p:cNvPr id="2" name="竖排标题 1">
-            <a:extLst>
-              <a:ext uri="{FF2B5EF4-FFF2-40B4-BE49-F238E27FC236}">
-                <a16:creationId xmlns:a16="http://schemas.microsoft.com/office/drawing/2014/main" id="{C2FE95C2-DB2E-440E-9B2F-996D7DF9ABC5}"/>
-              </a:ext>
-            </a:extLst>
-          </p:cNvPr>
+          <p:cNvPr id="2" name="竖排标题 1"/>
           <p:cNvSpPr>
             <a:spLocks noGrp="1"/>
           </p:cNvSpPr>
@@ -572,18 +502,13 @@
               <a:rPr lang="zh-CN" altLang="en-US"/>
               <a:t>单击此处编辑母版标题样式</a:t>
             </a:r>
-          </a:p>
-        </p:txBody>
-      </p:sp>
-      <p:sp>
-        <p:nvSpPr>
-          <p:cNvPr id="3" name="竖排文字占位符 2">
-            <a:extLst>
-              <a:ext uri="{FF2B5EF4-FFF2-40B4-BE49-F238E27FC236}">
-                <a16:creationId xmlns:a16="http://schemas.microsoft.com/office/drawing/2014/main" id="{7B9DE759-6761-403D-8033-BCEF01EC0449}"/>
-              </a:ext>
-            </a:extLst>
-          </p:cNvPr>
+            <a:endParaRPr lang="zh-CN" altLang="en-US"/>
+          </a:p>
+        </p:txBody>
+      </p:sp>
+      <p:sp>
+        <p:nvSpPr>
+          <p:cNvPr id="3" name="竖排文字占位符 2"/>
           <p:cNvSpPr>
             <a:spLocks noGrp="1"/>
           </p:cNvSpPr>
@@ -606,6 +531,7 @@
               <a:rPr lang="zh-CN" altLang="en-US"/>
               <a:t>单击此处编辑母版文本样式</a:t>
             </a:r>
+            <a:endParaRPr lang="zh-CN" altLang="en-US"/>
           </a:p>
           <a:p>
             <a:pPr lvl="1"/>
@@ -613,6 +539,7 @@
               <a:rPr lang="zh-CN" altLang="en-US"/>
               <a:t>二级</a:t>
             </a:r>
+            <a:endParaRPr lang="zh-CN" altLang="en-US"/>
           </a:p>
           <a:p>
             <a:pPr lvl="2"/>
@@ -620,6 +547,7 @@
               <a:rPr lang="zh-CN" altLang="en-US"/>
               <a:t>三级</a:t>
             </a:r>
+            <a:endParaRPr lang="zh-CN" altLang="en-US"/>
           </a:p>
           <a:p>
             <a:pPr lvl="3"/>
@@ -627,6 +555,7 @@
               <a:rPr lang="zh-CN" altLang="en-US"/>
               <a:t>四级</a:t>
             </a:r>
+            <a:endParaRPr lang="zh-CN" altLang="en-US"/>
           </a:p>
           <a:p>
             <a:pPr lvl="4"/>
@@ -634,18 +563,13 @@
               <a:rPr lang="zh-CN" altLang="en-US"/>
               <a:t>五级</a:t>
             </a:r>
-          </a:p>
-        </p:txBody>
-      </p:sp>
-      <p:sp>
-        <p:nvSpPr>
-          <p:cNvPr id="4" name="日期占位符 3">
-            <a:extLst>
-              <a:ext uri="{FF2B5EF4-FFF2-40B4-BE49-F238E27FC236}">
-                <a16:creationId xmlns:a16="http://schemas.microsoft.com/office/drawing/2014/main" id="{2A8B9969-FDFC-4F75-B267-06CECE635AAA}"/>
-              </a:ext>
-            </a:extLst>
-          </p:cNvPr>
+            <a:endParaRPr lang="zh-CN" altLang="en-US"/>
+          </a:p>
+        </p:txBody>
+      </p:sp>
+      <p:sp>
+        <p:nvSpPr>
+          <p:cNvPr id="4" name="日期占位符 3"/>
           <p:cNvSpPr>
             <a:spLocks noGrp="1"/>
           </p:cNvSpPr>
@@ -660,7 +584,6 @@
           <a:p>
             <a:fld id="{8B90E707-2250-46BB-9232-0DD54C0D4D6F}" type="datetimeFigureOut">
               <a:rPr lang="zh-CN" altLang="en-US" smtClean="0"/>
-              <a:t>2019/4/26</a:t>
             </a:fld>
             <a:endParaRPr lang="zh-CN" altLang="en-US"/>
           </a:p>
@@ -668,13 +591,7 @@
       </p:sp>
       <p:sp>
         <p:nvSpPr>
-          <p:cNvPr id="5" name="页脚占位符 4">
-            <a:extLst>
-              <a:ext uri="{FF2B5EF4-FFF2-40B4-BE49-F238E27FC236}">
-                <a16:creationId xmlns:a16="http://schemas.microsoft.com/office/drawing/2014/main" id="{963B4399-84BC-4AD3-9216-4B85A7B2B3D8}"/>
-              </a:ext>
-            </a:extLst>
-          </p:cNvPr>
+          <p:cNvPr id="5" name="页脚占位符 4"/>
           <p:cNvSpPr>
             <a:spLocks noGrp="1"/>
           </p:cNvSpPr>
@@ -693,13 +610,7 @@
       </p:sp>
       <p:sp>
         <p:nvSpPr>
-          <p:cNvPr id="6" name="灯片编号占位符 5">
-            <a:extLst>
-              <a:ext uri="{FF2B5EF4-FFF2-40B4-BE49-F238E27FC236}">
-                <a16:creationId xmlns:a16="http://schemas.microsoft.com/office/drawing/2014/main" id="{55A97FD8-FD29-497D-8042-D9846DA8E394}"/>
-              </a:ext>
-            </a:extLst>
-          </p:cNvPr>
+          <p:cNvPr id="6" name="灯片编号占位符 5"/>
           <p:cNvSpPr>
             <a:spLocks noGrp="1"/>
           </p:cNvSpPr>
@@ -714,18 +625,12 @@
           <a:p>
             <a:fld id="{F3C4FE25-33A0-43AE-9374-720E9D455181}" type="slidenum">
               <a:rPr lang="zh-CN" altLang="en-US" smtClean="0"/>
-              <a:t>‹#›</a:t>
             </a:fld>
             <a:endParaRPr lang="zh-CN" altLang="en-US"/>
           </a:p>
         </p:txBody>
       </p:sp>
     </p:spTree>
-    <p:extLst>
-      <p:ext uri="{BB962C8B-B14F-4D97-AF65-F5344CB8AC3E}">
-        <p14:creationId xmlns:p14="http://schemas.microsoft.com/office/powerpoint/2010/main" val="3631991601"/>
-      </p:ext>
-    </p:extLst>
   </p:cSld>
   <p:clrMapOvr>
     <a:masterClrMapping/>
@@ -733,7 +638,192 @@
 </p:sldLayout>
 </file>
 
-<file path=ppt/slideLayouts/slideLayout2.xml><?xml version="1.0" encoding="utf-8"?>
+<file path=ppt/slideLayouts/slideLayout12.xml><?xml version="1.0" encoding="utf-8"?>
+<p:sldLayout xmlns:a="http://schemas.openxmlformats.org/drawingml/2006/main" xmlns:r="http://schemas.openxmlformats.org/officeDocument/2006/relationships" xmlns:p="http://schemas.openxmlformats.org/presentationml/2006/main" type="title" preserve="1">
+  <p:cSld name="标题幻灯片">
+    <p:spTree>
+      <p:nvGrpSpPr>
+        <p:cNvPr id="1" name=""/>
+        <p:cNvGrpSpPr/>
+        <p:nvPr/>
+      </p:nvGrpSpPr>
+      <p:grpSpPr>
+        <a:xfrm>
+          <a:off x="0" y="0"/>
+          <a:ext cx="0" cy="0"/>
+          <a:chOff x="0" y="0"/>
+          <a:chExt cx="0" cy="0"/>
+        </a:xfrm>
+      </p:grpSpPr>
+      <p:sp>
+        <p:nvSpPr>
+          <p:cNvPr id="2" name="标题 1"/>
+          <p:cNvSpPr>
+            <a:spLocks noGrp="1"/>
+          </p:cNvSpPr>
+          <p:nvPr>
+            <p:ph type="ctrTitle"/>
+          </p:nvPr>
+        </p:nvSpPr>
+        <p:spPr>
+          <a:xfrm>
+            <a:off x="1524000" y="1122363"/>
+            <a:ext cx="9144000" cy="2387600"/>
+          </a:xfrm>
+        </p:spPr>
+        <p:txBody>
+          <a:bodyPr anchor="b"/>
+          <a:lstStyle>
+            <a:lvl1pPr algn="ctr">
+              <a:defRPr sz="6000"/>
+            </a:lvl1pPr>
+          </a:lstStyle>
+          <a:p>
+            <a:r>
+              <a:rPr lang="zh-CN" altLang="en-US"/>
+              <a:t>单击此处编辑母版标题样式</a:t>
+            </a:r>
+            <a:endParaRPr lang="zh-CN" altLang="en-US"/>
+          </a:p>
+        </p:txBody>
+      </p:sp>
+      <p:sp>
+        <p:nvSpPr>
+          <p:cNvPr id="3" name="副标题 2"/>
+          <p:cNvSpPr>
+            <a:spLocks noGrp="1"/>
+          </p:cNvSpPr>
+          <p:nvPr>
+            <p:ph type="subTitle" idx="1"/>
+          </p:nvPr>
+        </p:nvSpPr>
+        <p:spPr>
+          <a:xfrm>
+            <a:off x="1524000" y="3602038"/>
+            <a:ext cx="9144000" cy="1655762"/>
+          </a:xfrm>
+        </p:spPr>
+        <p:txBody>
+          <a:bodyPr/>
+          <a:lstStyle>
+            <a:lvl1pPr marL="0" indent="0" algn="ctr">
+              <a:buNone/>
+              <a:defRPr sz="2400"/>
+            </a:lvl1pPr>
+            <a:lvl2pPr marL="457200" indent="0" algn="ctr">
+              <a:buNone/>
+              <a:defRPr sz="2000"/>
+            </a:lvl2pPr>
+            <a:lvl3pPr marL="914400" indent="0" algn="ctr">
+              <a:buNone/>
+              <a:defRPr sz="1800"/>
+            </a:lvl3pPr>
+            <a:lvl4pPr marL="1371600" indent="0" algn="ctr">
+              <a:buNone/>
+              <a:defRPr sz="1600"/>
+            </a:lvl4pPr>
+            <a:lvl5pPr marL="1828800" indent="0" algn="ctr">
+              <a:buNone/>
+              <a:defRPr sz="1600"/>
+            </a:lvl5pPr>
+            <a:lvl6pPr marL="2286000" indent="0" algn="ctr">
+              <a:buNone/>
+              <a:defRPr sz="1600"/>
+            </a:lvl6pPr>
+            <a:lvl7pPr marL="2743200" indent="0" algn="ctr">
+              <a:buNone/>
+              <a:defRPr sz="1600"/>
+            </a:lvl7pPr>
+            <a:lvl8pPr marL="3200400" indent="0" algn="ctr">
+              <a:buNone/>
+              <a:defRPr sz="1600"/>
+            </a:lvl8pPr>
+            <a:lvl9pPr marL="3657600" indent="0" algn="ctr">
+              <a:buNone/>
+              <a:defRPr sz="1600"/>
+            </a:lvl9pPr>
+          </a:lstStyle>
+          <a:p>
+            <a:r>
+              <a:rPr lang="zh-CN" altLang="en-US"/>
+              <a:t>单击此处编辑母版副标题样式</a:t>
+            </a:r>
+            <a:endParaRPr lang="zh-CN" altLang="en-US"/>
+          </a:p>
+        </p:txBody>
+      </p:sp>
+      <p:sp>
+        <p:nvSpPr>
+          <p:cNvPr id="4" name="日期占位符 3"/>
+          <p:cNvSpPr>
+            <a:spLocks noGrp="1"/>
+          </p:cNvSpPr>
+          <p:nvPr>
+            <p:ph type="dt" sz="half" idx="10"/>
+          </p:nvPr>
+        </p:nvSpPr>
+        <p:spPr/>
+        <p:txBody>
+          <a:bodyPr/>
+          <a:lstStyle/>
+          <a:p>
+            <a:fld id="{8B90E707-2250-46BB-9232-0DD54C0D4D6F}" type="datetimeFigureOut">
+              <a:rPr lang="zh-CN" altLang="en-US" smtClean="0"/>
+            </a:fld>
+            <a:endParaRPr lang="zh-CN" altLang="en-US"/>
+          </a:p>
+        </p:txBody>
+      </p:sp>
+      <p:sp>
+        <p:nvSpPr>
+          <p:cNvPr id="5" name="页脚占位符 4"/>
+          <p:cNvSpPr>
+            <a:spLocks noGrp="1"/>
+          </p:cNvSpPr>
+          <p:nvPr>
+            <p:ph type="ftr" sz="quarter" idx="11"/>
+          </p:nvPr>
+        </p:nvSpPr>
+        <p:spPr/>
+        <p:txBody>
+          <a:bodyPr/>
+          <a:lstStyle/>
+          <a:p>
+            <a:endParaRPr lang="zh-CN" altLang="en-US"/>
+          </a:p>
+        </p:txBody>
+      </p:sp>
+      <p:sp>
+        <p:nvSpPr>
+          <p:cNvPr id="6" name="灯片编号占位符 5"/>
+          <p:cNvSpPr>
+            <a:spLocks noGrp="1"/>
+          </p:cNvSpPr>
+          <p:nvPr>
+            <p:ph type="sldNum" sz="quarter" idx="12"/>
+          </p:nvPr>
+        </p:nvSpPr>
+        <p:spPr/>
+        <p:txBody>
+          <a:bodyPr/>
+          <a:lstStyle/>
+          <a:p>
+            <a:fld id="{F3C4FE25-33A0-43AE-9374-720E9D455181}" type="slidenum">
+              <a:rPr lang="zh-CN" altLang="en-US" smtClean="0"/>
+            </a:fld>
+            <a:endParaRPr lang="zh-CN" altLang="en-US"/>
+          </a:p>
+        </p:txBody>
+      </p:sp>
+    </p:spTree>
+  </p:cSld>
+  <p:clrMapOvr>
+    <a:masterClrMapping/>
+  </p:clrMapOvr>
+</p:sldLayout>
+</file>
+
+<file path=ppt/slideLayouts/slideLayout13.xml><?xml version="1.0" encoding="utf-8"?>
 <p:sldLayout xmlns:a="http://schemas.openxmlformats.org/drawingml/2006/main" xmlns:r="http://schemas.openxmlformats.org/officeDocument/2006/relationships" xmlns:p="http://schemas.openxmlformats.org/presentationml/2006/main" type="obj" preserve="1">
   <p:cSld name="标题和内容">
     <p:spTree>
@@ -752,13 +842,7 @@
       </p:grpSpPr>
       <p:sp>
         <p:nvSpPr>
-          <p:cNvPr id="2" name="标题 1">
-            <a:extLst>
-              <a:ext uri="{FF2B5EF4-FFF2-40B4-BE49-F238E27FC236}">
-                <a16:creationId xmlns:a16="http://schemas.microsoft.com/office/drawing/2014/main" id="{CC09436F-17E8-4882-BEF2-44196722953E}"/>
-              </a:ext>
-            </a:extLst>
-          </p:cNvPr>
+          <p:cNvPr id="2" name="标题 1"/>
           <p:cNvSpPr>
             <a:spLocks noGrp="1"/>
           </p:cNvSpPr>
@@ -775,18 +859,13 @@
               <a:rPr lang="zh-CN" altLang="en-US"/>
               <a:t>单击此处编辑母版标题样式</a:t>
             </a:r>
-          </a:p>
-        </p:txBody>
-      </p:sp>
-      <p:sp>
-        <p:nvSpPr>
-          <p:cNvPr id="3" name="内容占位符 2">
-            <a:extLst>
-              <a:ext uri="{FF2B5EF4-FFF2-40B4-BE49-F238E27FC236}">
-                <a16:creationId xmlns:a16="http://schemas.microsoft.com/office/drawing/2014/main" id="{AA6FCA8F-980D-4636-9DFF-5772C7F0CE5D}"/>
-              </a:ext>
-            </a:extLst>
-          </p:cNvPr>
+            <a:endParaRPr lang="zh-CN" altLang="en-US"/>
+          </a:p>
+        </p:txBody>
+      </p:sp>
+      <p:sp>
+        <p:nvSpPr>
+          <p:cNvPr id="3" name="内容占位符 2"/>
           <p:cNvSpPr>
             <a:spLocks noGrp="1"/>
           </p:cNvSpPr>
@@ -804,6 +883,7 @@
               <a:rPr lang="zh-CN" altLang="en-US"/>
               <a:t>单击此处编辑母版文本样式</a:t>
             </a:r>
+            <a:endParaRPr lang="zh-CN" altLang="en-US"/>
           </a:p>
           <a:p>
             <a:pPr lvl="1"/>
@@ -811,6 +891,7 @@
               <a:rPr lang="zh-CN" altLang="en-US"/>
               <a:t>二级</a:t>
             </a:r>
+            <a:endParaRPr lang="zh-CN" altLang="en-US"/>
           </a:p>
           <a:p>
             <a:pPr lvl="2"/>
@@ -818,6 +899,7 @@
               <a:rPr lang="zh-CN" altLang="en-US"/>
               <a:t>三级</a:t>
             </a:r>
+            <a:endParaRPr lang="zh-CN" altLang="en-US"/>
           </a:p>
           <a:p>
             <a:pPr lvl="3"/>
@@ -825,6 +907,7 @@
               <a:rPr lang="zh-CN" altLang="en-US"/>
               <a:t>四级</a:t>
             </a:r>
+            <a:endParaRPr lang="zh-CN" altLang="en-US"/>
           </a:p>
           <a:p>
             <a:pPr lvl="4"/>
@@ -832,18 +915,13 @@
               <a:rPr lang="zh-CN" altLang="en-US"/>
               <a:t>五级</a:t>
             </a:r>
-          </a:p>
-        </p:txBody>
-      </p:sp>
-      <p:sp>
-        <p:nvSpPr>
-          <p:cNvPr id="4" name="日期占位符 3">
-            <a:extLst>
-              <a:ext uri="{FF2B5EF4-FFF2-40B4-BE49-F238E27FC236}">
-                <a16:creationId xmlns:a16="http://schemas.microsoft.com/office/drawing/2014/main" id="{8DA5DD76-8962-4DD5-8F99-74464DE3CDFC}"/>
-              </a:ext>
-            </a:extLst>
-          </p:cNvPr>
+            <a:endParaRPr lang="zh-CN" altLang="en-US"/>
+          </a:p>
+        </p:txBody>
+      </p:sp>
+      <p:sp>
+        <p:nvSpPr>
+          <p:cNvPr id="4" name="日期占位符 3"/>
           <p:cNvSpPr>
             <a:spLocks noGrp="1"/>
           </p:cNvSpPr>
@@ -858,7 +936,6 @@
           <a:p>
             <a:fld id="{8B90E707-2250-46BB-9232-0DD54C0D4D6F}" type="datetimeFigureOut">
               <a:rPr lang="zh-CN" altLang="en-US" smtClean="0"/>
-              <a:t>2019/4/26</a:t>
             </a:fld>
             <a:endParaRPr lang="zh-CN" altLang="en-US"/>
           </a:p>
@@ -866,13 +943,7 @@
       </p:sp>
       <p:sp>
         <p:nvSpPr>
-          <p:cNvPr id="5" name="页脚占位符 4">
-            <a:extLst>
-              <a:ext uri="{FF2B5EF4-FFF2-40B4-BE49-F238E27FC236}">
-                <a16:creationId xmlns:a16="http://schemas.microsoft.com/office/drawing/2014/main" id="{9838436D-C43D-4692-A7F5-7B7CE83030F7}"/>
-              </a:ext>
-            </a:extLst>
-          </p:cNvPr>
+          <p:cNvPr id="5" name="页脚占位符 4"/>
           <p:cNvSpPr>
             <a:spLocks noGrp="1"/>
           </p:cNvSpPr>
@@ -891,13 +962,7 @@
       </p:sp>
       <p:sp>
         <p:nvSpPr>
-          <p:cNvPr id="6" name="灯片编号占位符 5">
-            <a:extLst>
-              <a:ext uri="{FF2B5EF4-FFF2-40B4-BE49-F238E27FC236}">
-                <a16:creationId xmlns:a16="http://schemas.microsoft.com/office/drawing/2014/main" id="{9FE51672-C34E-4B8B-B054-0CA40D50507E}"/>
-              </a:ext>
-            </a:extLst>
-          </p:cNvPr>
+          <p:cNvPr id="6" name="灯片编号占位符 5"/>
           <p:cNvSpPr>
             <a:spLocks noGrp="1"/>
           </p:cNvSpPr>
@@ -912,18 +977,12 @@
           <a:p>
             <a:fld id="{F3C4FE25-33A0-43AE-9374-720E9D455181}" type="slidenum">
               <a:rPr lang="zh-CN" altLang="en-US" smtClean="0"/>
-              <a:t>‹#›</a:t>
             </a:fld>
             <a:endParaRPr lang="zh-CN" altLang="en-US"/>
           </a:p>
         </p:txBody>
       </p:sp>
     </p:spTree>
-    <p:extLst>
-      <p:ext uri="{BB962C8B-B14F-4D97-AF65-F5344CB8AC3E}">
-        <p14:creationId xmlns:p14="http://schemas.microsoft.com/office/powerpoint/2010/main" val="3002963837"/>
-      </p:ext>
-    </p:extLst>
   </p:cSld>
   <p:clrMapOvr>
     <a:masterClrMapping/>
@@ -931,7 +990,7 @@
 </p:sldLayout>
 </file>
 
-<file path=ppt/slideLayouts/slideLayout3.xml><?xml version="1.0" encoding="utf-8"?>
+<file path=ppt/slideLayouts/slideLayout14.xml><?xml version="1.0" encoding="utf-8"?>
 <p:sldLayout xmlns:a="http://schemas.openxmlformats.org/drawingml/2006/main" xmlns:r="http://schemas.openxmlformats.org/officeDocument/2006/relationships" xmlns:p="http://schemas.openxmlformats.org/presentationml/2006/main" type="secHead" preserve="1">
   <p:cSld name="节标题">
     <p:spTree>
@@ -950,13 +1009,7 @@
       </p:grpSpPr>
       <p:sp>
         <p:nvSpPr>
-          <p:cNvPr id="2" name="标题 1">
-            <a:extLst>
-              <a:ext uri="{FF2B5EF4-FFF2-40B4-BE49-F238E27FC236}">
-                <a16:creationId xmlns:a16="http://schemas.microsoft.com/office/drawing/2014/main" id="{79BBC505-68B2-43B7-98E8-5E237F0B137E}"/>
-              </a:ext>
-            </a:extLst>
-          </p:cNvPr>
+          <p:cNvPr id="2" name="标题 1"/>
           <p:cNvSpPr>
             <a:spLocks noGrp="1"/>
           </p:cNvSpPr>
@@ -982,18 +1035,13 @@
               <a:rPr lang="zh-CN" altLang="en-US"/>
               <a:t>单击此处编辑母版标题样式</a:t>
             </a:r>
-          </a:p>
-        </p:txBody>
-      </p:sp>
-      <p:sp>
-        <p:nvSpPr>
-          <p:cNvPr id="3" name="文本占位符 2">
-            <a:extLst>
-              <a:ext uri="{FF2B5EF4-FFF2-40B4-BE49-F238E27FC236}">
-                <a16:creationId xmlns:a16="http://schemas.microsoft.com/office/drawing/2014/main" id="{682B36C5-43E8-4BA6-8955-9CAD19110735}"/>
-              </a:ext>
-            </a:extLst>
-          </p:cNvPr>
+            <a:endParaRPr lang="zh-CN" altLang="en-US"/>
+          </a:p>
+        </p:txBody>
+      </p:sp>
+      <p:sp>
+        <p:nvSpPr>
+          <p:cNvPr id="3" name="文本占位符 2"/>
           <p:cNvSpPr>
             <a:spLocks noGrp="1"/>
           </p:cNvSpPr>
@@ -1107,18 +1155,13 @@
               <a:rPr lang="zh-CN" altLang="en-US"/>
               <a:t>单击此处编辑母版文本样式</a:t>
             </a:r>
-          </a:p>
-        </p:txBody>
-      </p:sp>
-      <p:sp>
-        <p:nvSpPr>
-          <p:cNvPr id="4" name="日期占位符 3">
-            <a:extLst>
-              <a:ext uri="{FF2B5EF4-FFF2-40B4-BE49-F238E27FC236}">
-                <a16:creationId xmlns:a16="http://schemas.microsoft.com/office/drawing/2014/main" id="{846BE57E-3320-4BA8-9D6B-13FAD914B6EF}"/>
-              </a:ext>
-            </a:extLst>
-          </p:cNvPr>
+            <a:endParaRPr lang="zh-CN" altLang="en-US"/>
+          </a:p>
+        </p:txBody>
+      </p:sp>
+      <p:sp>
+        <p:nvSpPr>
+          <p:cNvPr id="4" name="日期占位符 3"/>
           <p:cNvSpPr>
             <a:spLocks noGrp="1"/>
           </p:cNvSpPr>
@@ -1133,7 +1176,6 @@
           <a:p>
             <a:fld id="{8B90E707-2250-46BB-9232-0DD54C0D4D6F}" type="datetimeFigureOut">
               <a:rPr lang="zh-CN" altLang="en-US" smtClean="0"/>
-              <a:t>2019/4/26</a:t>
             </a:fld>
             <a:endParaRPr lang="zh-CN" altLang="en-US"/>
           </a:p>
@@ -1141,13 +1183,7 @@
       </p:sp>
       <p:sp>
         <p:nvSpPr>
-          <p:cNvPr id="5" name="页脚占位符 4">
-            <a:extLst>
-              <a:ext uri="{FF2B5EF4-FFF2-40B4-BE49-F238E27FC236}">
-                <a16:creationId xmlns:a16="http://schemas.microsoft.com/office/drawing/2014/main" id="{30A9544F-9E48-4409-A2CB-8F252D349746}"/>
-              </a:ext>
-            </a:extLst>
-          </p:cNvPr>
+          <p:cNvPr id="5" name="页脚占位符 4"/>
           <p:cNvSpPr>
             <a:spLocks noGrp="1"/>
           </p:cNvSpPr>
@@ -1166,13 +1202,7 @@
       </p:sp>
       <p:sp>
         <p:nvSpPr>
-          <p:cNvPr id="6" name="灯片编号占位符 5">
-            <a:extLst>
-              <a:ext uri="{FF2B5EF4-FFF2-40B4-BE49-F238E27FC236}">
-                <a16:creationId xmlns:a16="http://schemas.microsoft.com/office/drawing/2014/main" id="{248CD3D2-97EC-450E-9F8D-C0026EEAE9AF}"/>
-              </a:ext>
-            </a:extLst>
-          </p:cNvPr>
+          <p:cNvPr id="6" name="灯片编号占位符 5"/>
           <p:cNvSpPr>
             <a:spLocks noGrp="1"/>
           </p:cNvSpPr>
@@ -1187,18 +1217,12 @@
           <a:p>
             <a:fld id="{F3C4FE25-33A0-43AE-9374-720E9D455181}" type="slidenum">
               <a:rPr lang="zh-CN" altLang="en-US" smtClean="0"/>
-              <a:t>‹#›</a:t>
             </a:fld>
             <a:endParaRPr lang="zh-CN" altLang="en-US"/>
           </a:p>
         </p:txBody>
       </p:sp>
     </p:spTree>
-    <p:extLst>
-      <p:ext uri="{BB962C8B-B14F-4D97-AF65-F5344CB8AC3E}">
-        <p14:creationId xmlns:p14="http://schemas.microsoft.com/office/powerpoint/2010/main" val="1143579544"/>
-      </p:ext>
-    </p:extLst>
   </p:cSld>
   <p:clrMapOvr>
     <a:masterClrMapping/>
@@ -1206,7 +1230,7 @@
 </p:sldLayout>
 </file>
 
-<file path=ppt/slideLayouts/slideLayout4.xml><?xml version="1.0" encoding="utf-8"?>
+<file path=ppt/slideLayouts/slideLayout15.xml><?xml version="1.0" encoding="utf-8"?>
 <p:sldLayout xmlns:a="http://schemas.openxmlformats.org/drawingml/2006/main" xmlns:r="http://schemas.openxmlformats.org/officeDocument/2006/relationships" xmlns:p="http://schemas.openxmlformats.org/presentationml/2006/main" type="twoObj" preserve="1">
   <p:cSld name="两栏内容">
     <p:spTree>
@@ -1225,13 +1249,7 @@
       </p:grpSpPr>
       <p:sp>
         <p:nvSpPr>
-          <p:cNvPr id="2" name="标题 1">
-            <a:extLst>
-              <a:ext uri="{FF2B5EF4-FFF2-40B4-BE49-F238E27FC236}">
-                <a16:creationId xmlns:a16="http://schemas.microsoft.com/office/drawing/2014/main" id="{DEE2095B-71BA-4AD7-93E6-67FDBA32A390}"/>
-              </a:ext>
-            </a:extLst>
-          </p:cNvPr>
+          <p:cNvPr id="2" name="标题 1"/>
           <p:cNvSpPr>
             <a:spLocks noGrp="1"/>
           </p:cNvSpPr>
@@ -1248,18 +1266,13 @@
               <a:rPr lang="zh-CN" altLang="en-US"/>
               <a:t>单击此处编辑母版标题样式</a:t>
             </a:r>
-          </a:p>
-        </p:txBody>
-      </p:sp>
-      <p:sp>
-        <p:nvSpPr>
-          <p:cNvPr id="3" name="内容占位符 2">
-            <a:extLst>
-              <a:ext uri="{FF2B5EF4-FFF2-40B4-BE49-F238E27FC236}">
-                <a16:creationId xmlns:a16="http://schemas.microsoft.com/office/drawing/2014/main" id="{DB83B0FE-D61C-45EA-A314-BE23891120F1}"/>
-              </a:ext>
-            </a:extLst>
-          </p:cNvPr>
+            <a:endParaRPr lang="zh-CN" altLang="en-US"/>
+          </a:p>
+        </p:txBody>
+      </p:sp>
+      <p:sp>
+        <p:nvSpPr>
+          <p:cNvPr id="3" name="内容占位符 2"/>
           <p:cNvSpPr>
             <a:spLocks noGrp="1"/>
           </p:cNvSpPr>
@@ -1282,6 +1295,7 @@
               <a:rPr lang="zh-CN" altLang="en-US"/>
               <a:t>单击此处编辑母版文本样式</a:t>
             </a:r>
+            <a:endParaRPr lang="zh-CN" altLang="en-US"/>
           </a:p>
           <a:p>
             <a:pPr lvl="1"/>
@@ -1289,6 +1303,7 @@
               <a:rPr lang="zh-CN" altLang="en-US"/>
               <a:t>二级</a:t>
             </a:r>
+            <a:endParaRPr lang="zh-CN" altLang="en-US"/>
           </a:p>
           <a:p>
             <a:pPr lvl="2"/>
@@ -1296,6 +1311,7 @@
               <a:rPr lang="zh-CN" altLang="en-US"/>
               <a:t>三级</a:t>
             </a:r>
+            <a:endParaRPr lang="zh-CN" altLang="en-US"/>
           </a:p>
           <a:p>
             <a:pPr lvl="3"/>
@@ -1303,6 +1319,7 @@
               <a:rPr lang="zh-CN" altLang="en-US"/>
               <a:t>四级</a:t>
             </a:r>
+            <a:endParaRPr lang="zh-CN" altLang="en-US"/>
           </a:p>
           <a:p>
             <a:pPr lvl="4"/>
@@ -1310,18 +1327,13 @@
               <a:rPr lang="zh-CN" altLang="en-US"/>
               <a:t>五级</a:t>
             </a:r>
-          </a:p>
-        </p:txBody>
-      </p:sp>
-      <p:sp>
-        <p:nvSpPr>
-          <p:cNvPr id="4" name="内容占位符 3">
-            <a:extLst>
-              <a:ext uri="{FF2B5EF4-FFF2-40B4-BE49-F238E27FC236}">
-                <a16:creationId xmlns:a16="http://schemas.microsoft.com/office/drawing/2014/main" id="{729D1ACE-DC32-4FA8-80C0-FE8852CF605C}"/>
-              </a:ext>
-            </a:extLst>
-          </p:cNvPr>
+            <a:endParaRPr lang="zh-CN" altLang="en-US"/>
+          </a:p>
+        </p:txBody>
+      </p:sp>
+      <p:sp>
+        <p:nvSpPr>
+          <p:cNvPr id="4" name="内容占位符 3"/>
           <p:cNvSpPr>
             <a:spLocks noGrp="1"/>
           </p:cNvSpPr>
@@ -1344,6 +1356,7 @@
               <a:rPr lang="zh-CN" altLang="en-US"/>
               <a:t>单击此处编辑母版文本样式</a:t>
             </a:r>
+            <a:endParaRPr lang="zh-CN" altLang="en-US"/>
           </a:p>
           <a:p>
             <a:pPr lvl="1"/>
@@ -1351,6 +1364,7 @@
               <a:rPr lang="zh-CN" altLang="en-US"/>
               <a:t>二级</a:t>
             </a:r>
+            <a:endParaRPr lang="zh-CN" altLang="en-US"/>
           </a:p>
           <a:p>
             <a:pPr lvl="2"/>
@@ -1358,6 +1372,7 @@
               <a:rPr lang="zh-CN" altLang="en-US"/>
               <a:t>三级</a:t>
             </a:r>
+            <a:endParaRPr lang="zh-CN" altLang="en-US"/>
           </a:p>
           <a:p>
             <a:pPr lvl="3"/>
@@ -1365,6 +1380,7 @@
               <a:rPr lang="zh-CN" altLang="en-US"/>
               <a:t>四级</a:t>
             </a:r>
+            <a:endParaRPr lang="zh-CN" altLang="en-US"/>
           </a:p>
           <a:p>
             <a:pPr lvl="4"/>
@@ -1372,18 +1388,13 @@
               <a:rPr lang="zh-CN" altLang="en-US"/>
               <a:t>五级</a:t>
             </a:r>
-          </a:p>
-        </p:txBody>
-      </p:sp>
-      <p:sp>
-        <p:nvSpPr>
-          <p:cNvPr id="5" name="日期占位符 4">
-            <a:extLst>
-              <a:ext uri="{FF2B5EF4-FFF2-40B4-BE49-F238E27FC236}">
-                <a16:creationId xmlns:a16="http://schemas.microsoft.com/office/drawing/2014/main" id="{C215157C-42A1-4CE2-8B8F-FCB3EC43191A}"/>
-              </a:ext>
-            </a:extLst>
-          </p:cNvPr>
+            <a:endParaRPr lang="zh-CN" altLang="en-US"/>
+          </a:p>
+        </p:txBody>
+      </p:sp>
+      <p:sp>
+        <p:nvSpPr>
+          <p:cNvPr id="5" name="日期占位符 4"/>
           <p:cNvSpPr>
             <a:spLocks noGrp="1"/>
           </p:cNvSpPr>
@@ -1398,7 +1409,6 @@
           <a:p>
             <a:fld id="{8B90E707-2250-46BB-9232-0DD54C0D4D6F}" type="datetimeFigureOut">
               <a:rPr lang="zh-CN" altLang="en-US" smtClean="0"/>
-              <a:t>2019/4/26</a:t>
             </a:fld>
             <a:endParaRPr lang="zh-CN" altLang="en-US"/>
           </a:p>
@@ -1406,13 +1416,7 @@
       </p:sp>
       <p:sp>
         <p:nvSpPr>
-          <p:cNvPr id="6" name="页脚占位符 5">
-            <a:extLst>
-              <a:ext uri="{FF2B5EF4-FFF2-40B4-BE49-F238E27FC236}">
-                <a16:creationId xmlns:a16="http://schemas.microsoft.com/office/drawing/2014/main" id="{909696D2-0F15-4D5F-92D9-2705135E88C8}"/>
-              </a:ext>
-            </a:extLst>
-          </p:cNvPr>
+          <p:cNvPr id="6" name="页脚占位符 5"/>
           <p:cNvSpPr>
             <a:spLocks noGrp="1"/>
           </p:cNvSpPr>
@@ -1431,13 +1435,7 @@
       </p:sp>
       <p:sp>
         <p:nvSpPr>
-          <p:cNvPr id="7" name="灯片编号占位符 6">
-            <a:extLst>
-              <a:ext uri="{FF2B5EF4-FFF2-40B4-BE49-F238E27FC236}">
-                <a16:creationId xmlns:a16="http://schemas.microsoft.com/office/drawing/2014/main" id="{78BCA7A5-AFED-4158-8427-A8DB7A4D18CE}"/>
-              </a:ext>
-            </a:extLst>
-          </p:cNvPr>
+          <p:cNvPr id="7" name="灯片编号占位符 6"/>
           <p:cNvSpPr>
             <a:spLocks noGrp="1"/>
           </p:cNvSpPr>
@@ -1452,18 +1450,12 @@
           <a:p>
             <a:fld id="{F3C4FE25-33A0-43AE-9374-720E9D455181}" type="slidenum">
               <a:rPr lang="zh-CN" altLang="en-US" smtClean="0"/>
-              <a:t>‹#›</a:t>
             </a:fld>
             <a:endParaRPr lang="zh-CN" altLang="en-US"/>
           </a:p>
         </p:txBody>
       </p:sp>
     </p:spTree>
-    <p:extLst>
-      <p:ext uri="{BB962C8B-B14F-4D97-AF65-F5344CB8AC3E}">
-        <p14:creationId xmlns:p14="http://schemas.microsoft.com/office/powerpoint/2010/main" val="66762443"/>
-      </p:ext>
-    </p:extLst>
   </p:cSld>
   <p:clrMapOvr>
     <a:masterClrMapping/>
@@ -1471,7 +1463,7 @@
 </p:sldLayout>
 </file>
 
-<file path=ppt/slideLayouts/slideLayout5.xml><?xml version="1.0" encoding="utf-8"?>
+<file path=ppt/slideLayouts/slideLayout16.xml><?xml version="1.0" encoding="utf-8"?>
 <p:sldLayout xmlns:a="http://schemas.openxmlformats.org/drawingml/2006/main" xmlns:r="http://schemas.openxmlformats.org/officeDocument/2006/relationships" xmlns:p="http://schemas.openxmlformats.org/presentationml/2006/main" type="twoTxTwoObj" preserve="1">
   <p:cSld name="比较">
     <p:spTree>
@@ -1490,13 +1482,7 @@
       </p:grpSpPr>
       <p:sp>
         <p:nvSpPr>
-          <p:cNvPr id="2" name="标题 1">
-            <a:extLst>
-              <a:ext uri="{FF2B5EF4-FFF2-40B4-BE49-F238E27FC236}">
-                <a16:creationId xmlns:a16="http://schemas.microsoft.com/office/drawing/2014/main" id="{773C9A37-4A71-4DE5-B016-5BB943DF4C37}"/>
-              </a:ext>
-            </a:extLst>
-          </p:cNvPr>
+          <p:cNvPr id="2" name="标题 1"/>
           <p:cNvSpPr>
             <a:spLocks noGrp="1"/>
           </p:cNvSpPr>
@@ -1518,18 +1504,13 @@
               <a:rPr lang="zh-CN" altLang="en-US"/>
               <a:t>单击此处编辑母版标题样式</a:t>
             </a:r>
-          </a:p>
-        </p:txBody>
-      </p:sp>
-      <p:sp>
-        <p:nvSpPr>
-          <p:cNvPr id="3" name="文本占位符 2">
-            <a:extLst>
-              <a:ext uri="{FF2B5EF4-FFF2-40B4-BE49-F238E27FC236}">
-                <a16:creationId xmlns:a16="http://schemas.microsoft.com/office/drawing/2014/main" id="{8C8C285B-3010-4FD2-B291-6A0492D8E129}"/>
-              </a:ext>
-            </a:extLst>
-          </p:cNvPr>
+            <a:endParaRPr lang="zh-CN" altLang="en-US"/>
+          </a:p>
+        </p:txBody>
+      </p:sp>
+      <p:sp>
+        <p:nvSpPr>
+          <p:cNvPr id="3" name="文本占位符 2"/>
           <p:cNvSpPr>
             <a:spLocks noGrp="1"/>
           </p:cNvSpPr>
@@ -1589,18 +1570,13 @@
               <a:rPr lang="zh-CN" altLang="en-US"/>
               <a:t>单击此处编辑母版文本样式</a:t>
             </a:r>
-          </a:p>
-        </p:txBody>
-      </p:sp>
-      <p:sp>
-        <p:nvSpPr>
-          <p:cNvPr id="4" name="内容占位符 3">
-            <a:extLst>
-              <a:ext uri="{FF2B5EF4-FFF2-40B4-BE49-F238E27FC236}">
-                <a16:creationId xmlns:a16="http://schemas.microsoft.com/office/drawing/2014/main" id="{716644C4-F771-415A-AEA3-373B958AEA6C}"/>
-              </a:ext>
-            </a:extLst>
-          </p:cNvPr>
+            <a:endParaRPr lang="zh-CN" altLang="en-US"/>
+          </a:p>
+        </p:txBody>
+      </p:sp>
+      <p:sp>
+        <p:nvSpPr>
+          <p:cNvPr id="4" name="内容占位符 3"/>
           <p:cNvSpPr>
             <a:spLocks noGrp="1"/>
           </p:cNvSpPr>
@@ -1623,6 +1599,7 @@
               <a:rPr lang="zh-CN" altLang="en-US"/>
               <a:t>单击此处编辑母版文本样式</a:t>
             </a:r>
+            <a:endParaRPr lang="zh-CN" altLang="en-US"/>
           </a:p>
           <a:p>
             <a:pPr lvl="1"/>
@@ -1630,6 +1607,7 @@
               <a:rPr lang="zh-CN" altLang="en-US"/>
               <a:t>二级</a:t>
             </a:r>
+            <a:endParaRPr lang="zh-CN" altLang="en-US"/>
           </a:p>
           <a:p>
             <a:pPr lvl="2"/>
@@ -1637,6 +1615,7 @@
               <a:rPr lang="zh-CN" altLang="en-US"/>
               <a:t>三级</a:t>
             </a:r>
+            <a:endParaRPr lang="zh-CN" altLang="en-US"/>
           </a:p>
           <a:p>
             <a:pPr lvl="3"/>
@@ -1644,6 +1623,7 @@
               <a:rPr lang="zh-CN" altLang="en-US"/>
               <a:t>四级</a:t>
             </a:r>
+            <a:endParaRPr lang="zh-CN" altLang="en-US"/>
           </a:p>
           <a:p>
             <a:pPr lvl="4"/>
@@ -1651,18 +1631,13 @@
               <a:rPr lang="zh-CN" altLang="en-US"/>
               <a:t>五级</a:t>
             </a:r>
-          </a:p>
-        </p:txBody>
-      </p:sp>
-      <p:sp>
-        <p:nvSpPr>
-          <p:cNvPr id="5" name="文本占位符 4">
-            <a:extLst>
-              <a:ext uri="{FF2B5EF4-FFF2-40B4-BE49-F238E27FC236}">
-                <a16:creationId xmlns:a16="http://schemas.microsoft.com/office/drawing/2014/main" id="{24D1185B-0BA1-422B-B1F8-4A50F04A04D7}"/>
-              </a:ext>
-            </a:extLst>
-          </p:cNvPr>
+            <a:endParaRPr lang="zh-CN" altLang="en-US"/>
+          </a:p>
+        </p:txBody>
+      </p:sp>
+      <p:sp>
+        <p:nvSpPr>
+          <p:cNvPr id="5" name="文本占位符 4"/>
           <p:cNvSpPr>
             <a:spLocks noGrp="1"/>
           </p:cNvSpPr>
@@ -1722,18 +1697,13 @@
               <a:rPr lang="zh-CN" altLang="en-US"/>
               <a:t>单击此处编辑母版文本样式</a:t>
             </a:r>
-          </a:p>
-        </p:txBody>
-      </p:sp>
-      <p:sp>
-        <p:nvSpPr>
-          <p:cNvPr id="6" name="内容占位符 5">
-            <a:extLst>
-              <a:ext uri="{FF2B5EF4-FFF2-40B4-BE49-F238E27FC236}">
-                <a16:creationId xmlns:a16="http://schemas.microsoft.com/office/drawing/2014/main" id="{7647CC64-084A-483E-8B75-CD8E8E81DFAF}"/>
-              </a:ext>
-            </a:extLst>
-          </p:cNvPr>
+            <a:endParaRPr lang="zh-CN" altLang="en-US"/>
+          </a:p>
+        </p:txBody>
+      </p:sp>
+      <p:sp>
+        <p:nvSpPr>
+          <p:cNvPr id="6" name="内容占位符 5"/>
           <p:cNvSpPr>
             <a:spLocks noGrp="1"/>
           </p:cNvSpPr>
@@ -1756,6 +1726,7 @@
               <a:rPr lang="zh-CN" altLang="en-US"/>
               <a:t>单击此处编辑母版文本样式</a:t>
             </a:r>
+            <a:endParaRPr lang="zh-CN" altLang="en-US"/>
           </a:p>
           <a:p>
             <a:pPr lvl="1"/>
@@ -1763,6 +1734,7 @@
               <a:rPr lang="zh-CN" altLang="en-US"/>
               <a:t>二级</a:t>
             </a:r>
+            <a:endParaRPr lang="zh-CN" altLang="en-US"/>
           </a:p>
           <a:p>
             <a:pPr lvl="2"/>
@@ -1770,6 +1742,7 @@
               <a:rPr lang="zh-CN" altLang="en-US"/>
               <a:t>三级</a:t>
             </a:r>
+            <a:endParaRPr lang="zh-CN" altLang="en-US"/>
           </a:p>
           <a:p>
             <a:pPr lvl="3"/>
@@ -1777,6 +1750,7 @@
               <a:rPr lang="zh-CN" altLang="en-US"/>
               <a:t>四级</a:t>
             </a:r>
+            <a:endParaRPr lang="zh-CN" altLang="en-US"/>
           </a:p>
           <a:p>
             <a:pPr lvl="4"/>
@@ -1784,18 +1758,13 @@
               <a:rPr lang="zh-CN" altLang="en-US"/>
               <a:t>五级</a:t>
             </a:r>
-          </a:p>
-        </p:txBody>
-      </p:sp>
-      <p:sp>
-        <p:nvSpPr>
-          <p:cNvPr id="7" name="日期占位符 6">
-            <a:extLst>
-              <a:ext uri="{FF2B5EF4-FFF2-40B4-BE49-F238E27FC236}">
-                <a16:creationId xmlns:a16="http://schemas.microsoft.com/office/drawing/2014/main" id="{A7752958-747C-4850-8430-E2CD1A8A063B}"/>
-              </a:ext>
-            </a:extLst>
-          </p:cNvPr>
+            <a:endParaRPr lang="zh-CN" altLang="en-US"/>
+          </a:p>
+        </p:txBody>
+      </p:sp>
+      <p:sp>
+        <p:nvSpPr>
+          <p:cNvPr id="7" name="日期占位符 6"/>
           <p:cNvSpPr>
             <a:spLocks noGrp="1"/>
           </p:cNvSpPr>
@@ -1810,7 +1779,6 @@
           <a:p>
             <a:fld id="{8B90E707-2250-46BB-9232-0DD54C0D4D6F}" type="datetimeFigureOut">
               <a:rPr lang="zh-CN" altLang="en-US" smtClean="0"/>
-              <a:t>2019/4/26</a:t>
             </a:fld>
             <a:endParaRPr lang="zh-CN" altLang="en-US"/>
           </a:p>
@@ -1818,13 +1786,7 @@
       </p:sp>
       <p:sp>
         <p:nvSpPr>
-          <p:cNvPr id="8" name="页脚占位符 7">
-            <a:extLst>
-              <a:ext uri="{FF2B5EF4-FFF2-40B4-BE49-F238E27FC236}">
-                <a16:creationId xmlns:a16="http://schemas.microsoft.com/office/drawing/2014/main" id="{92E4FAE6-99F1-4B2C-83D2-96C9F0D1E1B1}"/>
-              </a:ext>
-            </a:extLst>
-          </p:cNvPr>
+          <p:cNvPr id="8" name="页脚占位符 7"/>
           <p:cNvSpPr>
             <a:spLocks noGrp="1"/>
           </p:cNvSpPr>
@@ -1843,13 +1805,7 @@
       </p:sp>
       <p:sp>
         <p:nvSpPr>
-          <p:cNvPr id="9" name="灯片编号占位符 8">
-            <a:extLst>
-              <a:ext uri="{FF2B5EF4-FFF2-40B4-BE49-F238E27FC236}">
-                <a16:creationId xmlns:a16="http://schemas.microsoft.com/office/drawing/2014/main" id="{12FEB696-8230-43D0-A954-F06675132ED0}"/>
-              </a:ext>
-            </a:extLst>
-          </p:cNvPr>
+          <p:cNvPr id="9" name="灯片编号占位符 8"/>
           <p:cNvSpPr>
             <a:spLocks noGrp="1"/>
           </p:cNvSpPr>
@@ -1864,18 +1820,12 @@
           <a:p>
             <a:fld id="{F3C4FE25-33A0-43AE-9374-720E9D455181}" type="slidenum">
               <a:rPr lang="zh-CN" altLang="en-US" smtClean="0"/>
-              <a:t>‹#›</a:t>
             </a:fld>
             <a:endParaRPr lang="zh-CN" altLang="en-US"/>
           </a:p>
         </p:txBody>
       </p:sp>
     </p:spTree>
-    <p:extLst>
-      <p:ext uri="{BB962C8B-B14F-4D97-AF65-F5344CB8AC3E}">
-        <p14:creationId xmlns:p14="http://schemas.microsoft.com/office/powerpoint/2010/main" val="751367531"/>
-      </p:ext>
-    </p:extLst>
   </p:cSld>
   <p:clrMapOvr>
     <a:masterClrMapping/>
@@ -1883,7 +1833,7 @@
 </p:sldLayout>
 </file>
 
-<file path=ppt/slideLayouts/slideLayout6.xml><?xml version="1.0" encoding="utf-8"?>
+<file path=ppt/slideLayouts/slideLayout17.xml><?xml version="1.0" encoding="utf-8"?>
 <p:sldLayout xmlns:a="http://schemas.openxmlformats.org/drawingml/2006/main" xmlns:r="http://schemas.openxmlformats.org/officeDocument/2006/relationships" xmlns:p="http://schemas.openxmlformats.org/presentationml/2006/main" type="titleOnly" preserve="1">
   <p:cSld name="仅标题">
     <p:spTree>
@@ -1902,13 +1852,7 @@
       </p:grpSpPr>
       <p:sp>
         <p:nvSpPr>
-          <p:cNvPr id="2" name="标题 1">
-            <a:extLst>
-              <a:ext uri="{FF2B5EF4-FFF2-40B4-BE49-F238E27FC236}">
-                <a16:creationId xmlns:a16="http://schemas.microsoft.com/office/drawing/2014/main" id="{0B6BA8E6-E499-4478-AB70-BDDDB8F998E2}"/>
-              </a:ext>
-            </a:extLst>
-          </p:cNvPr>
+          <p:cNvPr id="2" name="标题 1"/>
           <p:cNvSpPr>
             <a:spLocks noGrp="1"/>
           </p:cNvSpPr>
@@ -1925,18 +1869,13 @@
               <a:rPr lang="zh-CN" altLang="en-US"/>
               <a:t>单击此处编辑母版标题样式</a:t>
             </a:r>
-          </a:p>
-        </p:txBody>
-      </p:sp>
-      <p:sp>
-        <p:nvSpPr>
-          <p:cNvPr id="3" name="日期占位符 2">
-            <a:extLst>
-              <a:ext uri="{FF2B5EF4-FFF2-40B4-BE49-F238E27FC236}">
-                <a16:creationId xmlns:a16="http://schemas.microsoft.com/office/drawing/2014/main" id="{4B2FDC09-4DED-4A27-8878-571962897A93}"/>
-              </a:ext>
-            </a:extLst>
-          </p:cNvPr>
+            <a:endParaRPr lang="zh-CN" altLang="en-US"/>
+          </a:p>
+        </p:txBody>
+      </p:sp>
+      <p:sp>
+        <p:nvSpPr>
+          <p:cNvPr id="3" name="日期占位符 2"/>
           <p:cNvSpPr>
             <a:spLocks noGrp="1"/>
           </p:cNvSpPr>
@@ -1951,7 +1890,6 @@
           <a:p>
             <a:fld id="{8B90E707-2250-46BB-9232-0DD54C0D4D6F}" type="datetimeFigureOut">
               <a:rPr lang="zh-CN" altLang="en-US" smtClean="0"/>
-              <a:t>2019/4/26</a:t>
             </a:fld>
             <a:endParaRPr lang="zh-CN" altLang="en-US"/>
           </a:p>
@@ -1959,13 +1897,7 @@
       </p:sp>
       <p:sp>
         <p:nvSpPr>
-          <p:cNvPr id="4" name="页脚占位符 3">
-            <a:extLst>
-              <a:ext uri="{FF2B5EF4-FFF2-40B4-BE49-F238E27FC236}">
-                <a16:creationId xmlns:a16="http://schemas.microsoft.com/office/drawing/2014/main" id="{D99728B5-B837-4837-92BC-49549C1BCEA4}"/>
-              </a:ext>
-            </a:extLst>
-          </p:cNvPr>
+          <p:cNvPr id="4" name="页脚占位符 3"/>
           <p:cNvSpPr>
             <a:spLocks noGrp="1"/>
           </p:cNvSpPr>
@@ -1984,13 +1916,7 @@
       </p:sp>
       <p:sp>
         <p:nvSpPr>
-          <p:cNvPr id="5" name="灯片编号占位符 4">
-            <a:extLst>
-              <a:ext uri="{FF2B5EF4-FFF2-40B4-BE49-F238E27FC236}">
-                <a16:creationId xmlns:a16="http://schemas.microsoft.com/office/drawing/2014/main" id="{6D96153B-5899-4C54-A1B9-991315953DFF}"/>
-              </a:ext>
-            </a:extLst>
-          </p:cNvPr>
+          <p:cNvPr id="5" name="灯片编号占位符 4"/>
           <p:cNvSpPr>
             <a:spLocks noGrp="1"/>
           </p:cNvSpPr>
@@ -2005,18 +1931,12 @@
           <a:p>
             <a:fld id="{F3C4FE25-33A0-43AE-9374-720E9D455181}" type="slidenum">
               <a:rPr lang="zh-CN" altLang="en-US" smtClean="0"/>
-              <a:t>‹#›</a:t>
             </a:fld>
             <a:endParaRPr lang="zh-CN" altLang="en-US"/>
           </a:p>
         </p:txBody>
       </p:sp>
     </p:spTree>
-    <p:extLst>
-      <p:ext uri="{BB962C8B-B14F-4D97-AF65-F5344CB8AC3E}">
-        <p14:creationId xmlns:p14="http://schemas.microsoft.com/office/powerpoint/2010/main" val="1335790541"/>
-      </p:ext>
-    </p:extLst>
   </p:cSld>
   <p:clrMapOvr>
     <a:masterClrMapping/>
@@ -2024,7 +1944,7 @@
 </p:sldLayout>
 </file>
 
-<file path=ppt/slideLayouts/slideLayout7.xml><?xml version="1.0" encoding="utf-8"?>
+<file path=ppt/slideLayouts/slideLayout18.xml><?xml version="1.0" encoding="utf-8"?>
 <p:sldLayout xmlns:a="http://schemas.openxmlformats.org/drawingml/2006/main" xmlns:r="http://schemas.openxmlformats.org/officeDocument/2006/relationships" xmlns:p="http://schemas.openxmlformats.org/presentationml/2006/main" type="blank" preserve="1">
   <p:cSld name="空白">
     <p:spTree>
@@ -2043,13 +1963,7 @@
       </p:grpSpPr>
       <p:sp>
         <p:nvSpPr>
-          <p:cNvPr id="2" name="日期占位符 1">
-            <a:extLst>
-              <a:ext uri="{FF2B5EF4-FFF2-40B4-BE49-F238E27FC236}">
-                <a16:creationId xmlns:a16="http://schemas.microsoft.com/office/drawing/2014/main" id="{6AB12269-BD5E-4472-8B3F-C6E4DAB2E2F5}"/>
-              </a:ext>
-            </a:extLst>
-          </p:cNvPr>
+          <p:cNvPr id="2" name="日期占位符 1"/>
           <p:cNvSpPr>
             <a:spLocks noGrp="1"/>
           </p:cNvSpPr>
@@ -2064,7 +1978,6 @@
           <a:p>
             <a:fld id="{8B90E707-2250-46BB-9232-0DD54C0D4D6F}" type="datetimeFigureOut">
               <a:rPr lang="zh-CN" altLang="en-US" smtClean="0"/>
-              <a:t>2019/4/26</a:t>
             </a:fld>
             <a:endParaRPr lang="zh-CN" altLang="en-US"/>
           </a:p>
@@ -2072,13 +1985,7 @@
       </p:sp>
       <p:sp>
         <p:nvSpPr>
-          <p:cNvPr id="3" name="页脚占位符 2">
-            <a:extLst>
-              <a:ext uri="{FF2B5EF4-FFF2-40B4-BE49-F238E27FC236}">
-                <a16:creationId xmlns:a16="http://schemas.microsoft.com/office/drawing/2014/main" id="{6B75A588-FA8C-4143-98DA-F9BBC036F3D5}"/>
-              </a:ext>
-            </a:extLst>
-          </p:cNvPr>
+          <p:cNvPr id="3" name="页脚占位符 2"/>
           <p:cNvSpPr>
             <a:spLocks noGrp="1"/>
           </p:cNvSpPr>
@@ -2097,13 +2004,7 @@
       </p:sp>
       <p:sp>
         <p:nvSpPr>
-          <p:cNvPr id="4" name="灯片编号占位符 3">
-            <a:extLst>
-              <a:ext uri="{FF2B5EF4-FFF2-40B4-BE49-F238E27FC236}">
-                <a16:creationId xmlns:a16="http://schemas.microsoft.com/office/drawing/2014/main" id="{658C5799-4A93-40E8-9FC1-108488615F07}"/>
-              </a:ext>
-            </a:extLst>
-          </p:cNvPr>
+          <p:cNvPr id="4" name="灯片编号占位符 3"/>
           <p:cNvSpPr>
             <a:spLocks noGrp="1"/>
           </p:cNvSpPr>
@@ -2118,18 +2019,12 @@
           <a:p>
             <a:fld id="{F3C4FE25-33A0-43AE-9374-720E9D455181}" type="slidenum">
               <a:rPr lang="zh-CN" altLang="en-US" smtClean="0"/>
-              <a:t>‹#›</a:t>
             </a:fld>
             <a:endParaRPr lang="zh-CN" altLang="en-US"/>
           </a:p>
         </p:txBody>
       </p:sp>
     </p:spTree>
-    <p:extLst>
-      <p:ext uri="{BB962C8B-B14F-4D97-AF65-F5344CB8AC3E}">
-        <p14:creationId xmlns:p14="http://schemas.microsoft.com/office/powerpoint/2010/main" val="546330831"/>
-      </p:ext>
-    </p:extLst>
   </p:cSld>
   <p:clrMapOvr>
     <a:masterClrMapping/>
@@ -2137,7 +2032,7 @@
 </p:sldLayout>
 </file>
 
-<file path=ppt/slideLayouts/slideLayout8.xml><?xml version="1.0" encoding="utf-8"?>
+<file path=ppt/slideLayouts/slideLayout19.xml><?xml version="1.0" encoding="utf-8"?>
 <p:sldLayout xmlns:a="http://schemas.openxmlformats.org/drawingml/2006/main" xmlns:r="http://schemas.openxmlformats.org/officeDocument/2006/relationships" xmlns:p="http://schemas.openxmlformats.org/presentationml/2006/main" type="objTx" preserve="1">
   <p:cSld name="内容与标题">
     <p:spTree>
@@ -2156,13 +2051,7 @@
       </p:grpSpPr>
       <p:sp>
         <p:nvSpPr>
-          <p:cNvPr id="2" name="标题 1">
-            <a:extLst>
-              <a:ext uri="{FF2B5EF4-FFF2-40B4-BE49-F238E27FC236}">
-                <a16:creationId xmlns:a16="http://schemas.microsoft.com/office/drawing/2014/main" id="{456102A4-08AF-49D7-B87A-26FA19D7F374}"/>
-              </a:ext>
-            </a:extLst>
-          </p:cNvPr>
+          <p:cNvPr id="2" name="标题 1"/>
           <p:cNvSpPr>
             <a:spLocks noGrp="1"/>
           </p:cNvSpPr>
@@ -2188,18 +2077,13 @@
               <a:rPr lang="zh-CN" altLang="en-US"/>
               <a:t>单击此处编辑母版标题样式</a:t>
             </a:r>
-          </a:p>
-        </p:txBody>
-      </p:sp>
-      <p:sp>
-        <p:nvSpPr>
-          <p:cNvPr id="3" name="内容占位符 2">
-            <a:extLst>
-              <a:ext uri="{FF2B5EF4-FFF2-40B4-BE49-F238E27FC236}">
-                <a16:creationId xmlns:a16="http://schemas.microsoft.com/office/drawing/2014/main" id="{DC672742-8FCB-4A34-9136-A97FA637BA3C}"/>
-              </a:ext>
-            </a:extLst>
-          </p:cNvPr>
+            <a:endParaRPr lang="zh-CN" altLang="en-US"/>
+          </a:p>
+        </p:txBody>
+      </p:sp>
+      <p:sp>
+        <p:nvSpPr>
+          <p:cNvPr id="3" name="内容占位符 2"/>
           <p:cNvSpPr>
             <a:spLocks noGrp="1"/>
           </p:cNvSpPr>
@@ -2250,6 +2134,7 @@
               <a:rPr lang="zh-CN" altLang="en-US"/>
               <a:t>单击此处编辑母版文本样式</a:t>
             </a:r>
+            <a:endParaRPr lang="zh-CN" altLang="en-US"/>
           </a:p>
           <a:p>
             <a:pPr lvl="1"/>
@@ -2257,6 +2142,7 @@
               <a:rPr lang="zh-CN" altLang="en-US"/>
               <a:t>二级</a:t>
             </a:r>
+            <a:endParaRPr lang="zh-CN" altLang="en-US"/>
           </a:p>
           <a:p>
             <a:pPr lvl="2"/>
@@ -2264,6 +2150,7 @@
               <a:rPr lang="zh-CN" altLang="en-US"/>
               <a:t>三级</a:t>
             </a:r>
+            <a:endParaRPr lang="zh-CN" altLang="en-US"/>
           </a:p>
           <a:p>
             <a:pPr lvl="3"/>
@@ -2271,6 +2158,7 @@
               <a:rPr lang="zh-CN" altLang="en-US"/>
               <a:t>四级</a:t>
             </a:r>
+            <a:endParaRPr lang="zh-CN" altLang="en-US"/>
           </a:p>
           <a:p>
             <a:pPr lvl="4"/>
@@ -2278,18 +2166,13 @@
               <a:rPr lang="zh-CN" altLang="en-US"/>
               <a:t>五级</a:t>
             </a:r>
-          </a:p>
-        </p:txBody>
-      </p:sp>
-      <p:sp>
-        <p:nvSpPr>
-          <p:cNvPr id="4" name="文本占位符 3">
-            <a:extLst>
-              <a:ext uri="{FF2B5EF4-FFF2-40B4-BE49-F238E27FC236}">
-                <a16:creationId xmlns:a16="http://schemas.microsoft.com/office/drawing/2014/main" id="{917BBDFA-B7FF-486E-815D-BD5312A23F13}"/>
-              </a:ext>
-            </a:extLst>
-          </p:cNvPr>
+            <a:endParaRPr lang="zh-CN" altLang="en-US"/>
+          </a:p>
+        </p:txBody>
+      </p:sp>
+      <p:sp>
+        <p:nvSpPr>
+          <p:cNvPr id="4" name="文本占位符 3"/>
           <p:cNvSpPr>
             <a:spLocks noGrp="1"/>
           </p:cNvSpPr>
@@ -2349,18 +2232,13 @@
               <a:rPr lang="zh-CN" altLang="en-US"/>
               <a:t>单击此处编辑母版文本样式</a:t>
             </a:r>
-          </a:p>
-        </p:txBody>
-      </p:sp>
-      <p:sp>
-        <p:nvSpPr>
-          <p:cNvPr id="5" name="日期占位符 4">
-            <a:extLst>
-              <a:ext uri="{FF2B5EF4-FFF2-40B4-BE49-F238E27FC236}">
-                <a16:creationId xmlns:a16="http://schemas.microsoft.com/office/drawing/2014/main" id="{19BE41FD-4E38-4B78-AA61-82F8F8720EC7}"/>
-              </a:ext>
-            </a:extLst>
-          </p:cNvPr>
+            <a:endParaRPr lang="zh-CN" altLang="en-US"/>
+          </a:p>
+        </p:txBody>
+      </p:sp>
+      <p:sp>
+        <p:nvSpPr>
+          <p:cNvPr id="5" name="日期占位符 4"/>
           <p:cNvSpPr>
             <a:spLocks noGrp="1"/>
           </p:cNvSpPr>
@@ -2375,7 +2253,6 @@
           <a:p>
             <a:fld id="{8B90E707-2250-46BB-9232-0DD54C0D4D6F}" type="datetimeFigureOut">
               <a:rPr lang="zh-CN" altLang="en-US" smtClean="0"/>
-              <a:t>2019/4/26</a:t>
             </a:fld>
             <a:endParaRPr lang="zh-CN" altLang="en-US"/>
           </a:p>
@@ -2383,13 +2260,7 @@
       </p:sp>
       <p:sp>
         <p:nvSpPr>
-          <p:cNvPr id="6" name="页脚占位符 5">
-            <a:extLst>
-              <a:ext uri="{FF2B5EF4-FFF2-40B4-BE49-F238E27FC236}">
-                <a16:creationId xmlns:a16="http://schemas.microsoft.com/office/drawing/2014/main" id="{9D37CEB5-3B3D-4A11-8A66-766609762390}"/>
-              </a:ext>
-            </a:extLst>
-          </p:cNvPr>
+          <p:cNvPr id="6" name="页脚占位符 5"/>
           <p:cNvSpPr>
             <a:spLocks noGrp="1"/>
           </p:cNvSpPr>
@@ -2408,13 +2279,7 @@
       </p:sp>
       <p:sp>
         <p:nvSpPr>
-          <p:cNvPr id="7" name="灯片编号占位符 6">
-            <a:extLst>
-              <a:ext uri="{FF2B5EF4-FFF2-40B4-BE49-F238E27FC236}">
-                <a16:creationId xmlns:a16="http://schemas.microsoft.com/office/drawing/2014/main" id="{C09B92AF-CC8C-4FB5-8DC0-9CB8FE071D58}"/>
-              </a:ext>
-            </a:extLst>
-          </p:cNvPr>
+          <p:cNvPr id="7" name="灯片编号占位符 6"/>
           <p:cNvSpPr>
             <a:spLocks noGrp="1"/>
           </p:cNvSpPr>
@@ -2429,18 +2294,2087 @@
           <a:p>
             <a:fld id="{F3C4FE25-33A0-43AE-9374-720E9D455181}" type="slidenum">
               <a:rPr lang="zh-CN" altLang="en-US" smtClean="0"/>
-              <a:t>‹#›</a:t>
             </a:fld>
             <a:endParaRPr lang="zh-CN" altLang="en-US"/>
           </a:p>
         </p:txBody>
       </p:sp>
     </p:spTree>
-    <p:extLst>
-      <p:ext uri="{BB962C8B-B14F-4D97-AF65-F5344CB8AC3E}">
-        <p14:creationId xmlns:p14="http://schemas.microsoft.com/office/powerpoint/2010/main" val="3621862455"/>
-      </p:ext>
-    </p:extLst>
+  </p:cSld>
+  <p:clrMapOvr>
+    <a:masterClrMapping/>
+  </p:clrMapOvr>
+</p:sldLayout>
+</file>
+
+<file path=ppt/slideLayouts/slideLayout2.xml><?xml version="1.0" encoding="utf-8"?>
+<p:sldLayout xmlns:a="http://schemas.openxmlformats.org/drawingml/2006/main" xmlns:r="http://schemas.openxmlformats.org/officeDocument/2006/relationships" xmlns:p="http://schemas.openxmlformats.org/presentationml/2006/main" type="obj" preserve="1">
+  <p:cSld name="标题和内容">
+    <p:spTree>
+      <p:nvGrpSpPr>
+        <p:cNvPr id="1" name=""/>
+        <p:cNvGrpSpPr/>
+        <p:nvPr/>
+      </p:nvGrpSpPr>
+      <p:grpSpPr>
+        <a:xfrm>
+          <a:off x="0" y="0"/>
+          <a:ext cx="0" cy="0"/>
+          <a:chOff x="0" y="0"/>
+          <a:chExt cx="0" cy="0"/>
+        </a:xfrm>
+      </p:grpSpPr>
+      <p:sp>
+        <p:nvSpPr>
+          <p:cNvPr id="2" name="标题 1"/>
+          <p:cNvSpPr>
+            <a:spLocks noGrp="1"/>
+          </p:cNvSpPr>
+          <p:nvPr>
+            <p:ph type="title"/>
+          </p:nvPr>
+        </p:nvSpPr>
+        <p:spPr/>
+        <p:txBody>
+          <a:bodyPr/>
+          <a:lstStyle/>
+          <a:p>
+            <a:r>
+              <a:rPr lang="zh-CN" altLang="en-US"/>
+              <a:t>单击此处编辑母版标题样式</a:t>
+            </a:r>
+            <a:endParaRPr lang="zh-CN" altLang="en-US"/>
+          </a:p>
+        </p:txBody>
+      </p:sp>
+      <p:sp>
+        <p:nvSpPr>
+          <p:cNvPr id="3" name="内容占位符 2"/>
+          <p:cNvSpPr>
+            <a:spLocks noGrp="1"/>
+          </p:cNvSpPr>
+          <p:nvPr>
+            <p:ph idx="1"/>
+          </p:nvPr>
+        </p:nvSpPr>
+        <p:spPr/>
+        <p:txBody>
+          <a:bodyPr/>
+          <a:lstStyle/>
+          <a:p>
+            <a:pPr lvl="0"/>
+            <a:r>
+              <a:rPr lang="zh-CN" altLang="en-US"/>
+              <a:t>单击此处编辑母版文本样式</a:t>
+            </a:r>
+            <a:endParaRPr lang="zh-CN" altLang="en-US"/>
+          </a:p>
+          <a:p>
+            <a:pPr lvl="1"/>
+            <a:r>
+              <a:rPr lang="zh-CN" altLang="en-US"/>
+              <a:t>二级</a:t>
+            </a:r>
+            <a:endParaRPr lang="zh-CN" altLang="en-US"/>
+          </a:p>
+          <a:p>
+            <a:pPr lvl="2"/>
+            <a:r>
+              <a:rPr lang="zh-CN" altLang="en-US"/>
+              <a:t>三级</a:t>
+            </a:r>
+            <a:endParaRPr lang="zh-CN" altLang="en-US"/>
+          </a:p>
+          <a:p>
+            <a:pPr lvl="3"/>
+            <a:r>
+              <a:rPr lang="zh-CN" altLang="en-US"/>
+              <a:t>四级</a:t>
+            </a:r>
+            <a:endParaRPr lang="zh-CN" altLang="en-US"/>
+          </a:p>
+          <a:p>
+            <a:pPr lvl="4"/>
+            <a:r>
+              <a:rPr lang="zh-CN" altLang="en-US"/>
+              <a:t>五级</a:t>
+            </a:r>
+            <a:endParaRPr lang="zh-CN" altLang="en-US"/>
+          </a:p>
+        </p:txBody>
+      </p:sp>
+      <p:sp>
+        <p:nvSpPr>
+          <p:cNvPr id="4" name="日期占位符 3"/>
+          <p:cNvSpPr>
+            <a:spLocks noGrp="1"/>
+          </p:cNvSpPr>
+          <p:nvPr>
+            <p:ph type="dt" sz="half" idx="10"/>
+          </p:nvPr>
+        </p:nvSpPr>
+        <p:spPr/>
+        <p:txBody>
+          <a:bodyPr/>
+          <a:lstStyle/>
+          <a:p>
+            <a:fld id="{8B90E707-2250-46BB-9232-0DD54C0D4D6F}" type="datetimeFigureOut">
+              <a:rPr lang="zh-CN" altLang="en-US" smtClean="0"/>
+            </a:fld>
+            <a:endParaRPr lang="zh-CN" altLang="en-US"/>
+          </a:p>
+        </p:txBody>
+      </p:sp>
+      <p:sp>
+        <p:nvSpPr>
+          <p:cNvPr id="5" name="页脚占位符 4"/>
+          <p:cNvSpPr>
+            <a:spLocks noGrp="1"/>
+          </p:cNvSpPr>
+          <p:nvPr>
+            <p:ph type="ftr" sz="quarter" idx="11"/>
+          </p:nvPr>
+        </p:nvSpPr>
+        <p:spPr/>
+        <p:txBody>
+          <a:bodyPr/>
+          <a:lstStyle/>
+          <a:p>
+            <a:endParaRPr lang="zh-CN" altLang="en-US"/>
+          </a:p>
+        </p:txBody>
+      </p:sp>
+      <p:sp>
+        <p:nvSpPr>
+          <p:cNvPr id="6" name="灯片编号占位符 5"/>
+          <p:cNvSpPr>
+            <a:spLocks noGrp="1"/>
+          </p:cNvSpPr>
+          <p:nvPr>
+            <p:ph type="sldNum" sz="quarter" idx="12"/>
+          </p:nvPr>
+        </p:nvSpPr>
+        <p:spPr/>
+        <p:txBody>
+          <a:bodyPr/>
+          <a:lstStyle/>
+          <a:p>
+            <a:fld id="{F3C4FE25-33A0-43AE-9374-720E9D455181}" type="slidenum">
+              <a:rPr lang="zh-CN" altLang="en-US" smtClean="0"/>
+            </a:fld>
+            <a:endParaRPr lang="zh-CN" altLang="en-US"/>
+          </a:p>
+        </p:txBody>
+      </p:sp>
+    </p:spTree>
+  </p:cSld>
+  <p:clrMapOvr>
+    <a:masterClrMapping/>
+  </p:clrMapOvr>
+</p:sldLayout>
+</file>
+
+<file path=ppt/slideLayouts/slideLayout20.xml><?xml version="1.0" encoding="utf-8"?>
+<p:sldLayout xmlns:a="http://schemas.openxmlformats.org/drawingml/2006/main" xmlns:r="http://schemas.openxmlformats.org/officeDocument/2006/relationships" xmlns:p="http://schemas.openxmlformats.org/presentationml/2006/main" type="picTx" preserve="1">
+  <p:cSld name="图片与标题">
+    <p:spTree>
+      <p:nvGrpSpPr>
+        <p:cNvPr id="1" name=""/>
+        <p:cNvGrpSpPr/>
+        <p:nvPr/>
+      </p:nvGrpSpPr>
+      <p:grpSpPr>
+        <a:xfrm>
+          <a:off x="0" y="0"/>
+          <a:ext cx="0" cy="0"/>
+          <a:chOff x="0" y="0"/>
+          <a:chExt cx="0" cy="0"/>
+        </a:xfrm>
+      </p:grpSpPr>
+      <p:sp>
+        <p:nvSpPr>
+          <p:cNvPr id="2" name="标题 1"/>
+          <p:cNvSpPr>
+            <a:spLocks noGrp="1"/>
+          </p:cNvSpPr>
+          <p:nvPr>
+            <p:ph type="title"/>
+          </p:nvPr>
+        </p:nvSpPr>
+        <p:spPr>
+          <a:xfrm>
+            <a:off x="839788" y="457200"/>
+            <a:ext cx="3932237" cy="1600200"/>
+          </a:xfrm>
+        </p:spPr>
+        <p:txBody>
+          <a:bodyPr anchor="b"/>
+          <a:lstStyle>
+            <a:lvl1pPr>
+              <a:defRPr sz="3200"/>
+            </a:lvl1pPr>
+          </a:lstStyle>
+          <a:p>
+            <a:r>
+              <a:rPr lang="zh-CN" altLang="en-US"/>
+              <a:t>单击此处编辑母版标题样式</a:t>
+            </a:r>
+            <a:endParaRPr lang="zh-CN" altLang="en-US"/>
+          </a:p>
+        </p:txBody>
+      </p:sp>
+      <p:sp>
+        <p:nvSpPr>
+          <p:cNvPr id="3" name="图片占位符 2"/>
+          <p:cNvSpPr>
+            <a:spLocks noGrp="1"/>
+          </p:cNvSpPr>
+          <p:nvPr>
+            <p:ph type="pic" idx="1"/>
+          </p:nvPr>
+        </p:nvSpPr>
+        <p:spPr>
+          <a:xfrm>
+            <a:off x="5183188" y="987425"/>
+            <a:ext cx="6172200" cy="4873625"/>
+          </a:xfrm>
+        </p:spPr>
+        <p:txBody>
+          <a:bodyPr/>
+          <a:lstStyle>
+            <a:lvl1pPr marL="0" indent="0">
+              <a:buNone/>
+              <a:defRPr sz="3200"/>
+            </a:lvl1pPr>
+            <a:lvl2pPr marL="457200" indent="0">
+              <a:buNone/>
+              <a:defRPr sz="2800"/>
+            </a:lvl2pPr>
+            <a:lvl3pPr marL="914400" indent="0">
+              <a:buNone/>
+              <a:defRPr sz="2400"/>
+            </a:lvl3pPr>
+            <a:lvl4pPr marL="1371600" indent="0">
+              <a:buNone/>
+              <a:defRPr sz="2000"/>
+            </a:lvl4pPr>
+            <a:lvl5pPr marL="1828800" indent="0">
+              <a:buNone/>
+              <a:defRPr sz="2000"/>
+            </a:lvl5pPr>
+            <a:lvl6pPr marL="2286000" indent="0">
+              <a:buNone/>
+              <a:defRPr sz="2000"/>
+            </a:lvl6pPr>
+            <a:lvl7pPr marL="2743200" indent="0">
+              <a:buNone/>
+              <a:defRPr sz="2000"/>
+            </a:lvl7pPr>
+            <a:lvl8pPr marL="3200400" indent="0">
+              <a:buNone/>
+              <a:defRPr sz="2000"/>
+            </a:lvl8pPr>
+            <a:lvl9pPr marL="3657600" indent="0">
+              <a:buNone/>
+              <a:defRPr sz="2000"/>
+            </a:lvl9pPr>
+          </a:lstStyle>
+          <a:p>
+            <a:endParaRPr lang="zh-CN" altLang="en-US"/>
+          </a:p>
+        </p:txBody>
+      </p:sp>
+      <p:sp>
+        <p:nvSpPr>
+          <p:cNvPr id="4" name="文本占位符 3"/>
+          <p:cNvSpPr>
+            <a:spLocks noGrp="1"/>
+          </p:cNvSpPr>
+          <p:nvPr>
+            <p:ph type="body" sz="half" idx="2"/>
+          </p:nvPr>
+        </p:nvSpPr>
+        <p:spPr>
+          <a:xfrm>
+            <a:off x="839788" y="2057400"/>
+            <a:ext cx="3932237" cy="3811588"/>
+          </a:xfrm>
+        </p:spPr>
+        <p:txBody>
+          <a:bodyPr/>
+          <a:lstStyle>
+            <a:lvl1pPr marL="0" indent="0">
+              <a:buNone/>
+              <a:defRPr sz="1600"/>
+            </a:lvl1pPr>
+            <a:lvl2pPr marL="457200" indent="0">
+              <a:buNone/>
+              <a:defRPr sz="1400"/>
+            </a:lvl2pPr>
+            <a:lvl3pPr marL="914400" indent="0">
+              <a:buNone/>
+              <a:defRPr sz="1200"/>
+            </a:lvl3pPr>
+            <a:lvl4pPr marL="1371600" indent="0">
+              <a:buNone/>
+              <a:defRPr sz="1000"/>
+            </a:lvl4pPr>
+            <a:lvl5pPr marL="1828800" indent="0">
+              <a:buNone/>
+              <a:defRPr sz="1000"/>
+            </a:lvl5pPr>
+            <a:lvl6pPr marL="2286000" indent="0">
+              <a:buNone/>
+              <a:defRPr sz="1000"/>
+            </a:lvl6pPr>
+            <a:lvl7pPr marL="2743200" indent="0">
+              <a:buNone/>
+              <a:defRPr sz="1000"/>
+            </a:lvl7pPr>
+            <a:lvl8pPr marL="3200400" indent="0">
+              <a:buNone/>
+              <a:defRPr sz="1000"/>
+            </a:lvl8pPr>
+            <a:lvl9pPr marL="3657600" indent="0">
+              <a:buNone/>
+              <a:defRPr sz="1000"/>
+            </a:lvl9pPr>
+          </a:lstStyle>
+          <a:p>
+            <a:pPr lvl="0"/>
+            <a:r>
+              <a:rPr lang="zh-CN" altLang="en-US"/>
+              <a:t>单击此处编辑母版文本样式</a:t>
+            </a:r>
+            <a:endParaRPr lang="zh-CN" altLang="en-US"/>
+          </a:p>
+        </p:txBody>
+      </p:sp>
+      <p:sp>
+        <p:nvSpPr>
+          <p:cNvPr id="5" name="日期占位符 4"/>
+          <p:cNvSpPr>
+            <a:spLocks noGrp="1"/>
+          </p:cNvSpPr>
+          <p:nvPr>
+            <p:ph type="dt" sz="half" idx="10"/>
+          </p:nvPr>
+        </p:nvSpPr>
+        <p:spPr/>
+        <p:txBody>
+          <a:bodyPr/>
+          <a:lstStyle/>
+          <a:p>
+            <a:fld id="{8B90E707-2250-46BB-9232-0DD54C0D4D6F}" type="datetimeFigureOut">
+              <a:rPr lang="zh-CN" altLang="en-US" smtClean="0"/>
+            </a:fld>
+            <a:endParaRPr lang="zh-CN" altLang="en-US"/>
+          </a:p>
+        </p:txBody>
+      </p:sp>
+      <p:sp>
+        <p:nvSpPr>
+          <p:cNvPr id="6" name="页脚占位符 5"/>
+          <p:cNvSpPr>
+            <a:spLocks noGrp="1"/>
+          </p:cNvSpPr>
+          <p:nvPr>
+            <p:ph type="ftr" sz="quarter" idx="11"/>
+          </p:nvPr>
+        </p:nvSpPr>
+        <p:spPr/>
+        <p:txBody>
+          <a:bodyPr/>
+          <a:lstStyle/>
+          <a:p>
+            <a:endParaRPr lang="zh-CN" altLang="en-US"/>
+          </a:p>
+        </p:txBody>
+      </p:sp>
+      <p:sp>
+        <p:nvSpPr>
+          <p:cNvPr id="7" name="灯片编号占位符 6"/>
+          <p:cNvSpPr>
+            <a:spLocks noGrp="1"/>
+          </p:cNvSpPr>
+          <p:nvPr>
+            <p:ph type="sldNum" sz="quarter" idx="12"/>
+          </p:nvPr>
+        </p:nvSpPr>
+        <p:spPr/>
+        <p:txBody>
+          <a:bodyPr/>
+          <a:lstStyle/>
+          <a:p>
+            <a:fld id="{F3C4FE25-33A0-43AE-9374-720E9D455181}" type="slidenum">
+              <a:rPr lang="zh-CN" altLang="en-US" smtClean="0"/>
+            </a:fld>
+            <a:endParaRPr lang="zh-CN" altLang="en-US"/>
+          </a:p>
+        </p:txBody>
+      </p:sp>
+    </p:spTree>
+  </p:cSld>
+  <p:clrMapOvr>
+    <a:masterClrMapping/>
+  </p:clrMapOvr>
+</p:sldLayout>
+</file>
+
+<file path=ppt/slideLayouts/slideLayout21.xml><?xml version="1.0" encoding="utf-8"?>
+<p:sldLayout xmlns:a="http://schemas.openxmlformats.org/drawingml/2006/main" xmlns:r="http://schemas.openxmlformats.org/officeDocument/2006/relationships" xmlns:p="http://schemas.openxmlformats.org/presentationml/2006/main" type="vertTx" preserve="1">
+  <p:cSld name="标题和竖排文字">
+    <p:spTree>
+      <p:nvGrpSpPr>
+        <p:cNvPr id="1" name=""/>
+        <p:cNvGrpSpPr/>
+        <p:nvPr/>
+      </p:nvGrpSpPr>
+      <p:grpSpPr>
+        <a:xfrm>
+          <a:off x="0" y="0"/>
+          <a:ext cx="0" cy="0"/>
+          <a:chOff x="0" y="0"/>
+          <a:chExt cx="0" cy="0"/>
+        </a:xfrm>
+      </p:grpSpPr>
+      <p:sp>
+        <p:nvSpPr>
+          <p:cNvPr id="2" name="标题 1"/>
+          <p:cNvSpPr>
+            <a:spLocks noGrp="1"/>
+          </p:cNvSpPr>
+          <p:nvPr>
+            <p:ph type="title"/>
+          </p:nvPr>
+        </p:nvSpPr>
+        <p:spPr/>
+        <p:txBody>
+          <a:bodyPr/>
+          <a:lstStyle/>
+          <a:p>
+            <a:r>
+              <a:rPr lang="zh-CN" altLang="en-US"/>
+              <a:t>单击此处编辑母版标题样式</a:t>
+            </a:r>
+            <a:endParaRPr lang="zh-CN" altLang="en-US"/>
+          </a:p>
+        </p:txBody>
+      </p:sp>
+      <p:sp>
+        <p:nvSpPr>
+          <p:cNvPr id="3" name="竖排文字占位符 2"/>
+          <p:cNvSpPr>
+            <a:spLocks noGrp="1"/>
+          </p:cNvSpPr>
+          <p:nvPr>
+            <p:ph type="body" orient="vert" idx="1"/>
+          </p:nvPr>
+        </p:nvSpPr>
+        <p:spPr/>
+        <p:txBody>
+          <a:bodyPr vert="eaVert"/>
+          <a:lstStyle/>
+          <a:p>
+            <a:pPr lvl="0"/>
+            <a:r>
+              <a:rPr lang="zh-CN" altLang="en-US"/>
+              <a:t>单击此处编辑母版文本样式</a:t>
+            </a:r>
+            <a:endParaRPr lang="zh-CN" altLang="en-US"/>
+          </a:p>
+          <a:p>
+            <a:pPr lvl="1"/>
+            <a:r>
+              <a:rPr lang="zh-CN" altLang="en-US"/>
+              <a:t>二级</a:t>
+            </a:r>
+            <a:endParaRPr lang="zh-CN" altLang="en-US"/>
+          </a:p>
+          <a:p>
+            <a:pPr lvl="2"/>
+            <a:r>
+              <a:rPr lang="zh-CN" altLang="en-US"/>
+              <a:t>三级</a:t>
+            </a:r>
+            <a:endParaRPr lang="zh-CN" altLang="en-US"/>
+          </a:p>
+          <a:p>
+            <a:pPr lvl="3"/>
+            <a:r>
+              <a:rPr lang="zh-CN" altLang="en-US"/>
+              <a:t>四级</a:t>
+            </a:r>
+            <a:endParaRPr lang="zh-CN" altLang="en-US"/>
+          </a:p>
+          <a:p>
+            <a:pPr lvl="4"/>
+            <a:r>
+              <a:rPr lang="zh-CN" altLang="en-US"/>
+              <a:t>五级</a:t>
+            </a:r>
+            <a:endParaRPr lang="zh-CN" altLang="en-US"/>
+          </a:p>
+        </p:txBody>
+      </p:sp>
+      <p:sp>
+        <p:nvSpPr>
+          <p:cNvPr id="4" name="日期占位符 3"/>
+          <p:cNvSpPr>
+            <a:spLocks noGrp="1"/>
+          </p:cNvSpPr>
+          <p:nvPr>
+            <p:ph type="dt" sz="half" idx="10"/>
+          </p:nvPr>
+        </p:nvSpPr>
+        <p:spPr/>
+        <p:txBody>
+          <a:bodyPr/>
+          <a:lstStyle/>
+          <a:p>
+            <a:fld id="{8B90E707-2250-46BB-9232-0DD54C0D4D6F}" type="datetimeFigureOut">
+              <a:rPr lang="zh-CN" altLang="en-US" smtClean="0"/>
+            </a:fld>
+            <a:endParaRPr lang="zh-CN" altLang="en-US"/>
+          </a:p>
+        </p:txBody>
+      </p:sp>
+      <p:sp>
+        <p:nvSpPr>
+          <p:cNvPr id="5" name="页脚占位符 4"/>
+          <p:cNvSpPr>
+            <a:spLocks noGrp="1"/>
+          </p:cNvSpPr>
+          <p:nvPr>
+            <p:ph type="ftr" sz="quarter" idx="11"/>
+          </p:nvPr>
+        </p:nvSpPr>
+        <p:spPr/>
+        <p:txBody>
+          <a:bodyPr/>
+          <a:lstStyle/>
+          <a:p>
+            <a:endParaRPr lang="zh-CN" altLang="en-US"/>
+          </a:p>
+        </p:txBody>
+      </p:sp>
+      <p:sp>
+        <p:nvSpPr>
+          <p:cNvPr id="6" name="灯片编号占位符 5"/>
+          <p:cNvSpPr>
+            <a:spLocks noGrp="1"/>
+          </p:cNvSpPr>
+          <p:nvPr>
+            <p:ph type="sldNum" sz="quarter" idx="12"/>
+          </p:nvPr>
+        </p:nvSpPr>
+        <p:spPr/>
+        <p:txBody>
+          <a:bodyPr/>
+          <a:lstStyle/>
+          <a:p>
+            <a:fld id="{F3C4FE25-33A0-43AE-9374-720E9D455181}" type="slidenum">
+              <a:rPr lang="zh-CN" altLang="en-US" smtClean="0"/>
+            </a:fld>
+            <a:endParaRPr lang="zh-CN" altLang="en-US"/>
+          </a:p>
+        </p:txBody>
+      </p:sp>
+    </p:spTree>
+  </p:cSld>
+  <p:clrMapOvr>
+    <a:masterClrMapping/>
+  </p:clrMapOvr>
+</p:sldLayout>
+</file>
+
+<file path=ppt/slideLayouts/slideLayout22.xml><?xml version="1.0" encoding="utf-8"?>
+<p:sldLayout xmlns:a="http://schemas.openxmlformats.org/drawingml/2006/main" xmlns:r="http://schemas.openxmlformats.org/officeDocument/2006/relationships" xmlns:p="http://schemas.openxmlformats.org/presentationml/2006/main" type="vertTitleAndTx" preserve="1">
+  <p:cSld name="竖排标题与文本">
+    <p:spTree>
+      <p:nvGrpSpPr>
+        <p:cNvPr id="1" name=""/>
+        <p:cNvGrpSpPr/>
+        <p:nvPr/>
+      </p:nvGrpSpPr>
+      <p:grpSpPr>
+        <a:xfrm>
+          <a:off x="0" y="0"/>
+          <a:ext cx="0" cy="0"/>
+          <a:chOff x="0" y="0"/>
+          <a:chExt cx="0" cy="0"/>
+        </a:xfrm>
+      </p:grpSpPr>
+      <p:sp>
+        <p:nvSpPr>
+          <p:cNvPr id="2" name="竖排标题 1"/>
+          <p:cNvSpPr>
+            <a:spLocks noGrp="1"/>
+          </p:cNvSpPr>
+          <p:nvPr>
+            <p:ph type="title" orient="vert"/>
+          </p:nvPr>
+        </p:nvSpPr>
+        <p:spPr>
+          <a:xfrm>
+            <a:off x="8724900" y="365125"/>
+            <a:ext cx="2628900" cy="5811838"/>
+          </a:xfrm>
+        </p:spPr>
+        <p:txBody>
+          <a:bodyPr vert="eaVert"/>
+          <a:lstStyle/>
+          <a:p>
+            <a:r>
+              <a:rPr lang="zh-CN" altLang="en-US"/>
+              <a:t>单击此处编辑母版标题样式</a:t>
+            </a:r>
+            <a:endParaRPr lang="zh-CN" altLang="en-US"/>
+          </a:p>
+        </p:txBody>
+      </p:sp>
+      <p:sp>
+        <p:nvSpPr>
+          <p:cNvPr id="3" name="竖排文字占位符 2"/>
+          <p:cNvSpPr>
+            <a:spLocks noGrp="1"/>
+          </p:cNvSpPr>
+          <p:nvPr>
+            <p:ph type="body" orient="vert" idx="1"/>
+          </p:nvPr>
+        </p:nvSpPr>
+        <p:spPr>
+          <a:xfrm>
+            <a:off x="838200" y="365125"/>
+            <a:ext cx="7734300" cy="5811838"/>
+          </a:xfrm>
+        </p:spPr>
+        <p:txBody>
+          <a:bodyPr vert="eaVert"/>
+          <a:lstStyle/>
+          <a:p>
+            <a:pPr lvl="0"/>
+            <a:r>
+              <a:rPr lang="zh-CN" altLang="en-US"/>
+              <a:t>单击此处编辑母版文本样式</a:t>
+            </a:r>
+            <a:endParaRPr lang="zh-CN" altLang="en-US"/>
+          </a:p>
+          <a:p>
+            <a:pPr lvl="1"/>
+            <a:r>
+              <a:rPr lang="zh-CN" altLang="en-US"/>
+              <a:t>二级</a:t>
+            </a:r>
+            <a:endParaRPr lang="zh-CN" altLang="en-US"/>
+          </a:p>
+          <a:p>
+            <a:pPr lvl="2"/>
+            <a:r>
+              <a:rPr lang="zh-CN" altLang="en-US"/>
+              <a:t>三级</a:t>
+            </a:r>
+            <a:endParaRPr lang="zh-CN" altLang="en-US"/>
+          </a:p>
+          <a:p>
+            <a:pPr lvl="3"/>
+            <a:r>
+              <a:rPr lang="zh-CN" altLang="en-US"/>
+              <a:t>四级</a:t>
+            </a:r>
+            <a:endParaRPr lang="zh-CN" altLang="en-US"/>
+          </a:p>
+          <a:p>
+            <a:pPr lvl="4"/>
+            <a:r>
+              <a:rPr lang="zh-CN" altLang="en-US"/>
+              <a:t>五级</a:t>
+            </a:r>
+            <a:endParaRPr lang="zh-CN" altLang="en-US"/>
+          </a:p>
+        </p:txBody>
+      </p:sp>
+      <p:sp>
+        <p:nvSpPr>
+          <p:cNvPr id="4" name="日期占位符 3"/>
+          <p:cNvSpPr>
+            <a:spLocks noGrp="1"/>
+          </p:cNvSpPr>
+          <p:nvPr>
+            <p:ph type="dt" sz="half" idx="10"/>
+          </p:nvPr>
+        </p:nvSpPr>
+        <p:spPr/>
+        <p:txBody>
+          <a:bodyPr/>
+          <a:lstStyle/>
+          <a:p>
+            <a:fld id="{8B90E707-2250-46BB-9232-0DD54C0D4D6F}" type="datetimeFigureOut">
+              <a:rPr lang="zh-CN" altLang="en-US" smtClean="0"/>
+            </a:fld>
+            <a:endParaRPr lang="zh-CN" altLang="en-US"/>
+          </a:p>
+        </p:txBody>
+      </p:sp>
+      <p:sp>
+        <p:nvSpPr>
+          <p:cNvPr id="5" name="页脚占位符 4"/>
+          <p:cNvSpPr>
+            <a:spLocks noGrp="1"/>
+          </p:cNvSpPr>
+          <p:nvPr>
+            <p:ph type="ftr" sz="quarter" idx="11"/>
+          </p:nvPr>
+        </p:nvSpPr>
+        <p:spPr/>
+        <p:txBody>
+          <a:bodyPr/>
+          <a:lstStyle/>
+          <a:p>
+            <a:endParaRPr lang="zh-CN" altLang="en-US"/>
+          </a:p>
+        </p:txBody>
+      </p:sp>
+      <p:sp>
+        <p:nvSpPr>
+          <p:cNvPr id="6" name="灯片编号占位符 5"/>
+          <p:cNvSpPr>
+            <a:spLocks noGrp="1"/>
+          </p:cNvSpPr>
+          <p:nvPr>
+            <p:ph type="sldNum" sz="quarter" idx="12"/>
+          </p:nvPr>
+        </p:nvSpPr>
+        <p:spPr/>
+        <p:txBody>
+          <a:bodyPr/>
+          <a:lstStyle/>
+          <a:p>
+            <a:fld id="{F3C4FE25-33A0-43AE-9374-720E9D455181}" type="slidenum">
+              <a:rPr lang="zh-CN" altLang="en-US" smtClean="0"/>
+            </a:fld>
+            <a:endParaRPr lang="zh-CN" altLang="en-US"/>
+          </a:p>
+        </p:txBody>
+      </p:sp>
+    </p:spTree>
+  </p:cSld>
+  <p:clrMapOvr>
+    <a:masterClrMapping/>
+  </p:clrMapOvr>
+</p:sldLayout>
+</file>
+
+<file path=ppt/slideLayouts/slideLayout3.xml><?xml version="1.0" encoding="utf-8"?>
+<p:sldLayout xmlns:a="http://schemas.openxmlformats.org/drawingml/2006/main" xmlns:r="http://schemas.openxmlformats.org/officeDocument/2006/relationships" xmlns:p="http://schemas.openxmlformats.org/presentationml/2006/main" type="secHead" preserve="1">
+  <p:cSld name="节标题">
+    <p:spTree>
+      <p:nvGrpSpPr>
+        <p:cNvPr id="1" name=""/>
+        <p:cNvGrpSpPr/>
+        <p:nvPr/>
+      </p:nvGrpSpPr>
+      <p:grpSpPr>
+        <a:xfrm>
+          <a:off x="0" y="0"/>
+          <a:ext cx="0" cy="0"/>
+          <a:chOff x="0" y="0"/>
+          <a:chExt cx="0" cy="0"/>
+        </a:xfrm>
+      </p:grpSpPr>
+      <p:sp>
+        <p:nvSpPr>
+          <p:cNvPr id="2" name="标题 1"/>
+          <p:cNvSpPr>
+            <a:spLocks noGrp="1"/>
+          </p:cNvSpPr>
+          <p:nvPr>
+            <p:ph type="title"/>
+          </p:nvPr>
+        </p:nvSpPr>
+        <p:spPr>
+          <a:xfrm>
+            <a:off x="831850" y="1709738"/>
+            <a:ext cx="10515600" cy="2852737"/>
+          </a:xfrm>
+        </p:spPr>
+        <p:txBody>
+          <a:bodyPr anchor="b"/>
+          <a:lstStyle>
+            <a:lvl1pPr>
+              <a:defRPr sz="6000"/>
+            </a:lvl1pPr>
+          </a:lstStyle>
+          <a:p>
+            <a:r>
+              <a:rPr lang="zh-CN" altLang="en-US"/>
+              <a:t>单击此处编辑母版标题样式</a:t>
+            </a:r>
+            <a:endParaRPr lang="zh-CN" altLang="en-US"/>
+          </a:p>
+        </p:txBody>
+      </p:sp>
+      <p:sp>
+        <p:nvSpPr>
+          <p:cNvPr id="3" name="文本占位符 2"/>
+          <p:cNvSpPr>
+            <a:spLocks noGrp="1"/>
+          </p:cNvSpPr>
+          <p:nvPr>
+            <p:ph type="body" idx="1"/>
+          </p:nvPr>
+        </p:nvSpPr>
+        <p:spPr>
+          <a:xfrm>
+            <a:off x="831850" y="4589463"/>
+            <a:ext cx="10515600" cy="1500187"/>
+          </a:xfrm>
+        </p:spPr>
+        <p:txBody>
+          <a:bodyPr/>
+          <a:lstStyle>
+            <a:lvl1pPr marL="0" indent="0">
+              <a:buNone/>
+              <a:defRPr sz="2400">
+                <a:solidFill>
+                  <a:schemeClr val="tx1">
+                    <a:tint val="75000"/>
+                  </a:schemeClr>
+                </a:solidFill>
+              </a:defRPr>
+            </a:lvl1pPr>
+            <a:lvl2pPr marL="457200" indent="0">
+              <a:buNone/>
+              <a:defRPr sz="2000">
+                <a:solidFill>
+                  <a:schemeClr val="tx1">
+                    <a:tint val="75000"/>
+                  </a:schemeClr>
+                </a:solidFill>
+              </a:defRPr>
+            </a:lvl2pPr>
+            <a:lvl3pPr marL="914400" indent="0">
+              <a:buNone/>
+              <a:defRPr sz="1800">
+                <a:solidFill>
+                  <a:schemeClr val="tx1">
+                    <a:tint val="75000"/>
+                  </a:schemeClr>
+                </a:solidFill>
+              </a:defRPr>
+            </a:lvl3pPr>
+            <a:lvl4pPr marL="1371600" indent="0">
+              <a:buNone/>
+              <a:defRPr sz="1600">
+                <a:solidFill>
+                  <a:schemeClr val="tx1">
+                    <a:tint val="75000"/>
+                  </a:schemeClr>
+                </a:solidFill>
+              </a:defRPr>
+            </a:lvl4pPr>
+            <a:lvl5pPr marL="1828800" indent="0">
+              <a:buNone/>
+              <a:defRPr sz="1600">
+                <a:solidFill>
+                  <a:schemeClr val="tx1">
+                    <a:tint val="75000"/>
+                  </a:schemeClr>
+                </a:solidFill>
+              </a:defRPr>
+            </a:lvl5pPr>
+            <a:lvl6pPr marL="2286000" indent="0">
+              <a:buNone/>
+              <a:defRPr sz="1600">
+                <a:solidFill>
+                  <a:schemeClr val="tx1">
+                    <a:tint val="75000"/>
+                  </a:schemeClr>
+                </a:solidFill>
+              </a:defRPr>
+            </a:lvl6pPr>
+            <a:lvl7pPr marL="2743200" indent="0">
+              <a:buNone/>
+              <a:defRPr sz="1600">
+                <a:solidFill>
+                  <a:schemeClr val="tx1">
+                    <a:tint val="75000"/>
+                  </a:schemeClr>
+                </a:solidFill>
+              </a:defRPr>
+            </a:lvl7pPr>
+            <a:lvl8pPr marL="3200400" indent="0">
+              <a:buNone/>
+              <a:defRPr sz="1600">
+                <a:solidFill>
+                  <a:schemeClr val="tx1">
+                    <a:tint val="75000"/>
+                  </a:schemeClr>
+                </a:solidFill>
+              </a:defRPr>
+            </a:lvl8pPr>
+            <a:lvl9pPr marL="3657600" indent="0">
+              <a:buNone/>
+              <a:defRPr sz="1600">
+                <a:solidFill>
+                  <a:schemeClr val="tx1">
+                    <a:tint val="75000"/>
+                  </a:schemeClr>
+                </a:solidFill>
+              </a:defRPr>
+            </a:lvl9pPr>
+          </a:lstStyle>
+          <a:p>
+            <a:pPr lvl="0"/>
+            <a:r>
+              <a:rPr lang="zh-CN" altLang="en-US"/>
+              <a:t>单击此处编辑母版文本样式</a:t>
+            </a:r>
+            <a:endParaRPr lang="zh-CN" altLang="en-US"/>
+          </a:p>
+        </p:txBody>
+      </p:sp>
+      <p:sp>
+        <p:nvSpPr>
+          <p:cNvPr id="4" name="日期占位符 3"/>
+          <p:cNvSpPr>
+            <a:spLocks noGrp="1"/>
+          </p:cNvSpPr>
+          <p:nvPr>
+            <p:ph type="dt" sz="half" idx="10"/>
+          </p:nvPr>
+        </p:nvSpPr>
+        <p:spPr/>
+        <p:txBody>
+          <a:bodyPr/>
+          <a:lstStyle/>
+          <a:p>
+            <a:fld id="{8B90E707-2250-46BB-9232-0DD54C0D4D6F}" type="datetimeFigureOut">
+              <a:rPr lang="zh-CN" altLang="en-US" smtClean="0"/>
+            </a:fld>
+            <a:endParaRPr lang="zh-CN" altLang="en-US"/>
+          </a:p>
+        </p:txBody>
+      </p:sp>
+      <p:sp>
+        <p:nvSpPr>
+          <p:cNvPr id="5" name="页脚占位符 4"/>
+          <p:cNvSpPr>
+            <a:spLocks noGrp="1"/>
+          </p:cNvSpPr>
+          <p:nvPr>
+            <p:ph type="ftr" sz="quarter" idx="11"/>
+          </p:nvPr>
+        </p:nvSpPr>
+        <p:spPr/>
+        <p:txBody>
+          <a:bodyPr/>
+          <a:lstStyle/>
+          <a:p>
+            <a:endParaRPr lang="zh-CN" altLang="en-US"/>
+          </a:p>
+        </p:txBody>
+      </p:sp>
+      <p:sp>
+        <p:nvSpPr>
+          <p:cNvPr id="6" name="灯片编号占位符 5"/>
+          <p:cNvSpPr>
+            <a:spLocks noGrp="1"/>
+          </p:cNvSpPr>
+          <p:nvPr>
+            <p:ph type="sldNum" sz="quarter" idx="12"/>
+          </p:nvPr>
+        </p:nvSpPr>
+        <p:spPr/>
+        <p:txBody>
+          <a:bodyPr/>
+          <a:lstStyle/>
+          <a:p>
+            <a:fld id="{F3C4FE25-33A0-43AE-9374-720E9D455181}" type="slidenum">
+              <a:rPr lang="zh-CN" altLang="en-US" smtClean="0"/>
+            </a:fld>
+            <a:endParaRPr lang="zh-CN" altLang="en-US"/>
+          </a:p>
+        </p:txBody>
+      </p:sp>
+    </p:spTree>
+  </p:cSld>
+  <p:clrMapOvr>
+    <a:masterClrMapping/>
+  </p:clrMapOvr>
+</p:sldLayout>
+</file>
+
+<file path=ppt/slideLayouts/slideLayout4.xml><?xml version="1.0" encoding="utf-8"?>
+<p:sldLayout xmlns:a="http://schemas.openxmlformats.org/drawingml/2006/main" xmlns:r="http://schemas.openxmlformats.org/officeDocument/2006/relationships" xmlns:p="http://schemas.openxmlformats.org/presentationml/2006/main" type="twoObj" preserve="1">
+  <p:cSld name="两栏内容">
+    <p:spTree>
+      <p:nvGrpSpPr>
+        <p:cNvPr id="1" name=""/>
+        <p:cNvGrpSpPr/>
+        <p:nvPr/>
+      </p:nvGrpSpPr>
+      <p:grpSpPr>
+        <a:xfrm>
+          <a:off x="0" y="0"/>
+          <a:ext cx="0" cy="0"/>
+          <a:chOff x="0" y="0"/>
+          <a:chExt cx="0" cy="0"/>
+        </a:xfrm>
+      </p:grpSpPr>
+      <p:sp>
+        <p:nvSpPr>
+          <p:cNvPr id="2" name="标题 1"/>
+          <p:cNvSpPr>
+            <a:spLocks noGrp="1"/>
+          </p:cNvSpPr>
+          <p:nvPr>
+            <p:ph type="title"/>
+          </p:nvPr>
+        </p:nvSpPr>
+        <p:spPr/>
+        <p:txBody>
+          <a:bodyPr/>
+          <a:lstStyle/>
+          <a:p>
+            <a:r>
+              <a:rPr lang="zh-CN" altLang="en-US"/>
+              <a:t>单击此处编辑母版标题样式</a:t>
+            </a:r>
+            <a:endParaRPr lang="zh-CN" altLang="en-US"/>
+          </a:p>
+        </p:txBody>
+      </p:sp>
+      <p:sp>
+        <p:nvSpPr>
+          <p:cNvPr id="3" name="内容占位符 2"/>
+          <p:cNvSpPr>
+            <a:spLocks noGrp="1"/>
+          </p:cNvSpPr>
+          <p:nvPr>
+            <p:ph sz="half" idx="1"/>
+          </p:nvPr>
+        </p:nvSpPr>
+        <p:spPr>
+          <a:xfrm>
+            <a:off x="838200" y="1825625"/>
+            <a:ext cx="5181600" cy="4351338"/>
+          </a:xfrm>
+        </p:spPr>
+        <p:txBody>
+          <a:bodyPr/>
+          <a:lstStyle/>
+          <a:p>
+            <a:pPr lvl="0"/>
+            <a:r>
+              <a:rPr lang="zh-CN" altLang="en-US"/>
+              <a:t>单击此处编辑母版文本样式</a:t>
+            </a:r>
+            <a:endParaRPr lang="zh-CN" altLang="en-US"/>
+          </a:p>
+          <a:p>
+            <a:pPr lvl="1"/>
+            <a:r>
+              <a:rPr lang="zh-CN" altLang="en-US"/>
+              <a:t>二级</a:t>
+            </a:r>
+            <a:endParaRPr lang="zh-CN" altLang="en-US"/>
+          </a:p>
+          <a:p>
+            <a:pPr lvl="2"/>
+            <a:r>
+              <a:rPr lang="zh-CN" altLang="en-US"/>
+              <a:t>三级</a:t>
+            </a:r>
+            <a:endParaRPr lang="zh-CN" altLang="en-US"/>
+          </a:p>
+          <a:p>
+            <a:pPr lvl="3"/>
+            <a:r>
+              <a:rPr lang="zh-CN" altLang="en-US"/>
+              <a:t>四级</a:t>
+            </a:r>
+            <a:endParaRPr lang="zh-CN" altLang="en-US"/>
+          </a:p>
+          <a:p>
+            <a:pPr lvl="4"/>
+            <a:r>
+              <a:rPr lang="zh-CN" altLang="en-US"/>
+              <a:t>五级</a:t>
+            </a:r>
+            <a:endParaRPr lang="zh-CN" altLang="en-US"/>
+          </a:p>
+        </p:txBody>
+      </p:sp>
+      <p:sp>
+        <p:nvSpPr>
+          <p:cNvPr id="4" name="内容占位符 3"/>
+          <p:cNvSpPr>
+            <a:spLocks noGrp="1"/>
+          </p:cNvSpPr>
+          <p:nvPr>
+            <p:ph sz="half" idx="2"/>
+          </p:nvPr>
+        </p:nvSpPr>
+        <p:spPr>
+          <a:xfrm>
+            <a:off x="6172200" y="1825625"/>
+            <a:ext cx="5181600" cy="4351338"/>
+          </a:xfrm>
+        </p:spPr>
+        <p:txBody>
+          <a:bodyPr/>
+          <a:lstStyle/>
+          <a:p>
+            <a:pPr lvl="0"/>
+            <a:r>
+              <a:rPr lang="zh-CN" altLang="en-US"/>
+              <a:t>单击此处编辑母版文本样式</a:t>
+            </a:r>
+            <a:endParaRPr lang="zh-CN" altLang="en-US"/>
+          </a:p>
+          <a:p>
+            <a:pPr lvl="1"/>
+            <a:r>
+              <a:rPr lang="zh-CN" altLang="en-US"/>
+              <a:t>二级</a:t>
+            </a:r>
+            <a:endParaRPr lang="zh-CN" altLang="en-US"/>
+          </a:p>
+          <a:p>
+            <a:pPr lvl="2"/>
+            <a:r>
+              <a:rPr lang="zh-CN" altLang="en-US"/>
+              <a:t>三级</a:t>
+            </a:r>
+            <a:endParaRPr lang="zh-CN" altLang="en-US"/>
+          </a:p>
+          <a:p>
+            <a:pPr lvl="3"/>
+            <a:r>
+              <a:rPr lang="zh-CN" altLang="en-US"/>
+              <a:t>四级</a:t>
+            </a:r>
+            <a:endParaRPr lang="zh-CN" altLang="en-US"/>
+          </a:p>
+          <a:p>
+            <a:pPr lvl="4"/>
+            <a:r>
+              <a:rPr lang="zh-CN" altLang="en-US"/>
+              <a:t>五级</a:t>
+            </a:r>
+            <a:endParaRPr lang="zh-CN" altLang="en-US"/>
+          </a:p>
+        </p:txBody>
+      </p:sp>
+      <p:sp>
+        <p:nvSpPr>
+          <p:cNvPr id="5" name="日期占位符 4"/>
+          <p:cNvSpPr>
+            <a:spLocks noGrp="1"/>
+          </p:cNvSpPr>
+          <p:nvPr>
+            <p:ph type="dt" sz="half" idx="10"/>
+          </p:nvPr>
+        </p:nvSpPr>
+        <p:spPr/>
+        <p:txBody>
+          <a:bodyPr/>
+          <a:lstStyle/>
+          <a:p>
+            <a:fld id="{8B90E707-2250-46BB-9232-0DD54C0D4D6F}" type="datetimeFigureOut">
+              <a:rPr lang="zh-CN" altLang="en-US" smtClean="0"/>
+            </a:fld>
+            <a:endParaRPr lang="zh-CN" altLang="en-US"/>
+          </a:p>
+        </p:txBody>
+      </p:sp>
+      <p:sp>
+        <p:nvSpPr>
+          <p:cNvPr id="6" name="页脚占位符 5"/>
+          <p:cNvSpPr>
+            <a:spLocks noGrp="1"/>
+          </p:cNvSpPr>
+          <p:nvPr>
+            <p:ph type="ftr" sz="quarter" idx="11"/>
+          </p:nvPr>
+        </p:nvSpPr>
+        <p:spPr/>
+        <p:txBody>
+          <a:bodyPr/>
+          <a:lstStyle/>
+          <a:p>
+            <a:endParaRPr lang="zh-CN" altLang="en-US"/>
+          </a:p>
+        </p:txBody>
+      </p:sp>
+      <p:sp>
+        <p:nvSpPr>
+          <p:cNvPr id="7" name="灯片编号占位符 6"/>
+          <p:cNvSpPr>
+            <a:spLocks noGrp="1"/>
+          </p:cNvSpPr>
+          <p:nvPr>
+            <p:ph type="sldNum" sz="quarter" idx="12"/>
+          </p:nvPr>
+        </p:nvSpPr>
+        <p:spPr/>
+        <p:txBody>
+          <a:bodyPr/>
+          <a:lstStyle/>
+          <a:p>
+            <a:fld id="{F3C4FE25-33A0-43AE-9374-720E9D455181}" type="slidenum">
+              <a:rPr lang="zh-CN" altLang="en-US" smtClean="0"/>
+            </a:fld>
+            <a:endParaRPr lang="zh-CN" altLang="en-US"/>
+          </a:p>
+        </p:txBody>
+      </p:sp>
+    </p:spTree>
+  </p:cSld>
+  <p:clrMapOvr>
+    <a:masterClrMapping/>
+  </p:clrMapOvr>
+</p:sldLayout>
+</file>
+
+<file path=ppt/slideLayouts/slideLayout5.xml><?xml version="1.0" encoding="utf-8"?>
+<p:sldLayout xmlns:a="http://schemas.openxmlformats.org/drawingml/2006/main" xmlns:r="http://schemas.openxmlformats.org/officeDocument/2006/relationships" xmlns:p="http://schemas.openxmlformats.org/presentationml/2006/main" type="twoTxTwoObj" preserve="1">
+  <p:cSld name="比较">
+    <p:spTree>
+      <p:nvGrpSpPr>
+        <p:cNvPr id="1" name=""/>
+        <p:cNvGrpSpPr/>
+        <p:nvPr/>
+      </p:nvGrpSpPr>
+      <p:grpSpPr>
+        <a:xfrm>
+          <a:off x="0" y="0"/>
+          <a:ext cx="0" cy="0"/>
+          <a:chOff x="0" y="0"/>
+          <a:chExt cx="0" cy="0"/>
+        </a:xfrm>
+      </p:grpSpPr>
+      <p:sp>
+        <p:nvSpPr>
+          <p:cNvPr id="2" name="标题 1"/>
+          <p:cNvSpPr>
+            <a:spLocks noGrp="1"/>
+          </p:cNvSpPr>
+          <p:nvPr>
+            <p:ph type="title"/>
+          </p:nvPr>
+        </p:nvSpPr>
+        <p:spPr>
+          <a:xfrm>
+            <a:off x="839788" y="365125"/>
+            <a:ext cx="10515600" cy="1325563"/>
+          </a:xfrm>
+        </p:spPr>
+        <p:txBody>
+          <a:bodyPr/>
+          <a:lstStyle/>
+          <a:p>
+            <a:r>
+              <a:rPr lang="zh-CN" altLang="en-US"/>
+              <a:t>单击此处编辑母版标题样式</a:t>
+            </a:r>
+            <a:endParaRPr lang="zh-CN" altLang="en-US"/>
+          </a:p>
+        </p:txBody>
+      </p:sp>
+      <p:sp>
+        <p:nvSpPr>
+          <p:cNvPr id="3" name="文本占位符 2"/>
+          <p:cNvSpPr>
+            <a:spLocks noGrp="1"/>
+          </p:cNvSpPr>
+          <p:nvPr>
+            <p:ph type="body" idx="1"/>
+          </p:nvPr>
+        </p:nvSpPr>
+        <p:spPr>
+          <a:xfrm>
+            <a:off x="839788" y="1681163"/>
+            <a:ext cx="5157787" cy="823912"/>
+          </a:xfrm>
+        </p:spPr>
+        <p:txBody>
+          <a:bodyPr anchor="b"/>
+          <a:lstStyle>
+            <a:lvl1pPr marL="0" indent="0">
+              <a:buNone/>
+              <a:defRPr sz="2400" b="1"/>
+            </a:lvl1pPr>
+            <a:lvl2pPr marL="457200" indent="0">
+              <a:buNone/>
+              <a:defRPr sz="2000" b="1"/>
+            </a:lvl2pPr>
+            <a:lvl3pPr marL="914400" indent="0">
+              <a:buNone/>
+              <a:defRPr sz="1800" b="1"/>
+            </a:lvl3pPr>
+            <a:lvl4pPr marL="1371600" indent="0">
+              <a:buNone/>
+              <a:defRPr sz="1600" b="1"/>
+            </a:lvl4pPr>
+            <a:lvl5pPr marL="1828800" indent="0">
+              <a:buNone/>
+              <a:defRPr sz="1600" b="1"/>
+            </a:lvl5pPr>
+            <a:lvl6pPr marL="2286000" indent="0">
+              <a:buNone/>
+              <a:defRPr sz="1600" b="1"/>
+            </a:lvl6pPr>
+            <a:lvl7pPr marL="2743200" indent="0">
+              <a:buNone/>
+              <a:defRPr sz="1600" b="1"/>
+            </a:lvl7pPr>
+            <a:lvl8pPr marL="3200400" indent="0">
+              <a:buNone/>
+              <a:defRPr sz="1600" b="1"/>
+            </a:lvl8pPr>
+            <a:lvl9pPr marL="3657600" indent="0">
+              <a:buNone/>
+              <a:defRPr sz="1600" b="1"/>
+            </a:lvl9pPr>
+          </a:lstStyle>
+          <a:p>
+            <a:pPr lvl="0"/>
+            <a:r>
+              <a:rPr lang="zh-CN" altLang="en-US"/>
+              <a:t>单击此处编辑母版文本样式</a:t>
+            </a:r>
+            <a:endParaRPr lang="zh-CN" altLang="en-US"/>
+          </a:p>
+        </p:txBody>
+      </p:sp>
+      <p:sp>
+        <p:nvSpPr>
+          <p:cNvPr id="4" name="内容占位符 3"/>
+          <p:cNvSpPr>
+            <a:spLocks noGrp="1"/>
+          </p:cNvSpPr>
+          <p:nvPr>
+            <p:ph sz="half" idx="2"/>
+          </p:nvPr>
+        </p:nvSpPr>
+        <p:spPr>
+          <a:xfrm>
+            <a:off x="839788" y="2505075"/>
+            <a:ext cx="5157787" cy="3684588"/>
+          </a:xfrm>
+        </p:spPr>
+        <p:txBody>
+          <a:bodyPr/>
+          <a:lstStyle/>
+          <a:p>
+            <a:pPr lvl="0"/>
+            <a:r>
+              <a:rPr lang="zh-CN" altLang="en-US"/>
+              <a:t>单击此处编辑母版文本样式</a:t>
+            </a:r>
+            <a:endParaRPr lang="zh-CN" altLang="en-US"/>
+          </a:p>
+          <a:p>
+            <a:pPr lvl="1"/>
+            <a:r>
+              <a:rPr lang="zh-CN" altLang="en-US"/>
+              <a:t>二级</a:t>
+            </a:r>
+            <a:endParaRPr lang="zh-CN" altLang="en-US"/>
+          </a:p>
+          <a:p>
+            <a:pPr lvl="2"/>
+            <a:r>
+              <a:rPr lang="zh-CN" altLang="en-US"/>
+              <a:t>三级</a:t>
+            </a:r>
+            <a:endParaRPr lang="zh-CN" altLang="en-US"/>
+          </a:p>
+          <a:p>
+            <a:pPr lvl="3"/>
+            <a:r>
+              <a:rPr lang="zh-CN" altLang="en-US"/>
+              <a:t>四级</a:t>
+            </a:r>
+            <a:endParaRPr lang="zh-CN" altLang="en-US"/>
+          </a:p>
+          <a:p>
+            <a:pPr lvl="4"/>
+            <a:r>
+              <a:rPr lang="zh-CN" altLang="en-US"/>
+              <a:t>五级</a:t>
+            </a:r>
+            <a:endParaRPr lang="zh-CN" altLang="en-US"/>
+          </a:p>
+        </p:txBody>
+      </p:sp>
+      <p:sp>
+        <p:nvSpPr>
+          <p:cNvPr id="5" name="文本占位符 4"/>
+          <p:cNvSpPr>
+            <a:spLocks noGrp="1"/>
+          </p:cNvSpPr>
+          <p:nvPr>
+            <p:ph type="body" sz="quarter" idx="3"/>
+          </p:nvPr>
+        </p:nvSpPr>
+        <p:spPr>
+          <a:xfrm>
+            <a:off x="6172200" y="1681163"/>
+            <a:ext cx="5183188" cy="823912"/>
+          </a:xfrm>
+        </p:spPr>
+        <p:txBody>
+          <a:bodyPr anchor="b"/>
+          <a:lstStyle>
+            <a:lvl1pPr marL="0" indent="0">
+              <a:buNone/>
+              <a:defRPr sz="2400" b="1"/>
+            </a:lvl1pPr>
+            <a:lvl2pPr marL="457200" indent="0">
+              <a:buNone/>
+              <a:defRPr sz="2000" b="1"/>
+            </a:lvl2pPr>
+            <a:lvl3pPr marL="914400" indent="0">
+              <a:buNone/>
+              <a:defRPr sz="1800" b="1"/>
+            </a:lvl3pPr>
+            <a:lvl4pPr marL="1371600" indent="0">
+              <a:buNone/>
+              <a:defRPr sz="1600" b="1"/>
+            </a:lvl4pPr>
+            <a:lvl5pPr marL="1828800" indent="0">
+              <a:buNone/>
+              <a:defRPr sz="1600" b="1"/>
+            </a:lvl5pPr>
+            <a:lvl6pPr marL="2286000" indent="0">
+              <a:buNone/>
+              <a:defRPr sz="1600" b="1"/>
+            </a:lvl6pPr>
+            <a:lvl7pPr marL="2743200" indent="0">
+              <a:buNone/>
+              <a:defRPr sz="1600" b="1"/>
+            </a:lvl7pPr>
+            <a:lvl8pPr marL="3200400" indent="0">
+              <a:buNone/>
+              <a:defRPr sz="1600" b="1"/>
+            </a:lvl8pPr>
+            <a:lvl9pPr marL="3657600" indent="0">
+              <a:buNone/>
+              <a:defRPr sz="1600" b="1"/>
+            </a:lvl9pPr>
+          </a:lstStyle>
+          <a:p>
+            <a:pPr lvl="0"/>
+            <a:r>
+              <a:rPr lang="zh-CN" altLang="en-US"/>
+              <a:t>单击此处编辑母版文本样式</a:t>
+            </a:r>
+            <a:endParaRPr lang="zh-CN" altLang="en-US"/>
+          </a:p>
+        </p:txBody>
+      </p:sp>
+      <p:sp>
+        <p:nvSpPr>
+          <p:cNvPr id="6" name="内容占位符 5"/>
+          <p:cNvSpPr>
+            <a:spLocks noGrp="1"/>
+          </p:cNvSpPr>
+          <p:nvPr>
+            <p:ph sz="quarter" idx="4"/>
+          </p:nvPr>
+        </p:nvSpPr>
+        <p:spPr>
+          <a:xfrm>
+            <a:off x="6172200" y="2505075"/>
+            <a:ext cx="5183188" cy="3684588"/>
+          </a:xfrm>
+        </p:spPr>
+        <p:txBody>
+          <a:bodyPr/>
+          <a:lstStyle/>
+          <a:p>
+            <a:pPr lvl="0"/>
+            <a:r>
+              <a:rPr lang="zh-CN" altLang="en-US"/>
+              <a:t>单击此处编辑母版文本样式</a:t>
+            </a:r>
+            <a:endParaRPr lang="zh-CN" altLang="en-US"/>
+          </a:p>
+          <a:p>
+            <a:pPr lvl="1"/>
+            <a:r>
+              <a:rPr lang="zh-CN" altLang="en-US"/>
+              <a:t>二级</a:t>
+            </a:r>
+            <a:endParaRPr lang="zh-CN" altLang="en-US"/>
+          </a:p>
+          <a:p>
+            <a:pPr lvl="2"/>
+            <a:r>
+              <a:rPr lang="zh-CN" altLang="en-US"/>
+              <a:t>三级</a:t>
+            </a:r>
+            <a:endParaRPr lang="zh-CN" altLang="en-US"/>
+          </a:p>
+          <a:p>
+            <a:pPr lvl="3"/>
+            <a:r>
+              <a:rPr lang="zh-CN" altLang="en-US"/>
+              <a:t>四级</a:t>
+            </a:r>
+            <a:endParaRPr lang="zh-CN" altLang="en-US"/>
+          </a:p>
+          <a:p>
+            <a:pPr lvl="4"/>
+            <a:r>
+              <a:rPr lang="zh-CN" altLang="en-US"/>
+              <a:t>五级</a:t>
+            </a:r>
+            <a:endParaRPr lang="zh-CN" altLang="en-US"/>
+          </a:p>
+        </p:txBody>
+      </p:sp>
+      <p:sp>
+        <p:nvSpPr>
+          <p:cNvPr id="7" name="日期占位符 6"/>
+          <p:cNvSpPr>
+            <a:spLocks noGrp="1"/>
+          </p:cNvSpPr>
+          <p:nvPr>
+            <p:ph type="dt" sz="half" idx="10"/>
+          </p:nvPr>
+        </p:nvSpPr>
+        <p:spPr/>
+        <p:txBody>
+          <a:bodyPr/>
+          <a:lstStyle/>
+          <a:p>
+            <a:fld id="{8B90E707-2250-46BB-9232-0DD54C0D4D6F}" type="datetimeFigureOut">
+              <a:rPr lang="zh-CN" altLang="en-US" smtClean="0"/>
+            </a:fld>
+            <a:endParaRPr lang="zh-CN" altLang="en-US"/>
+          </a:p>
+        </p:txBody>
+      </p:sp>
+      <p:sp>
+        <p:nvSpPr>
+          <p:cNvPr id="8" name="页脚占位符 7"/>
+          <p:cNvSpPr>
+            <a:spLocks noGrp="1"/>
+          </p:cNvSpPr>
+          <p:nvPr>
+            <p:ph type="ftr" sz="quarter" idx="11"/>
+          </p:nvPr>
+        </p:nvSpPr>
+        <p:spPr/>
+        <p:txBody>
+          <a:bodyPr/>
+          <a:lstStyle/>
+          <a:p>
+            <a:endParaRPr lang="zh-CN" altLang="en-US"/>
+          </a:p>
+        </p:txBody>
+      </p:sp>
+      <p:sp>
+        <p:nvSpPr>
+          <p:cNvPr id="9" name="灯片编号占位符 8"/>
+          <p:cNvSpPr>
+            <a:spLocks noGrp="1"/>
+          </p:cNvSpPr>
+          <p:nvPr>
+            <p:ph type="sldNum" sz="quarter" idx="12"/>
+          </p:nvPr>
+        </p:nvSpPr>
+        <p:spPr/>
+        <p:txBody>
+          <a:bodyPr/>
+          <a:lstStyle/>
+          <a:p>
+            <a:fld id="{F3C4FE25-33A0-43AE-9374-720E9D455181}" type="slidenum">
+              <a:rPr lang="zh-CN" altLang="en-US" smtClean="0"/>
+            </a:fld>
+            <a:endParaRPr lang="zh-CN" altLang="en-US"/>
+          </a:p>
+        </p:txBody>
+      </p:sp>
+    </p:spTree>
+  </p:cSld>
+  <p:clrMapOvr>
+    <a:masterClrMapping/>
+  </p:clrMapOvr>
+</p:sldLayout>
+</file>
+
+<file path=ppt/slideLayouts/slideLayout6.xml><?xml version="1.0" encoding="utf-8"?>
+<p:sldLayout xmlns:a="http://schemas.openxmlformats.org/drawingml/2006/main" xmlns:r="http://schemas.openxmlformats.org/officeDocument/2006/relationships" xmlns:p="http://schemas.openxmlformats.org/presentationml/2006/main" type="titleOnly" preserve="1">
+  <p:cSld name="仅标题">
+    <p:spTree>
+      <p:nvGrpSpPr>
+        <p:cNvPr id="1" name=""/>
+        <p:cNvGrpSpPr/>
+        <p:nvPr/>
+      </p:nvGrpSpPr>
+      <p:grpSpPr>
+        <a:xfrm>
+          <a:off x="0" y="0"/>
+          <a:ext cx="0" cy="0"/>
+          <a:chOff x="0" y="0"/>
+          <a:chExt cx="0" cy="0"/>
+        </a:xfrm>
+      </p:grpSpPr>
+      <p:sp>
+        <p:nvSpPr>
+          <p:cNvPr id="2" name="标题 1"/>
+          <p:cNvSpPr>
+            <a:spLocks noGrp="1"/>
+          </p:cNvSpPr>
+          <p:nvPr>
+            <p:ph type="title"/>
+          </p:nvPr>
+        </p:nvSpPr>
+        <p:spPr/>
+        <p:txBody>
+          <a:bodyPr/>
+          <a:lstStyle/>
+          <a:p>
+            <a:r>
+              <a:rPr lang="zh-CN" altLang="en-US"/>
+              <a:t>单击此处编辑母版标题样式</a:t>
+            </a:r>
+            <a:endParaRPr lang="zh-CN" altLang="en-US"/>
+          </a:p>
+        </p:txBody>
+      </p:sp>
+      <p:sp>
+        <p:nvSpPr>
+          <p:cNvPr id="3" name="日期占位符 2"/>
+          <p:cNvSpPr>
+            <a:spLocks noGrp="1"/>
+          </p:cNvSpPr>
+          <p:nvPr>
+            <p:ph type="dt" sz="half" idx="10"/>
+          </p:nvPr>
+        </p:nvSpPr>
+        <p:spPr/>
+        <p:txBody>
+          <a:bodyPr/>
+          <a:lstStyle/>
+          <a:p>
+            <a:fld id="{8B90E707-2250-46BB-9232-0DD54C0D4D6F}" type="datetimeFigureOut">
+              <a:rPr lang="zh-CN" altLang="en-US" smtClean="0"/>
+            </a:fld>
+            <a:endParaRPr lang="zh-CN" altLang="en-US"/>
+          </a:p>
+        </p:txBody>
+      </p:sp>
+      <p:sp>
+        <p:nvSpPr>
+          <p:cNvPr id="4" name="页脚占位符 3"/>
+          <p:cNvSpPr>
+            <a:spLocks noGrp="1"/>
+          </p:cNvSpPr>
+          <p:nvPr>
+            <p:ph type="ftr" sz="quarter" idx="11"/>
+          </p:nvPr>
+        </p:nvSpPr>
+        <p:spPr/>
+        <p:txBody>
+          <a:bodyPr/>
+          <a:lstStyle/>
+          <a:p>
+            <a:endParaRPr lang="zh-CN" altLang="en-US"/>
+          </a:p>
+        </p:txBody>
+      </p:sp>
+      <p:sp>
+        <p:nvSpPr>
+          <p:cNvPr id="5" name="灯片编号占位符 4"/>
+          <p:cNvSpPr>
+            <a:spLocks noGrp="1"/>
+          </p:cNvSpPr>
+          <p:nvPr>
+            <p:ph type="sldNum" sz="quarter" idx="12"/>
+          </p:nvPr>
+        </p:nvSpPr>
+        <p:spPr/>
+        <p:txBody>
+          <a:bodyPr/>
+          <a:lstStyle/>
+          <a:p>
+            <a:fld id="{F3C4FE25-33A0-43AE-9374-720E9D455181}" type="slidenum">
+              <a:rPr lang="zh-CN" altLang="en-US" smtClean="0"/>
+            </a:fld>
+            <a:endParaRPr lang="zh-CN" altLang="en-US"/>
+          </a:p>
+        </p:txBody>
+      </p:sp>
+    </p:spTree>
+  </p:cSld>
+  <p:clrMapOvr>
+    <a:masterClrMapping/>
+  </p:clrMapOvr>
+</p:sldLayout>
+</file>
+
+<file path=ppt/slideLayouts/slideLayout7.xml><?xml version="1.0" encoding="utf-8"?>
+<p:sldLayout xmlns:a="http://schemas.openxmlformats.org/drawingml/2006/main" xmlns:r="http://schemas.openxmlformats.org/officeDocument/2006/relationships" xmlns:p="http://schemas.openxmlformats.org/presentationml/2006/main" type="blank" preserve="1">
+  <p:cSld name="空白">
+    <p:spTree>
+      <p:nvGrpSpPr>
+        <p:cNvPr id="1" name=""/>
+        <p:cNvGrpSpPr/>
+        <p:nvPr/>
+      </p:nvGrpSpPr>
+      <p:grpSpPr>
+        <a:xfrm>
+          <a:off x="0" y="0"/>
+          <a:ext cx="0" cy="0"/>
+          <a:chOff x="0" y="0"/>
+          <a:chExt cx="0" cy="0"/>
+        </a:xfrm>
+      </p:grpSpPr>
+      <p:sp>
+        <p:nvSpPr>
+          <p:cNvPr id="2" name="日期占位符 1"/>
+          <p:cNvSpPr>
+            <a:spLocks noGrp="1"/>
+          </p:cNvSpPr>
+          <p:nvPr>
+            <p:ph type="dt" sz="half" idx="10"/>
+          </p:nvPr>
+        </p:nvSpPr>
+        <p:spPr/>
+        <p:txBody>
+          <a:bodyPr/>
+          <a:lstStyle/>
+          <a:p>
+            <a:fld id="{8B90E707-2250-46BB-9232-0DD54C0D4D6F}" type="datetimeFigureOut">
+              <a:rPr lang="zh-CN" altLang="en-US" smtClean="0"/>
+            </a:fld>
+            <a:endParaRPr lang="zh-CN" altLang="en-US"/>
+          </a:p>
+        </p:txBody>
+      </p:sp>
+      <p:sp>
+        <p:nvSpPr>
+          <p:cNvPr id="3" name="页脚占位符 2"/>
+          <p:cNvSpPr>
+            <a:spLocks noGrp="1"/>
+          </p:cNvSpPr>
+          <p:nvPr>
+            <p:ph type="ftr" sz="quarter" idx="11"/>
+          </p:nvPr>
+        </p:nvSpPr>
+        <p:spPr/>
+        <p:txBody>
+          <a:bodyPr/>
+          <a:lstStyle/>
+          <a:p>
+            <a:endParaRPr lang="zh-CN" altLang="en-US"/>
+          </a:p>
+        </p:txBody>
+      </p:sp>
+      <p:sp>
+        <p:nvSpPr>
+          <p:cNvPr id="4" name="灯片编号占位符 3"/>
+          <p:cNvSpPr>
+            <a:spLocks noGrp="1"/>
+          </p:cNvSpPr>
+          <p:nvPr>
+            <p:ph type="sldNum" sz="quarter" idx="12"/>
+          </p:nvPr>
+        </p:nvSpPr>
+        <p:spPr/>
+        <p:txBody>
+          <a:bodyPr/>
+          <a:lstStyle/>
+          <a:p>
+            <a:fld id="{F3C4FE25-33A0-43AE-9374-720E9D455181}" type="slidenum">
+              <a:rPr lang="zh-CN" altLang="en-US" smtClean="0"/>
+            </a:fld>
+            <a:endParaRPr lang="zh-CN" altLang="en-US"/>
+          </a:p>
+        </p:txBody>
+      </p:sp>
+    </p:spTree>
+  </p:cSld>
+  <p:clrMapOvr>
+    <a:masterClrMapping/>
+  </p:clrMapOvr>
+</p:sldLayout>
+</file>
+
+<file path=ppt/slideLayouts/slideLayout8.xml><?xml version="1.0" encoding="utf-8"?>
+<p:sldLayout xmlns:a="http://schemas.openxmlformats.org/drawingml/2006/main" xmlns:r="http://schemas.openxmlformats.org/officeDocument/2006/relationships" xmlns:p="http://schemas.openxmlformats.org/presentationml/2006/main" type="objTx" preserve="1">
+  <p:cSld name="内容与标题">
+    <p:spTree>
+      <p:nvGrpSpPr>
+        <p:cNvPr id="1" name=""/>
+        <p:cNvGrpSpPr/>
+        <p:nvPr/>
+      </p:nvGrpSpPr>
+      <p:grpSpPr>
+        <a:xfrm>
+          <a:off x="0" y="0"/>
+          <a:ext cx="0" cy="0"/>
+          <a:chOff x="0" y="0"/>
+          <a:chExt cx="0" cy="0"/>
+        </a:xfrm>
+      </p:grpSpPr>
+      <p:sp>
+        <p:nvSpPr>
+          <p:cNvPr id="2" name="标题 1"/>
+          <p:cNvSpPr>
+            <a:spLocks noGrp="1"/>
+          </p:cNvSpPr>
+          <p:nvPr>
+            <p:ph type="title"/>
+          </p:nvPr>
+        </p:nvSpPr>
+        <p:spPr>
+          <a:xfrm>
+            <a:off x="839788" y="457200"/>
+            <a:ext cx="3932237" cy="1600200"/>
+          </a:xfrm>
+        </p:spPr>
+        <p:txBody>
+          <a:bodyPr anchor="b"/>
+          <a:lstStyle>
+            <a:lvl1pPr>
+              <a:defRPr sz="3200"/>
+            </a:lvl1pPr>
+          </a:lstStyle>
+          <a:p>
+            <a:r>
+              <a:rPr lang="zh-CN" altLang="en-US"/>
+              <a:t>单击此处编辑母版标题样式</a:t>
+            </a:r>
+            <a:endParaRPr lang="zh-CN" altLang="en-US"/>
+          </a:p>
+        </p:txBody>
+      </p:sp>
+      <p:sp>
+        <p:nvSpPr>
+          <p:cNvPr id="3" name="内容占位符 2"/>
+          <p:cNvSpPr>
+            <a:spLocks noGrp="1"/>
+          </p:cNvSpPr>
+          <p:nvPr>
+            <p:ph idx="1"/>
+          </p:nvPr>
+        </p:nvSpPr>
+        <p:spPr>
+          <a:xfrm>
+            <a:off x="5183188" y="987425"/>
+            <a:ext cx="6172200" cy="4873625"/>
+          </a:xfrm>
+        </p:spPr>
+        <p:txBody>
+          <a:bodyPr/>
+          <a:lstStyle>
+            <a:lvl1pPr>
+              <a:defRPr sz="3200"/>
+            </a:lvl1pPr>
+            <a:lvl2pPr>
+              <a:defRPr sz="2800"/>
+            </a:lvl2pPr>
+            <a:lvl3pPr>
+              <a:defRPr sz="2400"/>
+            </a:lvl3pPr>
+            <a:lvl4pPr>
+              <a:defRPr sz="2000"/>
+            </a:lvl4pPr>
+            <a:lvl5pPr>
+              <a:defRPr sz="2000"/>
+            </a:lvl5pPr>
+            <a:lvl6pPr>
+              <a:defRPr sz="2000"/>
+            </a:lvl6pPr>
+            <a:lvl7pPr>
+              <a:defRPr sz="2000"/>
+            </a:lvl7pPr>
+            <a:lvl8pPr>
+              <a:defRPr sz="2000"/>
+            </a:lvl8pPr>
+            <a:lvl9pPr>
+              <a:defRPr sz="2000"/>
+            </a:lvl9pPr>
+          </a:lstStyle>
+          <a:p>
+            <a:pPr lvl="0"/>
+            <a:r>
+              <a:rPr lang="zh-CN" altLang="en-US"/>
+              <a:t>单击此处编辑母版文本样式</a:t>
+            </a:r>
+            <a:endParaRPr lang="zh-CN" altLang="en-US"/>
+          </a:p>
+          <a:p>
+            <a:pPr lvl="1"/>
+            <a:r>
+              <a:rPr lang="zh-CN" altLang="en-US"/>
+              <a:t>二级</a:t>
+            </a:r>
+            <a:endParaRPr lang="zh-CN" altLang="en-US"/>
+          </a:p>
+          <a:p>
+            <a:pPr lvl="2"/>
+            <a:r>
+              <a:rPr lang="zh-CN" altLang="en-US"/>
+              <a:t>三级</a:t>
+            </a:r>
+            <a:endParaRPr lang="zh-CN" altLang="en-US"/>
+          </a:p>
+          <a:p>
+            <a:pPr lvl="3"/>
+            <a:r>
+              <a:rPr lang="zh-CN" altLang="en-US"/>
+              <a:t>四级</a:t>
+            </a:r>
+            <a:endParaRPr lang="zh-CN" altLang="en-US"/>
+          </a:p>
+          <a:p>
+            <a:pPr lvl="4"/>
+            <a:r>
+              <a:rPr lang="zh-CN" altLang="en-US"/>
+              <a:t>五级</a:t>
+            </a:r>
+            <a:endParaRPr lang="zh-CN" altLang="en-US"/>
+          </a:p>
+        </p:txBody>
+      </p:sp>
+      <p:sp>
+        <p:nvSpPr>
+          <p:cNvPr id="4" name="文本占位符 3"/>
+          <p:cNvSpPr>
+            <a:spLocks noGrp="1"/>
+          </p:cNvSpPr>
+          <p:nvPr>
+            <p:ph type="body" sz="half" idx="2"/>
+          </p:nvPr>
+        </p:nvSpPr>
+        <p:spPr>
+          <a:xfrm>
+            <a:off x="839788" y="2057400"/>
+            <a:ext cx="3932237" cy="3811588"/>
+          </a:xfrm>
+        </p:spPr>
+        <p:txBody>
+          <a:bodyPr/>
+          <a:lstStyle>
+            <a:lvl1pPr marL="0" indent="0">
+              <a:buNone/>
+              <a:defRPr sz="1600"/>
+            </a:lvl1pPr>
+            <a:lvl2pPr marL="457200" indent="0">
+              <a:buNone/>
+              <a:defRPr sz="1400"/>
+            </a:lvl2pPr>
+            <a:lvl3pPr marL="914400" indent="0">
+              <a:buNone/>
+              <a:defRPr sz="1200"/>
+            </a:lvl3pPr>
+            <a:lvl4pPr marL="1371600" indent="0">
+              <a:buNone/>
+              <a:defRPr sz="1000"/>
+            </a:lvl4pPr>
+            <a:lvl5pPr marL="1828800" indent="0">
+              <a:buNone/>
+              <a:defRPr sz="1000"/>
+            </a:lvl5pPr>
+            <a:lvl6pPr marL="2286000" indent="0">
+              <a:buNone/>
+              <a:defRPr sz="1000"/>
+            </a:lvl6pPr>
+            <a:lvl7pPr marL="2743200" indent="0">
+              <a:buNone/>
+              <a:defRPr sz="1000"/>
+            </a:lvl7pPr>
+            <a:lvl8pPr marL="3200400" indent="0">
+              <a:buNone/>
+              <a:defRPr sz="1000"/>
+            </a:lvl8pPr>
+            <a:lvl9pPr marL="3657600" indent="0">
+              <a:buNone/>
+              <a:defRPr sz="1000"/>
+            </a:lvl9pPr>
+          </a:lstStyle>
+          <a:p>
+            <a:pPr lvl="0"/>
+            <a:r>
+              <a:rPr lang="zh-CN" altLang="en-US"/>
+              <a:t>单击此处编辑母版文本样式</a:t>
+            </a:r>
+            <a:endParaRPr lang="zh-CN" altLang="en-US"/>
+          </a:p>
+        </p:txBody>
+      </p:sp>
+      <p:sp>
+        <p:nvSpPr>
+          <p:cNvPr id="5" name="日期占位符 4"/>
+          <p:cNvSpPr>
+            <a:spLocks noGrp="1"/>
+          </p:cNvSpPr>
+          <p:nvPr>
+            <p:ph type="dt" sz="half" idx="10"/>
+          </p:nvPr>
+        </p:nvSpPr>
+        <p:spPr/>
+        <p:txBody>
+          <a:bodyPr/>
+          <a:lstStyle/>
+          <a:p>
+            <a:fld id="{8B90E707-2250-46BB-9232-0DD54C0D4D6F}" type="datetimeFigureOut">
+              <a:rPr lang="zh-CN" altLang="en-US" smtClean="0"/>
+            </a:fld>
+            <a:endParaRPr lang="zh-CN" altLang="en-US"/>
+          </a:p>
+        </p:txBody>
+      </p:sp>
+      <p:sp>
+        <p:nvSpPr>
+          <p:cNvPr id="6" name="页脚占位符 5"/>
+          <p:cNvSpPr>
+            <a:spLocks noGrp="1"/>
+          </p:cNvSpPr>
+          <p:nvPr>
+            <p:ph type="ftr" sz="quarter" idx="11"/>
+          </p:nvPr>
+        </p:nvSpPr>
+        <p:spPr/>
+        <p:txBody>
+          <a:bodyPr/>
+          <a:lstStyle/>
+          <a:p>
+            <a:endParaRPr lang="zh-CN" altLang="en-US"/>
+          </a:p>
+        </p:txBody>
+      </p:sp>
+      <p:sp>
+        <p:nvSpPr>
+          <p:cNvPr id="7" name="灯片编号占位符 6"/>
+          <p:cNvSpPr>
+            <a:spLocks noGrp="1"/>
+          </p:cNvSpPr>
+          <p:nvPr>
+            <p:ph type="sldNum" sz="quarter" idx="12"/>
+          </p:nvPr>
+        </p:nvSpPr>
+        <p:spPr/>
+        <p:txBody>
+          <a:bodyPr/>
+          <a:lstStyle/>
+          <a:p>
+            <a:fld id="{F3C4FE25-33A0-43AE-9374-720E9D455181}" type="slidenum">
+              <a:rPr lang="zh-CN" altLang="en-US" smtClean="0"/>
+            </a:fld>
+            <a:endParaRPr lang="zh-CN" altLang="en-US"/>
+          </a:p>
+        </p:txBody>
+      </p:sp>
+    </p:spTree>
   </p:cSld>
   <p:clrMapOvr>
     <a:masterClrMapping/>
@@ -2467,13 +4401,7 @@
       </p:grpSpPr>
       <p:sp>
         <p:nvSpPr>
-          <p:cNvPr id="2" name="标题 1">
-            <a:extLst>
-              <a:ext uri="{FF2B5EF4-FFF2-40B4-BE49-F238E27FC236}">
-                <a16:creationId xmlns:a16="http://schemas.microsoft.com/office/drawing/2014/main" id="{80C6DCF2-513F-4958-B94F-15C18530CAF5}"/>
-              </a:ext>
-            </a:extLst>
-          </p:cNvPr>
+          <p:cNvPr id="2" name="标题 1"/>
           <p:cNvSpPr>
             <a:spLocks noGrp="1"/>
           </p:cNvSpPr>
@@ -2499,18 +4427,13 @@
               <a:rPr lang="zh-CN" altLang="en-US"/>
               <a:t>单击此处编辑母版标题样式</a:t>
             </a:r>
-          </a:p>
-        </p:txBody>
-      </p:sp>
-      <p:sp>
-        <p:nvSpPr>
-          <p:cNvPr id="3" name="图片占位符 2">
-            <a:extLst>
-              <a:ext uri="{FF2B5EF4-FFF2-40B4-BE49-F238E27FC236}">
-                <a16:creationId xmlns:a16="http://schemas.microsoft.com/office/drawing/2014/main" id="{1237658D-D400-41AC-A6E3-7F4135093B75}"/>
-              </a:ext>
-            </a:extLst>
-          </p:cNvPr>
+            <a:endParaRPr lang="zh-CN" altLang="en-US"/>
+          </a:p>
+        </p:txBody>
+      </p:sp>
+      <p:sp>
+        <p:nvSpPr>
+          <p:cNvPr id="3" name="图片占位符 2"/>
           <p:cNvSpPr>
             <a:spLocks noGrp="1"/>
           </p:cNvSpPr>
@@ -2571,13 +4494,7 @@
       </p:sp>
       <p:sp>
         <p:nvSpPr>
-          <p:cNvPr id="4" name="文本占位符 3">
-            <a:extLst>
-              <a:ext uri="{FF2B5EF4-FFF2-40B4-BE49-F238E27FC236}">
-                <a16:creationId xmlns:a16="http://schemas.microsoft.com/office/drawing/2014/main" id="{411DC3B1-A831-41A2-93A5-8A09B215C7DC}"/>
-              </a:ext>
-            </a:extLst>
-          </p:cNvPr>
+          <p:cNvPr id="4" name="文本占位符 3"/>
           <p:cNvSpPr>
             <a:spLocks noGrp="1"/>
           </p:cNvSpPr>
@@ -2637,18 +4554,13 @@
               <a:rPr lang="zh-CN" altLang="en-US"/>
               <a:t>单击此处编辑母版文本样式</a:t>
             </a:r>
-          </a:p>
-        </p:txBody>
-      </p:sp>
-      <p:sp>
-        <p:nvSpPr>
-          <p:cNvPr id="5" name="日期占位符 4">
-            <a:extLst>
-              <a:ext uri="{FF2B5EF4-FFF2-40B4-BE49-F238E27FC236}">
-                <a16:creationId xmlns:a16="http://schemas.microsoft.com/office/drawing/2014/main" id="{10D151C3-F4C1-45FF-A472-908EFE93BF37}"/>
-              </a:ext>
-            </a:extLst>
-          </p:cNvPr>
+            <a:endParaRPr lang="zh-CN" altLang="en-US"/>
+          </a:p>
+        </p:txBody>
+      </p:sp>
+      <p:sp>
+        <p:nvSpPr>
+          <p:cNvPr id="5" name="日期占位符 4"/>
           <p:cNvSpPr>
             <a:spLocks noGrp="1"/>
           </p:cNvSpPr>
@@ -2663,7 +4575,6 @@
           <a:p>
             <a:fld id="{8B90E707-2250-46BB-9232-0DD54C0D4D6F}" type="datetimeFigureOut">
               <a:rPr lang="zh-CN" altLang="en-US" smtClean="0"/>
-              <a:t>2019/4/26</a:t>
             </a:fld>
             <a:endParaRPr lang="zh-CN" altLang="en-US"/>
           </a:p>
@@ -2671,13 +4582,7 @@
       </p:sp>
       <p:sp>
         <p:nvSpPr>
-          <p:cNvPr id="6" name="页脚占位符 5">
-            <a:extLst>
-              <a:ext uri="{FF2B5EF4-FFF2-40B4-BE49-F238E27FC236}">
-                <a16:creationId xmlns:a16="http://schemas.microsoft.com/office/drawing/2014/main" id="{EA8F3B29-1E2E-4CE0-A429-5258C2683CA6}"/>
-              </a:ext>
-            </a:extLst>
-          </p:cNvPr>
+          <p:cNvPr id="6" name="页脚占位符 5"/>
           <p:cNvSpPr>
             <a:spLocks noGrp="1"/>
           </p:cNvSpPr>
@@ -2696,13 +4601,7 @@
       </p:sp>
       <p:sp>
         <p:nvSpPr>
-          <p:cNvPr id="7" name="灯片编号占位符 6">
-            <a:extLst>
-              <a:ext uri="{FF2B5EF4-FFF2-40B4-BE49-F238E27FC236}">
-                <a16:creationId xmlns:a16="http://schemas.microsoft.com/office/drawing/2014/main" id="{5E0C65AB-D77F-4CB3-AECA-965EF1018D31}"/>
-              </a:ext>
-            </a:extLst>
-          </p:cNvPr>
+          <p:cNvPr id="7" name="灯片编号占位符 6"/>
           <p:cNvSpPr>
             <a:spLocks noGrp="1"/>
           </p:cNvSpPr>
@@ -2717,18 +4616,12 @@
           <a:p>
             <a:fld id="{F3C4FE25-33A0-43AE-9374-720E9D455181}" type="slidenum">
               <a:rPr lang="zh-CN" altLang="en-US" smtClean="0"/>
-              <a:t>‹#›</a:t>
             </a:fld>
             <a:endParaRPr lang="zh-CN" altLang="en-US"/>
           </a:p>
         </p:txBody>
       </p:sp>
     </p:spTree>
-    <p:extLst>
-      <p:ext uri="{BB962C8B-B14F-4D97-AF65-F5344CB8AC3E}">
-        <p14:creationId xmlns:p14="http://schemas.microsoft.com/office/powerpoint/2010/main" val="50777630"/>
-      </p:ext>
-    </p:extLst>
   </p:cSld>
   <p:clrMapOvr>
     <a:masterClrMapping/>
@@ -2760,13 +4653,7 @@
       </p:grpSpPr>
       <p:sp>
         <p:nvSpPr>
-          <p:cNvPr id="2" name="标题占位符 1">
-            <a:extLst>
-              <a:ext uri="{FF2B5EF4-FFF2-40B4-BE49-F238E27FC236}">
-                <a16:creationId xmlns:a16="http://schemas.microsoft.com/office/drawing/2014/main" id="{237C74E0-3FF9-437E-8BE6-C4AE402D9FF5}"/>
-              </a:ext>
-            </a:extLst>
-          </p:cNvPr>
+          <p:cNvPr id="2" name="标题占位符 1"/>
           <p:cNvSpPr>
             <a:spLocks noGrp="1"/>
           </p:cNvSpPr>
@@ -2793,18 +4680,13 @@
               <a:rPr lang="zh-CN" altLang="en-US"/>
               <a:t>单击此处编辑母版标题样式</a:t>
             </a:r>
-          </a:p>
-        </p:txBody>
-      </p:sp>
-      <p:sp>
-        <p:nvSpPr>
-          <p:cNvPr id="3" name="文本占位符 2">
-            <a:extLst>
-              <a:ext uri="{FF2B5EF4-FFF2-40B4-BE49-F238E27FC236}">
-                <a16:creationId xmlns:a16="http://schemas.microsoft.com/office/drawing/2014/main" id="{7AB8177D-3D1A-46CA-8D65-53CCEE2D7047}"/>
-              </a:ext>
-            </a:extLst>
-          </p:cNvPr>
+            <a:endParaRPr lang="zh-CN" altLang="en-US"/>
+          </a:p>
+        </p:txBody>
+      </p:sp>
+      <p:sp>
+        <p:nvSpPr>
+          <p:cNvPr id="3" name="文本占位符 2"/>
           <p:cNvSpPr>
             <a:spLocks noGrp="1"/>
           </p:cNvSpPr>
@@ -2832,6 +4714,7 @@
               <a:rPr lang="zh-CN" altLang="en-US"/>
               <a:t>单击此处编辑母版文本样式</a:t>
             </a:r>
+            <a:endParaRPr lang="zh-CN" altLang="en-US"/>
           </a:p>
           <a:p>
             <a:pPr lvl="1"/>
@@ -2839,6 +4722,7 @@
               <a:rPr lang="zh-CN" altLang="en-US"/>
               <a:t>二级</a:t>
             </a:r>
+            <a:endParaRPr lang="zh-CN" altLang="en-US"/>
           </a:p>
           <a:p>
             <a:pPr lvl="2"/>
@@ -2846,6 +4730,7 @@
               <a:rPr lang="zh-CN" altLang="en-US"/>
               <a:t>三级</a:t>
             </a:r>
+            <a:endParaRPr lang="zh-CN" altLang="en-US"/>
           </a:p>
           <a:p>
             <a:pPr lvl="3"/>
@@ -2853,6 +4738,7 @@
               <a:rPr lang="zh-CN" altLang="en-US"/>
               <a:t>四级</a:t>
             </a:r>
+            <a:endParaRPr lang="zh-CN" altLang="en-US"/>
           </a:p>
           <a:p>
             <a:pPr lvl="4"/>
@@ -2860,18 +4746,13 @@
               <a:rPr lang="zh-CN" altLang="en-US"/>
               <a:t>五级</a:t>
             </a:r>
-          </a:p>
-        </p:txBody>
-      </p:sp>
-      <p:sp>
-        <p:nvSpPr>
-          <p:cNvPr id="4" name="日期占位符 3">
-            <a:extLst>
-              <a:ext uri="{FF2B5EF4-FFF2-40B4-BE49-F238E27FC236}">
-                <a16:creationId xmlns:a16="http://schemas.microsoft.com/office/drawing/2014/main" id="{CCBD5592-8273-4243-B298-72631055BFBC}"/>
-              </a:ext>
-            </a:extLst>
-          </p:cNvPr>
+            <a:endParaRPr lang="zh-CN" altLang="en-US"/>
+          </a:p>
+        </p:txBody>
+      </p:sp>
+      <p:sp>
+        <p:nvSpPr>
+          <p:cNvPr id="4" name="日期占位符 3"/>
           <p:cNvSpPr>
             <a:spLocks noGrp="1"/>
           </p:cNvSpPr>
@@ -2904,7 +4785,6 @@
           <a:p>
             <a:fld id="{8B90E707-2250-46BB-9232-0DD54C0D4D6F}" type="datetimeFigureOut">
               <a:rPr lang="zh-CN" altLang="en-US" smtClean="0"/>
-              <a:t>2019/4/26</a:t>
             </a:fld>
             <a:endParaRPr lang="zh-CN" altLang="en-US"/>
           </a:p>
@@ -2912,13 +4792,7 @@
       </p:sp>
       <p:sp>
         <p:nvSpPr>
-          <p:cNvPr id="5" name="页脚占位符 4">
-            <a:extLst>
-              <a:ext uri="{FF2B5EF4-FFF2-40B4-BE49-F238E27FC236}">
-                <a16:creationId xmlns:a16="http://schemas.microsoft.com/office/drawing/2014/main" id="{DD12B4C1-3823-4F45-8D7B-9A72BA64E1D3}"/>
-              </a:ext>
-            </a:extLst>
-          </p:cNvPr>
+          <p:cNvPr id="5" name="页脚占位符 4"/>
           <p:cNvSpPr>
             <a:spLocks noGrp="1"/>
           </p:cNvSpPr>
@@ -2955,13 +4829,7 @@
       </p:sp>
       <p:sp>
         <p:nvSpPr>
-          <p:cNvPr id="6" name="灯片编号占位符 5">
-            <a:extLst>
-              <a:ext uri="{FF2B5EF4-FFF2-40B4-BE49-F238E27FC236}">
-                <a16:creationId xmlns:a16="http://schemas.microsoft.com/office/drawing/2014/main" id="{AE10EB1D-A101-4235-BF21-350F4A50FD38}"/>
-              </a:ext>
-            </a:extLst>
-          </p:cNvPr>
+          <p:cNvPr id="6" name="灯片编号占位符 5"/>
           <p:cNvSpPr>
             <a:spLocks noGrp="1"/>
           </p:cNvSpPr>
@@ -2994,18 +4862,12 @@
           <a:p>
             <a:fld id="{F3C4FE25-33A0-43AE-9374-720E9D455181}" type="slidenum">
               <a:rPr lang="zh-CN" altLang="en-US" smtClean="0"/>
-              <a:t>‹#›</a:t>
             </a:fld>
             <a:endParaRPr lang="zh-CN" altLang="en-US"/>
           </a:p>
         </p:txBody>
       </p:sp>
     </p:spTree>
-    <p:extLst>
-      <p:ext uri="{BB962C8B-B14F-4D97-AF65-F5344CB8AC3E}">
-        <p14:creationId xmlns:p14="http://schemas.microsoft.com/office/powerpoint/2010/main" val="116765815"/>
-      </p:ext>
-    </p:extLst>
   </p:cSld>
   <p:clrMap bg1="lt1" tx1="dk1" bg2="lt2" tx2="dk2" accent1="accent1" accent2="accent2" accent3="accent3" accent4="accent4" accent5="accent5" accent6="accent6" hlink="hlink" folHlink="folHlink"/>
   <p:sldLayoutIdLst>
@@ -3020,6 +4882,543 @@
     <p:sldLayoutId id="2147483657" r:id="rId9"/>
     <p:sldLayoutId id="2147483658" r:id="rId10"/>
     <p:sldLayoutId id="2147483659" r:id="rId11"/>
+  </p:sldLayoutIdLst>
+  <p:txStyles>
+    <p:titleStyle>
+      <a:lvl1pPr algn="l" defTabSz="914400" rtl="0" eaLnBrk="1" latinLnBrk="0" hangingPunct="1">
+        <a:lnSpc>
+          <a:spcPct val="90000"/>
+        </a:lnSpc>
+        <a:spcBef>
+          <a:spcPct val="0"/>
+        </a:spcBef>
+        <a:buNone/>
+        <a:defRPr sz="4400" kern="1200">
+          <a:solidFill>
+            <a:schemeClr val="tx1"/>
+          </a:solidFill>
+          <a:latin typeface="+mj-lt"/>
+          <a:ea typeface="+mj-ea"/>
+          <a:cs typeface="+mj-cs"/>
+        </a:defRPr>
+      </a:lvl1pPr>
+    </p:titleStyle>
+    <p:bodyStyle>
+      <a:lvl1pPr marL="228600" indent="-228600" algn="l" defTabSz="914400" rtl="0" eaLnBrk="1" latinLnBrk="0" hangingPunct="1">
+        <a:lnSpc>
+          <a:spcPct val="90000"/>
+        </a:lnSpc>
+        <a:spcBef>
+          <a:spcPts val="1000"/>
+        </a:spcBef>
+        <a:buFont typeface="Arial" panose="020B0604020202020204" pitchFamily="34" charset="0"/>
+        <a:buChar char="•"/>
+        <a:defRPr sz="2800" kern="1200">
+          <a:solidFill>
+            <a:schemeClr val="tx1"/>
+          </a:solidFill>
+          <a:latin typeface="+mn-lt"/>
+          <a:ea typeface="+mn-ea"/>
+          <a:cs typeface="+mn-cs"/>
+        </a:defRPr>
+      </a:lvl1pPr>
+      <a:lvl2pPr marL="685800" indent="-228600" algn="l" defTabSz="914400" rtl="0" eaLnBrk="1" latinLnBrk="0" hangingPunct="1">
+        <a:lnSpc>
+          <a:spcPct val="90000"/>
+        </a:lnSpc>
+        <a:spcBef>
+          <a:spcPts val="500"/>
+        </a:spcBef>
+        <a:buFont typeface="Arial" panose="020B0604020202020204" pitchFamily="34" charset="0"/>
+        <a:buChar char="•"/>
+        <a:defRPr sz="2400" kern="1200">
+          <a:solidFill>
+            <a:schemeClr val="tx1"/>
+          </a:solidFill>
+          <a:latin typeface="+mn-lt"/>
+          <a:ea typeface="+mn-ea"/>
+          <a:cs typeface="+mn-cs"/>
+        </a:defRPr>
+      </a:lvl2pPr>
+      <a:lvl3pPr marL="1143000" indent="-228600" algn="l" defTabSz="914400" rtl="0" eaLnBrk="1" latinLnBrk="0" hangingPunct="1">
+        <a:lnSpc>
+          <a:spcPct val="90000"/>
+        </a:lnSpc>
+        <a:spcBef>
+          <a:spcPts val="500"/>
+        </a:spcBef>
+        <a:buFont typeface="Arial" panose="020B0604020202020204" pitchFamily="34" charset="0"/>
+        <a:buChar char="•"/>
+        <a:defRPr sz="2000" kern="1200">
+          <a:solidFill>
+            <a:schemeClr val="tx1"/>
+          </a:solidFill>
+          <a:latin typeface="+mn-lt"/>
+          <a:ea typeface="+mn-ea"/>
+          <a:cs typeface="+mn-cs"/>
+        </a:defRPr>
+      </a:lvl3pPr>
+      <a:lvl4pPr marL="1600200" indent="-228600" algn="l" defTabSz="914400" rtl="0" eaLnBrk="1" latinLnBrk="0" hangingPunct="1">
+        <a:lnSpc>
+          <a:spcPct val="90000"/>
+        </a:lnSpc>
+        <a:spcBef>
+          <a:spcPts val="500"/>
+        </a:spcBef>
+        <a:buFont typeface="Arial" panose="020B0604020202020204" pitchFamily="34" charset="0"/>
+        <a:buChar char="•"/>
+        <a:defRPr sz="1800" kern="1200">
+          <a:solidFill>
+            <a:schemeClr val="tx1"/>
+          </a:solidFill>
+          <a:latin typeface="+mn-lt"/>
+          <a:ea typeface="+mn-ea"/>
+          <a:cs typeface="+mn-cs"/>
+        </a:defRPr>
+      </a:lvl4pPr>
+      <a:lvl5pPr marL="2057400" indent="-228600" algn="l" defTabSz="914400" rtl="0" eaLnBrk="1" latinLnBrk="0" hangingPunct="1">
+        <a:lnSpc>
+          <a:spcPct val="90000"/>
+        </a:lnSpc>
+        <a:spcBef>
+          <a:spcPts val="500"/>
+        </a:spcBef>
+        <a:buFont typeface="Arial" panose="020B0604020202020204" pitchFamily="34" charset="0"/>
+        <a:buChar char="•"/>
+        <a:defRPr sz="1800" kern="1200">
+          <a:solidFill>
+            <a:schemeClr val="tx1"/>
+          </a:solidFill>
+          <a:latin typeface="+mn-lt"/>
+          <a:ea typeface="+mn-ea"/>
+          <a:cs typeface="+mn-cs"/>
+        </a:defRPr>
+      </a:lvl5pPr>
+      <a:lvl6pPr marL="2514600" indent="-228600" algn="l" defTabSz="914400" rtl="0" eaLnBrk="1" latinLnBrk="0" hangingPunct="1">
+        <a:lnSpc>
+          <a:spcPct val="90000"/>
+        </a:lnSpc>
+        <a:spcBef>
+          <a:spcPts val="500"/>
+        </a:spcBef>
+        <a:buFont typeface="Arial" panose="020B0604020202020204" pitchFamily="34" charset="0"/>
+        <a:buChar char="•"/>
+        <a:defRPr sz="1800" kern="1200">
+          <a:solidFill>
+            <a:schemeClr val="tx1"/>
+          </a:solidFill>
+          <a:latin typeface="+mn-lt"/>
+          <a:ea typeface="+mn-ea"/>
+          <a:cs typeface="+mn-cs"/>
+        </a:defRPr>
+      </a:lvl6pPr>
+      <a:lvl7pPr marL="2971800" indent="-228600" algn="l" defTabSz="914400" rtl="0" eaLnBrk="1" latinLnBrk="0" hangingPunct="1">
+        <a:lnSpc>
+          <a:spcPct val="90000"/>
+        </a:lnSpc>
+        <a:spcBef>
+          <a:spcPts val="500"/>
+        </a:spcBef>
+        <a:buFont typeface="Arial" panose="020B0604020202020204" pitchFamily="34" charset="0"/>
+        <a:buChar char="•"/>
+        <a:defRPr sz="1800" kern="1200">
+          <a:solidFill>
+            <a:schemeClr val="tx1"/>
+          </a:solidFill>
+          <a:latin typeface="+mn-lt"/>
+          <a:ea typeface="+mn-ea"/>
+          <a:cs typeface="+mn-cs"/>
+        </a:defRPr>
+      </a:lvl7pPr>
+      <a:lvl8pPr marL="3429000" indent="-228600" algn="l" defTabSz="914400" rtl="0" eaLnBrk="1" latinLnBrk="0" hangingPunct="1">
+        <a:lnSpc>
+          <a:spcPct val="90000"/>
+        </a:lnSpc>
+        <a:spcBef>
+          <a:spcPts val="500"/>
+        </a:spcBef>
+        <a:buFont typeface="Arial" panose="020B0604020202020204" pitchFamily="34" charset="0"/>
+        <a:buChar char="•"/>
+        <a:defRPr sz="1800" kern="1200">
+          <a:solidFill>
+            <a:schemeClr val="tx1"/>
+          </a:solidFill>
+          <a:latin typeface="+mn-lt"/>
+          <a:ea typeface="+mn-ea"/>
+          <a:cs typeface="+mn-cs"/>
+        </a:defRPr>
+      </a:lvl8pPr>
+      <a:lvl9pPr marL="3886200" indent="-228600" algn="l" defTabSz="914400" rtl="0" eaLnBrk="1" latinLnBrk="0" hangingPunct="1">
+        <a:lnSpc>
+          <a:spcPct val="90000"/>
+        </a:lnSpc>
+        <a:spcBef>
+          <a:spcPts val="500"/>
+        </a:spcBef>
+        <a:buFont typeface="Arial" panose="020B0604020202020204" pitchFamily="34" charset="0"/>
+        <a:buChar char="•"/>
+        <a:defRPr sz="1800" kern="1200">
+          <a:solidFill>
+            <a:schemeClr val="tx1"/>
+          </a:solidFill>
+          <a:latin typeface="+mn-lt"/>
+          <a:ea typeface="+mn-ea"/>
+          <a:cs typeface="+mn-cs"/>
+        </a:defRPr>
+      </a:lvl9pPr>
+    </p:bodyStyle>
+    <p:otherStyle>
+      <a:defPPr>
+        <a:defRPr lang="zh-CN"/>
+      </a:defPPr>
+      <a:lvl1pPr marL="0" algn="l" defTabSz="914400" rtl="0" eaLnBrk="1" latinLnBrk="0" hangingPunct="1">
+        <a:defRPr sz="1800" kern="1200">
+          <a:solidFill>
+            <a:schemeClr val="tx1"/>
+          </a:solidFill>
+          <a:latin typeface="+mn-lt"/>
+          <a:ea typeface="+mn-ea"/>
+          <a:cs typeface="+mn-cs"/>
+        </a:defRPr>
+      </a:lvl1pPr>
+      <a:lvl2pPr marL="457200" algn="l" defTabSz="914400" rtl="0" eaLnBrk="1" latinLnBrk="0" hangingPunct="1">
+        <a:defRPr sz="1800" kern="1200">
+          <a:solidFill>
+            <a:schemeClr val="tx1"/>
+          </a:solidFill>
+          <a:latin typeface="+mn-lt"/>
+          <a:ea typeface="+mn-ea"/>
+          <a:cs typeface="+mn-cs"/>
+        </a:defRPr>
+      </a:lvl2pPr>
+      <a:lvl3pPr marL="914400" algn="l" defTabSz="914400" rtl="0" eaLnBrk="1" latinLnBrk="0" hangingPunct="1">
+        <a:defRPr sz="1800" kern="1200">
+          <a:solidFill>
+            <a:schemeClr val="tx1"/>
+          </a:solidFill>
+          <a:latin typeface="+mn-lt"/>
+          <a:ea typeface="+mn-ea"/>
+          <a:cs typeface="+mn-cs"/>
+        </a:defRPr>
+      </a:lvl3pPr>
+      <a:lvl4pPr marL="1371600" algn="l" defTabSz="914400" rtl="0" eaLnBrk="1" latinLnBrk="0" hangingPunct="1">
+        <a:defRPr sz="1800" kern="1200">
+          <a:solidFill>
+            <a:schemeClr val="tx1"/>
+          </a:solidFill>
+          <a:latin typeface="+mn-lt"/>
+          <a:ea typeface="+mn-ea"/>
+          <a:cs typeface="+mn-cs"/>
+        </a:defRPr>
+      </a:lvl4pPr>
+      <a:lvl5pPr marL="1828800" algn="l" defTabSz="914400" rtl="0" eaLnBrk="1" latinLnBrk="0" hangingPunct="1">
+        <a:defRPr sz="1800" kern="1200">
+          <a:solidFill>
+            <a:schemeClr val="tx1"/>
+          </a:solidFill>
+          <a:latin typeface="+mn-lt"/>
+          <a:ea typeface="+mn-ea"/>
+          <a:cs typeface="+mn-cs"/>
+        </a:defRPr>
+      </a:lvl5pPr>
+      <a:lvl6pPr marL="2286000" algn="l" defTabSz="914400" rtl="0" eaLnBrk="1" latinLnBrk="0" hangingPunct="1">
+        <a:defRPr sz="1800" kern="1200">
+          <a:solidFill>
+            <a:schemeClr val="tx1"/>
+          </a:solidFill>
+          <a:latin typeface="+mn-lt"/>
+          <a:ea typeface="+mn-ea"/>
+          <a:cs typeface="+mn-cs"/>
+        </a:defRPr>
+      </a:lvl6pPr>
+      <a:lvl7pPr marL="2743200" algn="l" defTabSz="914400" rtl="0" eaLnBrk="1" latinLnBrk="0" hangingPunct="1">
+        <a:defRPr sz="1800" kern="1200">
+          <a:solidFill>
+            <a:schemeClr val="tx1"/>
+          </a:solidFill>
+          <a:latin typeface="+mn-lt"/>
+          <a:ea typeface="+mn-ea"/>
+          <a:cs typeface="+mn-cs"/>
+        </a:defRPr>
+      </a:lvl7pPr>
+      <a:lvl8pPr marL="3200400" algn="l" defTabSz="914400" rtl="0" eaLnBrk="1" latinLnBrk="0" hangingPunct="1">
+        <a:defRPr sz="1800" kern="1200">
+          <a:solidFill>
+            <a:schemeClr val="tx1"/>
+          </a:solidFill>
+          <a:latin typeface="+mn-lt"/>
+          <a:ea typeface="+mn-ea"/>
+          <a:cs typeface="+mn-cs"/>
+        </a:defRPr>
+      </a:lvl8pPr>
+      <a:lvl9pPr marL="3657600" algn="l" defTabSz="914400" rtl="0" eaLnBrk="1" latinLnBrk="0" hangingPunct="1">
+        <a:defRPr sz="1800" kern="1200">
+          <a:solidFill>
+            <a:schemeClr val="tx1"/>
+          </a:solidFill>
+          <a:latin typeface="+mn-lt"/>
+          <a:ea typeface="+mn-ea"/>
+          <a:cs typeface="+mn-cs"/>
+        </a:defRPr>
+      </a:lvl9pPr>
+    </p:otherStyle>
+  </p:txStyles>
+</p:sldMaster>
+</file>
+
+<file path=ppt/slideMasters/slideMaster2.xml><?xml version="1.0" encoding="utf-8"?>
+<p:sldMaster xmlns:a="http://schemas.openxmlformats.org/drawingml/2006/main" xmlns:r="http://schemas.openxmlformats.org/officeDocument/2006/relationships" xmlns:p="http://schemas.openxmlformats.org/presentationml/2006/main">
+  <p:cSld>
+    <p:bg>
+      <p:bgRef idx="1001">
+        <a:schemeClr val="bg1"/>
+      </p:bgRef>
+    </p:bg>
+    <p:spTree>
+      <p:nvGrpSpPr>
+        <p:cNvPr id="1" name=""/>
+        <p:cNvGrpSpPr/>
+        <p:nvPr/>
+      </p:nvGrpSpPr>
+      <p:grpSpPr>
+        <a:xfrm>
+          <a:off x="0" y="0"/>
+          <a:ext cx="0" cy="0"/>
+          <a:chOff x="0" y="0"/>
+          <a:chExt cx="0" cy="0"/>
+        </a:xfrm>
+      </p:grpSpPr>
+      <p:sp>
+        <p:nvSpPr>
+          <p:cNvPr id="2" name="标题占位符 1"/>
+          <p:cNvSpPr>
+            <a:spLocks noGrp="1"/>
+          </p:cNvSpPr>
+          <p:nvPr>
+            <p:ph type="title"/>
+          </p:nvPr>
+        </p:nvSpPr>
+        <p:spPr>
+          <a:xfrm>
+            <a:off x="838200" y="365125"/>
+            <a:ext cx="10515600" cy="1325563"/>
+          </a:xfrm>
+          <a:prstGeom prst="rect">
+            <a:avLst/>
+          </a:prstGeom>
+        </p:spPr>
+        <p:txBody>
+          <a:bodyPr vert="horz" lIns="91440" tIns="45720" rIns="91440" bIns="45720" rtlCol="0" anchor="ctr">
+            <a:normAutofit/>
+          </a:bodyPr>
+          <a:lstStyle/>
+          <a:p>
+            <a:r>
+              <a:rPr lang="zh-CN" altLang="en-US"/>
+              <a:t>单击此处编辑母版标题样式</a:t>
+            </a:r>
+            <a:endParaRPr lang="zh-CN" altLang="en-US"/>
+          </a:p>
+        </p:txBody>
+      </p:sp>
+      <p:sp>
+        <p:nvSpPr>
+          <p:cNvPr id="3" name="文本占位符 2"/>
+          <p:cNvSpPr>
+            <a:spLocks noGrp="1"/>
+          </p:cNvSpPr>
+          <p:nvPr>
+            <p:ph type="body" idx="1"/>
+          </p:nvPr>
+        </p:nvSpPr>
+        <p:spPr>
+          <a:xfrm>
+            <a:off x="838200" y="1825625"/>
+            <a:ext cx="10515600" cy="4351338"/>
+          </a:xfrm>
+          <a:prstGeom prst="rect">
+            <a:avLst/>
+          </a:prstGeom>
+        </p:spPr>
+        <p:txBody>
+          <a:bodyPr vert="horz" lIns="91440" tIns="45720" rIns="91440" bIns="45720" rtlCol="0">
+            <a:normAutofit/>
+          </a:bodyPr>
+          <a:lstStyle/>
+          <a:p>
+            <a:pPr lvl="0"/>
+            <a:r>
+              <a:rPr lang="zh-CN" altLang="en-US"/>
+              <a:t>单击此处编辑母版文本样式</a:t>
+            </a:r>
+            <a:endParaRPr lang="zh-CN" altLang="en-US"/>
+          </a:p>
+          <a:p>
+            <a:pPr lvl="1"/>
+            <a:r>
+              <a:rPr lang="zh-CN" altLang="en-US"/>
+              <a:t>二级</a:t>
+            </a:r>
+            <a:endParaRPr lang="zh-CN" altLang="en-US"/>
+          </a:p>
+          <a:p>
+            <a:pPr lvl="2"/>
+            <a:r>
+              <a:rPr lang="zh-CN" altLang="en-US"/>
+              <a:t>三级</a:t>
+            </a:r>
+            <a:endParaRPr lang="zh-CN" altLang="en-US"/>
+          </a:p>
+          <a:p>
+            <a:pPr lvl="3"/>
+            <a:r>
+              <a:rPr lang="zh-CN" altLang="en-US"/>
+              <a:t>四级</a:t>
+            </a:r>
+            <a:endParaRPr lang="zh-CN" altLang="en-US"/>
+          </a:p>
+          <a:p>
+            <a:pPr lvl="4"/>
+            <a:r>
+              <a:rPr lang="zh-CN" altLang="en-US"/>
+              <a:t>五级</a:t>
+            </a:r>
+            <a:endParaRPr lang="zh-CN" altLang="en-US"/>
+          </a:p>
+        </p:txBody>
+      </p:sp>
+      <p:sp>
+        <p:nvSpPr>
+          <p:cNvPr id="4" name="日期占位符 3"/>
+          <p:cNvSpPr>
+            <a:spLocks noGrp="1"/>
+          </p:cNvSpPr>
+          <p:nvPr>
+            <p:ph type="dt" sz="half" idx="2"/>
+          </p:nvPr>
+        </p:nvSpPr>
+        <p:spPr>
+          <a:xfrm>
+            <a:off x="838200" y="6356350"/>
+            <a:ext cx="2743200" cy="365125"/>
+          </a:xfrm>
+          <a:prstGeom prst="rect">
+            <a:avLst/>
+          </a:prstGeom>
+        </p:spPr>
+        <p:txBody>
+          <a:bodyPr vert="horz" lIns="91440" tIns="45720" rIns="91440" bIns="45720" rtlCol="0" anchor="ctr"/>
+          <a:lstStyle>
+            <a:lvl1pPr algn="l">
+              <a:defRPr sz="1200">
+                <a:solidFill>
+                  <a:schemeClr val="tx1">
+                    <a:tint val="75000"/>
+                  </a:schemeClr>
+                </a:solidFill>
+              </a:defRPr>
+            </a:lvl1pPr>
+          </a:lstStyle>
+          <a:p>
+            <a:fld id="{8B90E707-2250-46BB-9232-0DD54C0D4D6F}" type="datetimeFigureOut">
+              <a:rPr lang="zh-CN" altLang="en-US" smtClean="0"/>
+            </a:fld>
+            <a:endParaRPr lang="zh-CN" altLang="en-US"/>
+          </a:p>
+        </p:txBody>
+      </p:sp>
+      <p:sp>
+        <p:nvSpPr>
+          <p:cNvPr id="5" name="页脚占位符 4"/>
+          <p:cNvSpPr>
+            <a:spLocks noGrp="1"/>
+          </p:cNvSpPr>
+          <p:nvPr>
+            <p:ph type="ftr" sz="quarter" idx="3"/>
+          </p:nvPr>
+        </p:nvSpPr>
+        <p:spPr>
+          <a:xfrm>
+            <a:off x="4038600" y="6356350"/>
+            <a:ext cx="4114800" cy="365125"/>
+          </a:xfrm>
+          <a:prstGeom prst="rect">
+            <a:avLst/>
+          </a:prstGeom>
+        </p:spPr>
+        <p:txBody>
+          <a:bodyPr vert="horz" lIns="91440" tIns="45720" rIns="91440" bIns="45720" rtlCol="0" anchor="ctr"/>
+          <a:lstStyle>
+            <a:lvl1pPr algn="ctr">
+              <a:defRPr sz="1200">
+                <a:solidFill>
+                  <a:schemeClr val="tx1">
+                    <a:tint val="75000"/>
+                  </a:schemeClr>
+                </a:solidFill>
+              </a:defRPr>
+            </a:lvl1pPr>
+          </a:lstStyle>
+          <a:p>
+            <a:endParaRPr lang="zh-CN" altLang="en-US"/>
+          </a:p>
+        </p:txBody>
+      </p:sp>
+      <p:sp>
+        <p:nvSpPr>
+          <p:cNvPr id="6" name="灯片编号占位符 5"/>
+          <p:cNvSpPr>
+            <a:spLocks noGrp="1"/>
+          </p:cNvSpPr>
+          <p:nvPr>
+            <p:ph type="sldNum" sz="quarter" idx="4"/>
+          </p:nvPr>
+        </p:nvSpPr>
+        <p:spPr>
+          <a:xfrm>
+            <a:off x="8610600" y="6356350"/>
+            <a:ext cx="2743200" cy="365125"/>
+          </a:xfrm>
+          <a:prstGeom prst="rect">
+            <a:avLst/>
+          </a:prstGeom>
+        </p:spPr>
+        <p:txBody>
+          <a:bodyPr vert="horz" lIns="91440" tIns="45720" rIns="91440" bIns="45720" rtlCol="0" anchor="ctr"/>
+          <a:lstStyle>
+            <a:lvl1pPr algn="r">
+              <a:defRPr sz="1200">
+                <a:solidFill>
+                  <a:schemeClr val="tx1">
+                    <a:tint val="75000"/>
+                  </a:schemeClr>
+                </a:solidFill>
+              </a:defRPr>
+            </a:lvl1pPr>
+          </a:lstStyle>
+          <a:p>
+            <a:fld id="{F3C4FE25-33A0-43AE-9374-720E9D455181}" type="slidenum">
+              <a:rPr lang="zh-CN" altLang="en-US" smtClean="0"/>
+            </a:fld>
+            <a:endParaRPr lang="zh-CN" altLang="en-US"/>
+          </a:p>
+        </p:txBody>
+      </p:sp>
+    </p:spTree>
+  </p:cSld>
+  <p:clrMap bg1="lt1" tx1="dk1" bg2="lt2" tx2="dk2" accent1="accent1" accent2="accent2" accent3="accent3" accent4="accent4" accent5="accent5" accent6="accent6" hlink="hlink" folHlink="folHlink"/>
+  <p:sldLayoutIdLst>
+    <p:sldLayoutId id="2147483661" r:id="rId1"/>
+    <p:sldLayoutId id="2147483662" r:id="rId2"/>
+    <p:sldLayoutId id="2147483663" r:id="rId3"/>
+    <p:sldLayoutId id="2147483664" r:id="rId4"/>
+    <p:sldLayoutId id="2147483665" r:id="rId5"/>
+    <p:sldLayoutId id="2147483666" r:id="rId6"/>
+    <p:sldLayoutId id="2147483667" r:id="rId7"/>
+    <p:sldLayoutId id="2147483668" r:id="rId8"/>
+    <p:sldLayoutId id="2147483669" r:id="rId9"/>
+    <p:sldLayoutId id="2147483670" r:id="rId10"/>
+    <p:sldLayoutId id="2147483671" r:id="rId11"/>
   </p:sldLayoutIdLst>
   <p:txStyles>
     <p:titleStyle>
@@ -3323,13 +5722,7 @@
       </p:grpSpPr>
       <p:sp>
         <p:nvSpPr>
-          <p:cNvPr id="4" name="文本框 3">
-            <a:extLst>
-              <a:ext uri="{FF2B5EF4-FFF2-40B4-BE49-F238E27FC236}">
-                <a16:creationId xmlns:a16="http://schemas.microsoft.com/office/drawing/2014/main" id="{7EB7014C-7335-4672-A887-C3395F59298B}"/>
-              </a:ext>
-            </a:extLst>
-          </p:cNvPr>
+          <p:cNvPr id="4" name="文本框 3"/>
           <p:cNvSpPr txBox="1"/>
           <p:nvPr/>
         </p:nvSpPr>
@@ -3477,12 +5870,14 @@
               <a:rPr lang="en-US" altLang="zh-CN" sz="1200" dirty="0"/>
               <a:t>!   </a:t>
             </a:r>
+            <a:endParaRPr lang="en-US" altLang="zh-CN" sz="1200" dirty="0"/>
           </a:p>
           <a:p>
             <a:r>
               <a:rPr lang="en-US" altLang="zh-CN" sz="1200" dirty="0"/>
               <a:t>                          </a:t>
             </a:r>
+            <a:endParaRPr lang="en-US" altLang="zh-CN" sz="1200" dirty="0"/>
           </a:p>
           <a:p>
             <a:endParaRPr lang="zh-CN" altLang="en-US" sz="1400" dirty="0"/>
@@ -3491,13 +5886,7 @@
       </p:sp>
       <p:sp>
         <p:nvSpPr>
-          <p:cNvPr id="9" name="矩形 8">
-            <a:extLst>
-              <a:ext uri="{FF2B5EF4-FFF2-40B4-BE49-F238E27FC236}">
-                <a16:creationId xmlns:a16="http://schemas.microsoft.com/office/drawing/2014/main" id="{2E61D03A-9BF8-4A1D-8E56-D985AE5D1DE0}"/>
-              </a:ext>
-            </a:extLst>
-          </p:cNvPr>
+          <p:cNvPr id="9" name="矩形 8"/>
           <p:cNvSpPr/>
           <p:nvPr/>
         </p:nvSpPr>
@@ -3538,25 +5927,23 @@
               </a:rPr>
               <a:t>常规做法</a:t>
             </a:r>
+            <a:endParaRPr lang="zh-CN" altLang="en-US" sz="1400" dirty="0">
+              <a:latin typeface="新宋体" panose="02010609030101010101" pitchFamily="49" charset="-122"/>
+              <a:ea typeface="新宋体" panose="02010609030101010101" pitchFamily="49" charset="-122"/>
+            </a:endParaRPr>
           </a:p>
         </p:txBody>
       </p:sp>
       <p:pic>
         <p:nvPicPr>
-          <p:cNvPr id="10" name="图片 9">
-            <a:extLst>
-              <a:ext uri="{FF2B5EF4-FFF2-40B4-BE49-F238E27FC236}">
-                <a16:creationId xmlns:a16="http://schemas.microsoft.com/office/drawing/2014/main" id="{D478875B-FB63-4435-A7E0-0910C045DE97}"/>
-              </a:ext>
-            </a:extLst>
-          </p:cNvPr>
+          <p:cNvPr id="10" name="图片 9"/>
           <p:cNvPicPr>
             <a:picLocks noChangeAspect="1"/>
           </p:cNvPicPr>
           <p:nvPr/>
         </p:nvPicPr>
         <p:blipFill>
-          <a:blip r:embed="rId2">
+          <a:blip r:embed="rId1">
             <a:extLst>
               <a:ext uri="{28A0092B-C50C-407E-A947-70E740481C1C}">
                 <a14:useLocalDpi xmlns:a14="http://schemas.microsoft.com/office/drawing/2010/main" val="0"/>
@@ -3579,13 +5966,7 @@
       </p:pic>
       <p:sp>
         <p:nvSpPr>
-          <p:cNvPr id="11" name="矩形 10">
-            <a:extLst>
-              <a:ext uri="{FF2B5EF4-FFF2-40B4-BE49-F238E27FC236}">
-                <a16:creationId xmlns:a16="http://schemas.microsoft.com/office/drawing/2014/main" id="{44BF4FF9-9751-473E-957D-9D1B0EA86AE3}"/>
-              </a:ext>
-            </a:extLst>
-          </p:cNvPr>
+          <p:cNvPr id="11" name="矩形 10"/>
           <p:cNvSpPr/>
           <p:nvPr/>
         </p:nvSpPr>
@@ -3633,18 +6014,16 @@
               </a:rPr>
               <a:t>的玩法</a:t>
             </a:r>
-          </a:p>
-        </p:txBody>
-      </p:sp>
-      <p:sp>
-        <p:nvSpPr>
-          <p:cNvPr id="14" name="矩形 13">
-            <a:extLst>
-              <a:ext uri="{FF2B5EF4-FFF2-40B4-BE49-F238E27FC236}">
-                <a16:creationId xmlns:a16="http://schemas.microsoft.com/office/drawing/2014/main" id="{CC512B23-1335-404A-B8FC-DCCE9DE545F2}"/>
-              </a:ext>
-            </a:extLst>
-          </p:cNvPr>
+            <a:endParaRPr lang="zh-CN" altLang="en-US" sz="1400" dirty="0">
+              <a:latin typeface="新宋体" panose="02010609030101010101" pitchFamily="49" charset="-122"/>
+              <a:ea typeface="新宋体" panose="02010609030101010101" pitchFamily="49" charset="-122"/>
+            </a:endParaRPr>
+          </a:p>
+        </p:txBody>
+      </p:sp>
+      <p:sp>
+        <p:nvSpPr>
+          <p:cNvPr id="14" name="矩形 13"/>
           <p:cNvSpPr/>
           <p:nvPr/>
         </p:nvSpPr>
@@ -4255,13 +6634,7 @@
       </p:sp>
       <p:sp>
         <p:nvSpPr>
-          <p:cNvPr id="15" name="矩形 14">
-            <a:extLst>
-              <a:ext uri="{FF2B5EF4-FFF2-40B4-BE49-F238E27FC236}">
-                <a16:creationId xmlns:a16="http://schemas.microsoft.com/office/drawing/2014/main" id="{31C4A980-7A1D-43E6-BBA6-63B3E8063D1E}"/>
-              </a:ext>
-            </a:extLst>
-          </p:cNvPr>
+          <p:cNvPr id="15" name="矩形 14"/>
           <p:cNvSpPr/>
           <p:nvPr/>
         </p:nvSpPr>
@@ -4311,20 +6684,14 @@
       </p:sp>
       <p:pic>
         <p:nvPicPr>
-          <p:cNvPr id="17" name="图片 16">
-            <a:extLst>
-              <a:ext uri="{FF2B5EF4-FFF2-40B4-BE49-F238E27FC236}">
-                <a16:creationId xmlns:a16="http://schemas.microsoft.com/office/drawing/2014/main" id="{4B6B9136-9EA2-48DB-A3E0-743F0BC6F55C}"/>
-              </a:ext>
-            </a:extLst>
-          </p:cNvPr>
+          <p:cNvPr id="17" name="图片 16"/>
           <p:cNvPicPr>
             <a:picLocks noChangeAspect="1"/>
           </p:cNvPicPr>
           <p:nvPr/>
         </p:nvPicPr>
         <p:blipFill>
-          <a:blip r:embed="rId3">
+          <a:blip r:embed="rId2">
             <a:extLst>
               <a:ext uri="{28A0092B-C50C-407E-A947-70E740481C1C}">
                 <a14:useLocalDpi xmlns:a14="http://schemas.microsoft.com/office/drawing/2010/main" val="0"/>
@@ -4346,11 +6713,1023 @@
         </p:spPr>
       </p:pic>
     </p:spTree>
-    <p:extLst>
-      <p:ext uri="{BB962C8B-B14F-4D97-AF65-F5344CB8AC3E}">
-        <p14:creationId xmlns:p14="http://schemas.microsoft.com/office/powerpoint/2010/main" val="2806137601"/>
-      </p:ext>
-    </p:extLst>
+  </p:cSld>
+  <p:clrMapOvr>
+    <a:masterClrMapping/>
+  </p:clrMapOvr>
+</p:sld>
+</file>
+
+<file path=ppt/slides/slide2.xml><?xml version="1.0" encoding="utf-8"?>
+<p:sld xmlns:a="http://schemas.openxmlformats.org/drawingml/2006/main" xmlns:r="http://schemas.openxmlformats.org/officeDocument/2006/relationships" xmlns:p="http://schemas.openxmlformats.org/presentationml/2006/main">
+  <p:cSld>
+    <p:spTree>
+      <p:nvGrpSpPr>
+        <p:cNvPr id="1" name=""/>
+        <p:cNvGrpSpPr/>
+        <p:nvPr/>
+      </p:nvGrpSpPr>
+      <p:grpSpPr>
+        <a:xfrm>
+          <a:off x="0" y="0"/>
+          <a:ext cx="0" cy="0"/>
+          <a:chOff x="0" y="0"/>
+          <a:chExt cx="0" cy="0"/>
+        </a:xfrm>
+      </p:grpSpPr>
+      <p:sp>
+        <p:nvSpPr>
+          <p:cNvPr id="4" name="文本框 3"/>
+          <p:cNvSpPr txBox="1"/>
+          <p:nvPr/>
+        </p:nvSpPr>
+        <p:spPr>
+          <a:xfrm>
+            <a:off x="67945" y="27305"/>
+            <a:ext cx="12022455" cy="6803390"/>
+          </a:xfrm>
+          <a:prstGeom prst="rect">
+            <a:avLst/>
+          </a:prstGeom>
+          <a:noFill/>
+        </p:spPr>
+        <p:txBody>
+          <a:bodyPr wrap="square" rtlCol="0">
+            <a:noAutofit/>
+          </a:bodyPr>
+          <a:lstStyle/>
+          <a:p>
+            <a:r>
+              <a:rPr lang="zh-CN" altLang="en-US" sz="1400" dirty="0"/>
+              <a:t>一直比较忙没有时间好好写一篇关于</a:t>
+            </a:r>
+            <a:r>
+              <a:rPr lang="en-US" altLang="zh-CN" sz="1400" dirty="0" err="1"/>
+              <a:t>sqltoy</a:t>
+            </a:r>
+            <a:r>
+              <a:rPr lang="zh-CN" altLang="en-US" sz="1400" dirty="0"/>
+              <a:t>查询特点的文章，一直说</a:t>
+            </a:r>
+            <a:r>
+              <a:rPr lang="en-US" altLang="zh-CN" sz="1400" dirty="0" err="1"/>
+              <a:t>sqltoy</a:t>
+            </a:r>
+            <a:r>
+              <a:rPr lang="zh-CN" altLang="en-US" sz="1400" dirty="0"/>
+              <a:t>很牛甚至有时自信的说是世界第二，今天证明一次给大家看看！</a:t>
+            </a:r>
+            <a:endParaRPr lang="en-US" altLang="zh-CN" sz="1400" dirty="0"/>
+          </a:p>
+          <a:p>
+            <a:r>
+              <a:rPr lang="zh-CN" altLang="en-US" sz="1400" dirty="0"/>
+              <a:t>首先还是那句：</a:t>
+            </a:r>
+            <a:r>
+              <a:rPr lang="en-US" altLang="zh-CN" sz="1400" dirty="0" err="1"/>
+              <a:t>sqltoy</a:t>
+            </a:r>
+            <a:r>
+              <a:rPr lang="zh-CN" altLang="en-US" sz="1400" dirty="0"/>
+              <a:t>不是刻意而为，因为灵感所以坚持下来并希望帮助到所有开发者，愿天下码农不要</a:t>
+            </a:r>
+            <a:r>
+              <a:rPr lang="en-US" altLang="zh-CN" sz="1400" dirty="0"/>
+              <a:t>996</a:t>
+            </a:r>
+            <a:r>
+              <a:rPr lang="zh-CN" altLang="en-US" sz="1400" dirty="0"/>
+              <a:t>，工作、爱情、生活平衡！</a:t>
+            </a:r>
+            <a:endParaRPr lang="en-US" altLang="zh-CN" sz="1400" dirty="0"/>
+          </a:p>
+          <a:p>
+            <a:pPr marL="285750" indent="-285750">
+              <a:buFont typeface="Wingdings" panose="05000000000000000000" pitchFamily="2" charset="2"/>
+              <a:buChar char="Ø"/>
+            </a:pPr>
+            <a:r>
+              <a:rPr lang="zh-CN" altLang="en-US" sz="1400" dirty="0"/>
+              <a:t>基础篇</a:t>
+            </a:r>
+            <a:endParaRPr lang="en-US" altLang="zh-CN" sz="1400" dirty="0"/>
+          </a:p>
+          <a:p>
+            <a:r>
+              <a:rPr lang="en-US" altLang="zh-CN" sz="1400" dirty="0"/>
+              <a:t>      </a:t>
+            </a:r>
+            <a:r>
+              <a:rPr lang="zh-CN" altLang="en-US" sz="1200" dirty="0"/>
+              <a:t>以模糊查询“江阴市” 开头的企业，日期是</a:t>
+            </a:r>
+            <a:r>
+              <a:rPr lang="en-US" altLang="zh-CN" sz="1200" dirty="0"/>
+              <a:t>2</a:t>
+            </a:r>
+            <a:r>
+              <a:rPr lang="zh-CN" altLang="en-US" sz="1200" dirty="0"/>
+              <a:t>月</a:t>
+            </a:r>
+            <a:r>
+              <a:rPr lang="en-US" altLang="zh-CN" sz="1200" dirty="0"/>
+              <a:t>1</a:t>
+            </a:r>
+            <a:r>
+              <a:rPr lang="zh-CN" altLang="en-US" sz="1200" dirty="0"/>
+              <a:t>日到</a:t>
+            </a:r>
+            <a:r>
+              <a:rPr lang="en-US" altLang="zh-CN" sz="1200" dirty="0"/>
+              <a:t>4</a:t>
+            </a:r>
+            <a:r>
+              <a:rPr lang="zh-CN" altLang="en-US" sz="1200" dirty="0"/>
+              <a:t>月</a:t>
+            </a:r>
+            <a:r>
+              <a:rPr lang="en-US" altLang="zh-CN" sz="1200" dirty="0"/>
+              <a:t>25</a:t>
+            </a:r>
+            <a:r>
+              <a:rPr lang="zh-CN" altLang="en-US" sz="1200" dirty="0"/>
+              <a:t>号的订单数据，要求显示客户名称、订单类型、业务员、订单状态、订单的商品、数量、金额等！</a:t>
+            </a:r>
+            <a:endParaRPr lang="en-US" altLang="zh-CN" sz="1200" dirty="0"/>
+          </a:p>
+          <a:p>
+            <a:r>
+              <a:rPr lang="en-US" altLang="zh-CN" sz="1200" dirty="0"/>
+              <a:t>       </a:t>
+            </a:r>
+            <a:r>
+              <a:rPr lang="zh-CN" altLang="en-US" sz="1200" dirty="0"/>
+              <a:t>就这个需求</a:t>
+            </a:r>
+            <a:r>
+              <a:rPr lang="en-US" altLang="zh-CN" sz="1200" dirty="0"/>
+              <a:t>,</a:t>
+            </a:r>
+            <a:r>
+              <a:rPr lang="zh-CN" altLang="en-US" sz="1200" dirty="0"/>
+              <a:t>下面是最常规的</a:t>
+            </a:r>
+            <a:r>
+              <a:rPr lang="en-US" altLang="zh-CN" sz="1200" dirty="0" err="1"/>
+              <a:t>sql</a:t>
+            </a:r>
+            <a:r>
+              <a:rPr lang="zh-CN" altLang="en-US" sz="1200" dirty="0"/>
+              <a:t>写法</a:t>
+            </a:r>
+            <a:r>
+              <a:rPr lang="en-US" altLang="zh-CN" sz="1200" dirty="0"/>
+              <a:t>!   </a:t>
+            </a:r>
+            <a:endParaRPr lang="en-US" altLang="zh-CN" sz="1200" dirty="0"/>
+          </a:p>
+          <a:p>
+            <a:r>
+              <a:rPr lang="en-US" altLang="zh-CN" sz="1200" dirty="0"/>
+              <a:t>                          </a:t>
+            </a:r>
+            <a:endParaRPr lang="en-US" altLang="zh-CN" sz="1200" dirty="0"/>
+          </a:p>
+          <a:p>
+            <a:endParaRPr lang="zh-CN" altLang="en-US" sz="1400" dirty="0"/>
+          </a:p>
+        </p:txBody>
+      </p:sp>
+      <p:sp>
+        <p:nvSpPr>
+          <p:cNvPr id="9" name="矩形 8"/>
+          <p:cNvSpPr/>
+          <p:nvPr/>
+        </p:nvSpPr>
+        <p:spPr>
+          <a:xfrm>
+            <a:off x="261582" y="1132764"/>
+            <a:ext cx="5834418" cy="4261924"/>
+          </a:xfrm>
+          <a:prstGeom prst="rect">
+            <a:avLst/>
+          </a:prstGeom>
+        </p:spPr>
+        <p:style>
+          <a:lnRef idx="2">
+            <a:schemeClr val="accent1">
+              <a:shade val="50000"/>
+            </a:schemeClr>
+          </a:lnRef>
+          <a:fillRef idx="1">
+            <a:schemeClr val="accent1"/>
+          </a:fillRef>
+          <a:effectRef idx="0">
+            <a:schemeClr val="accent1"/>
+          </a:effectRef>
+          <a:fontRef idx="minor">
+            <a:schemeClr val="lt1"/>
+          </a:fontRef>
+        </p:style>
+        <p:txBody>
+          <a:bodyPr rtlCol="0" anchor="t"/>
+          <a:lstStyle/>
+          <a:p>
+            <a:pPr algn="ctr"/>
+            <a:r>
+              <a:rPr lang="zh-CN" altLang="en-US" sz="1400" dirty="0">
+                <a:latin typeface="新宋体" panose="02010609030101010101" pitchFamily="49" charset="-122"/>
+                <a:ea typeface="新宋体" panose="02010609030101010101" pitchFamily="49" charset="-122"/>
+              </a:rPr>
+              <a:t>常规做法</a:t>
+            </a:r>
+            <a:endParaRPr lang="zh-CN" altLang="en-US" sz="1400" dirty="0">
+              <a:latin typeface="新宋体" panose="02010609030101010101" pitchFamily="49" charset="-122"/>
+              <a:ea typeface="新宋体" panose="02010609030101010101" pitchFamily="49" charset="-122"/>
+            </a:endParaRPr>
+          </a:p>
+        </p:txBody>
+      </p:sp>
+      <p:pic>
+        <p:nvPicPr>
+          <p:cNvPr id="10" name="图片 9"/>
+          <p:cNvPicPr>
+            <a:picLocks noChangeAspect="1"/>
+          </p:cNvPicPr>
+          <p:nvPr/>
+        </p:nvPicPr>
+        <p:blipFill>
+          <a:blip r:embed="rId1">
+            <a:extLst>
+              <a:ext uri="{28A0092B-C50C-407E-A947-70E740481C1C}">
+                <a14:useLocalDpi xmlns:a14="http://schemas.microsoft.com/office/drawing/2010/main" val="0"/>
+              </a:ext>
+            </a:extLst>
+          </a:blip>
+          <a:stretch>
+            <a:fillRect/>
+          </a:stretch>
+        </p:blipFill>
+        <p:spPr>
+          <a:xfrm>
+            <a:off x="342377" y="1463312"/>
+            <a:ext cx="5688793" cy="3647775"/>
+          </a:xfrm>
+          <a:prstGeom prst="rect">
+            <a:avLst/>
+          </a:prstGeom>
+        </p:spPr>
+      </p:pic>
+      <p:sp>
+        <p:nvSpPr>
+          <p:cNvPr id="11" name="矩形 10"/>
+          <p:cNvSpPr/>
+          <p:nvPr/>
+        </p:nvSpPr>
+        <p:spPr>
+          <a:xfrm>
+            <a:off x="6651102" y="1077641"/>
+            <a:ext cx="5065501" cy="4352462"/>
+          </a:xfrm>
+          <a:prstGeom prst="rect">
+            <a:avLst/>
+          </a:prstGeom>
+        </p:spPr>
+        <p:style>
+          <a:lnRef idx="2">
+            <a:schemeClr val="accent1">
+              <a:shade val="50000"/>
+            </a:schemeClr>
+          </a:lnRef>
+          <a:fillRef idx="1">
+            <a:schemeClr val="accent1"/>
+          </a:fillRef>
+          <a:effectRef idx="0">
+            <a:schemeClr val="accent1"/>
+          </a:effectRef>
+          <a:fontRef idx="minor">
+            <a:schemeClr val="lt1"/>
+          </a:fontRef>
+        </p:style>
+        <p:txBody>
+          <a:bodyPr rtlCol="0" anchor="t"/>
+          <a:lstStyle/>
+          <a:p>
+            <a:pPr algn="ctr"/>
+            <a:r>
+              <a:rPr lang="en-US" altLang="zh-CN" sz="1400" dirty="0" err="1">
+                <a:latin typeface="新宋体" panose="02010609030101010101" pitchFamily="49" charset="-122"/>
+                <a:ea typeface="新宋体" panose="02010609030101010101" pitchFamily="49" charset="-122"/>
+              </a:rPr>
+              <a:t>SqlToy</a:t>
+            </a:r>
+            <a:r>
+              <a:rPr lang="zh-CN" altLang="en-US" sz="1400" dirty="0">
+                <a:latin typeface="新宋体" panose="02010609030101010101" pitchFamily="49" charset="-122"/>
+                <a:ea typeface="新宋体" panose="02010609030101010101" pitchFamily="49" charset="-122"/>
+              </a:rPr>
+              <a:t>的玩法</a:t>
+            </a:r>
+            <a:endParaRPr lang="zh-CN" altLang="en-US" sz="1400" dirty="0">
+              <a:latin typeface="新宋体" panose="02010609030101010101" pitchFamily="49" charset="-122"/>
+              <a:ea typeface="新宋体" panose="02010609030101010101" pitchFamily="49" charset="-122"/>
+            </a:endParaRPr>
+          </a:p>
+        </p:txBody>
+      </p:sp>
+      <p:sp>
+        <p:nvSpPr>
+          <p:cNvPr id="14" name="矩形 13"/>
+          <p:cNvSpPr/>
+          <p:nvPr/>
+        </p:nvSpPr>
+        <p:spPr>
+          <a:xfrm>
+            <a:off x="261581" y="5513299"/>
+            <a:ext cx="11455022" cy="1269623"/>
+          </a:xfrm>
+          <a:prstGeom prst="rect">
+            <a:avLst/>
+          </a:prstGeom>
+        </p:spPr>
+        <p:style>
+          <a:lnRef idx="2">
+            <a:schemeClr val="accent4"/>
+          </a:lnRef>
+          <a:fillRef idx="1">
+            <a:schemeClr val="lt1"/>
+          </a:fillRef>
+          <a:effectRef idx="0">
+            <a:schemeClr val="accent4"/>
+          </a:effectRef>
+          <a:fontRef idx="minor">
+            <a:schemeClr val="dk1"/>
+          </a:fontRef>
+        </p:style>
+        <p:txBody>
+          <a:bodyPr rtlCol="0" anchor="t"/>
+          <a:lstStyle/>
+          <a:p>
+            <a:r>
+              <a:rPr lang="zh-CN" altLang="en-US" sz="1200" dirty="0">
+                <a:solidFill>
+                  <a:srgbClr val="00B0F0"/>
+                </a:solidFill>
+                <a:latin typeface="新宋体" panose="02010609030101010101" pitchFamily="49" charset="-122"/>
+                <a:ea typeface="新宋体" panose="02010609030101010101" pitchFamily="49" charset="-122"/>
+              </a:rPr>
+              <a:t>说天地</a:t>
+            </a:r>
+            <a:r>
+              <a:rPr lang="zh-CN" altLang="en-US" sz="1200">
+                <a:solidFill>
+                  <a:srgbClr val="00B0F0"/>
+                </a:solidFill>
+                <a:latin typeface="新宋体" panose="02010609030101010101" pitchFamily="49" charset="-122"/>
+                <a:ea typeface="新宋体" panose="02010609030101010101" pitchFamily="49" charset="-122"/>
+              </a:rPr>
+              <a:t>之差没有吹牛吧？</a:t>
+            </a:r>
+            <a:r>
+              <a:rPr lang="zh-CN" altLang="en-US" sz="1200" dirty="0">
+                <a:solidFill>
+                  <a:srgbClr val="00B0F0"/>
+                </a:solidFill>
+                <a:latin typeface="新宋体" panose="02010609030101010101" pitchFamily="49" charset="-122"/>
+                <a:ea typeface="新宋体" panose="02010609030101010101" pitchFamily="49" charset="-122"/>
+              </a:rPr>
+              <a:t>不懂技术都一样理解，大道至简！</a:t>
+            </a:r>
+            <a:endParaRPr lang="en-US" altLang="zh-CN" sz="1200" dirty="0">
+              <a:solidFill>
+                <a:srgbClr val="00B0F0"/>
+              </a:solidFill>
+              <a:latin typeface="新宋体" panose="02010609030101010101" pitchFamily="49" charset="-122"/>
+              <a:ea typeface="新宋体" panose="02010609030101010101" pitchFamily="49" charset="-122"/>
+            </a:endParaRPr>
+          </a:p>
+          <a:p>
+            <a:r>
+              <a:rPr lang="en-US" altLang="zh-CN" sz="1200" dirty="0">
+                <a:solidFill>
+                  <a:srgbClr val="FF0000"/>
+                </a:solidFill>
+                <a:latin typeface="新宋体" panose="02010609030101010101" pitchFamily="49" charset="-122"/>
+                <a:ea typeface="新宋体" panose="02010609030101010101" pitchFamily="49" charset="-122"/>
+              </a:rPr>
+              <a:t>1</a:t>
+            </a:r>
+            <a:r>
+              <a:rPr lang="zh-CN" altLang="en-US" sz="1200" dirty="0">
+                <a:solidFill>
+                  <a:srgbClr val="FF0000"/>
+                </a:solidFill>
+                <a:latin typeface="新宋体" panose="02010609030101010101" pitchFamily="49" charset="-122"/>
+                <a:ea typeface="新宋体" panose="02010609030101010101" pitchFamily="49" charset="-122"/>
+              </a:rPr>
+              <a:t>、减少数据库表关联，由</a:t>
+            </a:r>
+            <a:r>
+              <a:rPr lang="en-US" altLang="zh-CN" sz="1200" dirty="0">
+                <a:solidFill>
+                  <a:srgbClr val="FF0000"/>
+                </a:solidFill>
+                <a:latin typeface="新宋体" panose="02010609030101010101" pitchFamily="49" charset="-122"/>
+                <a:ea typeface="新宋体" panose="02010609030101010101" pitchFamily="49" charset="-122"/>
+              </a:rPr>
+              <a:t>5</a:t>
+            </a:r>
+            <a:r>
+              <a:rPr lang="zh-CN" altLang="en-US" sz="1200" dirty="0">
+                <a:solidFill>
+                  <a:srgbClr val="FF0000"/>
+                </a:solidFill>
+                <a:latin typeface="新宋体" panose="02010609030101010101" pitchFamily="49" charset="-122"/>
+                <a:ea typeface="新宋体" panose="02010609030101010101" pitchFamily="49" charset="-122"/>
+              </a:rPr>
+              <a:t>张表关联变成了</a:t>
+            </a:r>
+            <a:r>
+              <a:rPr lang="en-US" altLang="zh-CN" sz="1200" dirty="0">
+                <a:solidFill>
+                  <a:srgbClr val="FF0000"/>
+                </a:solidFill>
+                <a:latin typeface="新宋体" panose="02010609030101010101" pitchFamily="49" charset="-122"/>
+                <a:ea typeface="新宋体" panose="02010609030101010101" pitchFamily="49" charset="-122"/>
+              </a:rPr>
+              <a:t>2</a:t>
+            </a:r>
+            <a:r>
+              <a:rPr lang="zh-CN" altLang="en-US" sz="1200" dirty="0">
+                <a:solidFill>
+                  <a:srgbClr val="FF0000"/>
+                </a:solidFill>
+                <a:latin typeface="新宋体" panose="02010609030101010101" pitchFamily="49" charset="-122"/>
+                <a:ea typeface="新宋体" panose="02010609030101010101" pitchFamily="49" charset="-122"/>
+              </a:rPr>
+              <a:t>张表关联，能不简单？</a:t>
+            </a:r>
+            <a:r>
+              <a:rPr lang="zh-CN" altLang="en-US" sz="1200" b="1" dirty="0">
+                <a:solidFill>
+                  <a:srgbClr val="7030A0"/>
+                </a:solidFill>
+                <a:latin typeface="新宋体" panose="02010609030101010101" pitchFamily="49" charset="-122"/>
+                <a:ea typeface="新宋体" panose="02010609030101010101" pitchFamily="49" charset="-122"/>
+              </a:rPr>
+              <a:t>做一件事情</a:t>
+            </a:r>
+            <a:r>
+              <a:rPr lang="en-US" altLang="zh-CN" sz="1200" b="1" dirty="0">
+                <a:solidFill>
+                  <a:srgbClr val="7030A0"/>
+                </a:solidFill>
+                <a:latin typeface="新宋体" panose="02010609030101010101" pitchFamily="49" charset="-122"/>
+                <a:ea typeface="新宋体" panose="02010609030101010101" pitchFamily="49" charset="-122"/>
+              </a:rPr>
+              <a:t>2</a:t>
+            </a:r>
+            <a:r>
+              <a:rPr lang="zh-CN" altLang="en-US" sz="1200" b="1" dirty="0">
+                <a:solidFill>
+                  <a:srgbClr val="7030A0"/>
+                </a:solidFill>
+                <a:latin typeface="新宋体" panose="02010609030101010101" pitchFamily="49" charset="-122"/>
+                <a:ea typeface="新宋体" panose="02010609030101010101" pitchFamily="49" charset="-122"/>
+              </a:rPr>
+              <a:t>个部门协调简单还是</a:t>
+            </a:r>
+            <a:r>
+              <a:rPr lang="en-US" altLang="zh-CN" sz="1200" b="1" dirty="0">
+                <a:solidFill>
+                  <a:srgbClr val="7030A0"/>
+                </a:solidFill>
+                <a:latin typeface="新宋体" panose="02010609030101010101" pitchFamily="49" charset="-122"/>
+                <a:ea typeface="新宋体" panose="02010609030101010101" pitchFamily="49" charset="-122"/>
+              </a:rPr>
+              <a:t>5</a:t>
+            </a:r>
+            <a:r>
+              <a:rPr lang="zh-CN" altLang="en-US" sz="1200" b="1" dirty="0">
+                <a:solidFill>
+                  <a:srgbClr val="7030A0"/>
+                </a:solidFill>
+                <a:latin typeface="新宋体" panose="02010609030101010101" pitchFamily="49" charset="-122"/>
+                <a:ea typeface="新宋体" panose="02010609030101010101" pitchFamily="49" charset="-122"/>
+              </a:rPr>
+              <a:t>个部门协调简单？</a:t>
+            </a:r>
+            <a:endParaRPr lang="en-US" altLang="zh-CN" sz="1200" b="1" dirty="0">
+              <a:solidFill>
+                <a:srgbClr val="7030A0"/>
+              </a:solidFill>
+              <a:latin typeface="新宋体" panose="02010609030101010101" pitchFamily="49" charset="-122"/>
+              <a:ea typeface="新宋体" panose="02010609030101010101" pitchFamily="49" charset="-122"/>
+            </a:endParaRPr>
+          </a:p>
+          <a:p>
+            <a:r>
+              <a:rPr lang="en-US" altLang="zh-CN" sz="1200" dirty="0">
+                <a:solidFill>
+                  <a:srgbClr val="FF0000"/>
+                </a:solidFill>
+                <a:latin typeface="新宋体" panose="02010609030101010101" pitchFamily="49" charset="-122"/>
+                <a:ea typeface="新宋体" panose="02010609030101010101" pitchFamily="49" charset="-122"/>
+              </a:rPr>
+              <a:t>2</a:t>
+            </a:r>
+            <a:r>
+              <a:rPr lang="zh-CN" altLang="en-US" sz="1200" dirty="0">
+                <a:solidFill>
+                  <a:srgbClr val="FF0000"/>
+                </a:solidFill>
+                <a:latin typeface="新宋体" panose="02010609030101010101" pitchFamily="49" charset="-122"/>
+                <a:ea typeface="新宋体" panose="02010609030101010101" pitchFamily="49" charset="-122"/>
+              </a:rPr>
+              <a:t>、分页查询由</a:t>
+            </a:r>
+            <a:r>
+              <a:rPr lang="en-US" altLang="zh-CN" sz="1200" dirty="0">
+                <a:solidFill>
+                  <a:srgbClr val="FF0000"/>
+                </a:solidFill>
+                <a:latin typeface="新宋体" panose="02010609030101010101" pitchFamily="49" charset="-122"/>
+                <a:ea typeface="新宋体" panose="02010609030101010101" pitchFamily="49" charset="-122"/>
+              </a:rPr>
+              <a:t>2</a:t>
+            </a:r>
+            <a:r>
+              <a:rPr lang="zh-CN" altLang="en-US" sz="1200" dirty="0">
+                <a:solidFill>
+                  <a:srgbClr val="FF0000"/>
+                </a:solidFill>
+                <a:latin typeface="新宋体" panose="02010609030101010101" pitchFamily="49" charset="-122"/>
+                <a:ea typeface="新宋体" panose="02010609030101010101" pitchFamily="49" charset="-122"/>
+              </a:rPr>
+              <a:t>次变成</a:t>
+            </a:r>
+            <a:r>
+              <a:rPr lang="en-US" altLang="zh-CN" sz="1200" dirty="0">
+                <a:solidFill>
+                  <a:srgbClr val="FF0000"/>
+                </a:solidFill>
+                <a:latin typeface="新宋体" panose="02010609030101010101" pitchFamily="49" charset="-122"/>
+                <a:ea typeface="新宋体" panose="02010609030101010101" pitchFamily="49" charset="-122"/>
+              </a:rPr>
+              <a:t>1.45</a:t>
+            </a:r>
+            <a:r>
+              <a:rPr lang="zh-CN" altLang="en-US" sz="1200" dirty="0">
+                <a:solidFill>
+                  <a:srgbClr val="FF0000"/>
+                </a:solidFill>
+                <a:latin typeface="新宋体" panose="02010609030101010101" pitchFamily="49" charset="-122"/>
+                <a:ea typeface="新宋体" panose="02010609030101010101" pitchFamily="49" charset="-122"/>
+              </a:rPr>
+              <a:t>次，分页一般是先查一次总记录数，然后再获取一页的实际数据。</a:t>
+            </a:r>
+            <a:r>
+              <a:rPr lang="zh-CN" altLang="en-US" sz="1200" b="1" dirty="0">
+                <a:solidFill>
+                  <a:srgbClr val="7030A0"/>
+                </a:solidFill>
+                <a:latin typeface="新宋体" panose="02010609030101010101" pitchFamily="49" charset="-122"/>
+                <a:ea typeface="新宋体" panose="02010609030101010101" pitchFamily="49" charset="-122"/>
+              </a:rPr>
+              <a:t>做</a:t>
+            </a:r>
+            <a:r>
+              <a:rPr lang="en-US" altLang="zh-CN" sz="1200" b="1" dirty="0">
+                <a:solidFill>
+                  <a:srgbClr val="7030A0"/>
+                </a:solidFill>
+                <a:latin typeface="新宋体" panose="02010609030101010101" pitchFamily="49" charset="-122"/>
+                <a:ea typeface="新宋体" panose="02010609030101010101" pitchFamily="49" charset="-122"/>
+              </a:rPr>
+              <a:t>1.45</a:t>
+            </a:r>
+            <a:r>
+              <a:rPr lang="zh-CN" altLang="en-US" sz="1200" b="1" dirty="0">
+                <a:solidFill>
+                  <a:srgbClr val="7030A0"/>
+                </a:solidFill>
+                <a:latin typeface="新宋体" panose="02010609030101010101" pitchFamily="49" charset="-122"/>
+                <a:ea typeface="新宋体" panose="02010609030101010101" pitchFamily="49" charset="-122"/>
+              </a:rPr>
+              <a:t>次快还是</a:t>
+            </a:r>
+            <a:r>
+              <a:rPr lang="en-US" altLang="zh-CN" sz="1200" b="1" dirty="0">
+                <a:solidFill>
+                  <a:srgbClr val="7030A0"/>
+                </a:solidFill>
+                <a:latin typeface="新宋体" panose="02010609030101010101" pitchFamily="49" charset="-122"/>
+                <a:ea typeface="新宋体" panose="02010609030101010101" pitchFamily="49" charset="-122"/>
+              </a:rPr>
+              <a:t>2</a:t>
+            </a:r>
+            <a:r>
+              <a:rPr lang="zh-CN" altLang="en-US" sz="1200" b="1" dirty="0">
+                <a:solidFill>
+                  <a:srgbClr val="7030A0"/>
+                </a:solidFill>
+                <a:latin typeface="新宋体" panose="02010609030101010101" pitchFamily="49" charset="-122"/>
+                <a:ea typeface="新宋体" panose="02010609030101010101" pitchFamily="49" charset="-122"/>
+              </a:rPr>
+              <a:t>次快？</a:t>
+            </a:r>
+            <a:endParaRPr lang="en-US" altLang="zh-CN" sz="1200" b="1" dirty="0">
+              <a:solidFill>
+                <a:srgbClr val="7030A0"/>
+              </a:solidFill>
+              <a:latin typeface="新宋体" panose="02010609030101010101" pitchFamily="49" charset="-122"/>
+              <a:ea typeface="新宋体" panose="02010609030101010101" pitchFamily="49" charset="-122"/>
+            </a:endParaRPr>
+          </a:p>
+          <a:p>
+            <a:r>
+              <a:rPr lang="en-US" altLang="zh-CN" sz="1200" dirty="0">
+                <a:solidFill>
+                  <a:srgbClr val="FF0000"/>
+                </a:solidFill>
+                <a:latin typeface="新宋体" panose="02010609030101010101" pitchFamily="49" charset="-122"/>
+                <a:ea typeface="新宋体" panose="02010609030101010101" pitchFamily="49" charset="-122"/>
+              </a:rPr>
+              <a:t>3</a:t>
+            </a:r>
+            <a:r>
+              <a:rPr lang="zh-CN" altLang="en-US" sz="1200" dirty="0">
+                <a:solidFill>
+                  <a:srgbClr val="FF0000"/>
+                </a:solidFill>
+                <a:latin typeface="新宋体" panose="02010609030101010101" pitchFamily="49" charset="-122"/>
+                <a:ea typeface="新宋体" panose="02010609030101010101" pitchFamily="49" charset="-122"/>
+              </a:rPr>
+              <a:t>、快速分页</a:t>
+            </a:r>
+            <a:r>
+              <a:rPr lang="en-US" altLang="zh-CN" sz="1200" dirty="0">
+                <a:solidFill>
+                  <a:srgbClr val="FF0000"/>
+                </a:solidFill>
+                <a:latin typeface="新宋体" panose="02010609030101010101" pitchFamily="49" charset="-122"/>
+                <a:ea typeface="新宋体" panose="02010609030101010101" pitchFamily="49" charset="-122"/>
+              </a:rPr>
+              <a:t>:</a:t>
+            </a:r>
+            <a:r>
+              <a:rPr lang="zh-CN" altLang="en-US" sz="1200" dirty="0">
+                <a:solidFill>
+                  <a:srgbClr val="FF0000"/>
+                </a:solidFill>
+                <a:latin typeface="新宋体" panose="02010609030101010101" pitchFamily="49" charset="-122"/>
+                <a:ea typeface="新宋体" panose="02010609030101010101" pitchFamily="49" charset="-122"/>
+              </a:rPr>
+              <a:t>先从符合条件的</a:t>
+            </a:r>
+            <a:r>
+              <a:rPr lang="en-US" altLang="zh-CN" sz="1200" dirty="0">
+                <a:solidFill>
+                  <a:srgbClr val="FF0000"/>
+                </a:solidFill>
+                <a:latin typeface="新宋体" panose="02010609030101010101" pitchFamily="49" charset="-122"/>
+                <a:ea typeface="新宋体" panose="02010609030101010101" pitchFamily="49" charset="-122"/>
+              </a:rPr>
+              <a:t>1</a:t>
+            </a:r>
+            <a:r>
+              <a:rPr lang="zh-CN" altLang="en-US" sz="1200" dirty="0">
+                <a:solidFill>
+                  <a:srgbClr val="FF0000"/>
+                </a:solidFill>
+                <a:latin typeface="新宋体" panose="02010609030101010101" pitchFamily="49" charset="-122"/>
+                <a:ea typeface="新宋体" panose="02010609030101010101" pitchFamily="49" charset="-122"/>
+              </a:rPr>
+              <a:t>万条</a:t>
+            </a:r>
+            <a:r>
+              <a:rPr lang="en-US" altLang="zh-CN" sz="1200" dirty="0">
+                <a:solidFill>
+                  <a:srgbClr val="FF0000"/>
+                </a:solidFill>
+                <a:latin typeface="新宋体" panose="02010609030101010101" pitchFamily="49" charset="-122"/>
+                <a:ea typeface="新宋体" panose="02010609030101010101" pitchFamily="49" charset="-122"/>
+              </a:rPr>
+              <a:t>(</a:t>
+            </a:r>
+            <a:r>
+              <a:rPr lang="zh-CN" altLang="en-US" sz="1200" dirty="0">
+                <a:solidFill>
+                  <a:srgbClr val="FF0000"/>
+                </a:solidFill>
+                <a:latin typeface="新宋体" panose="02010609030101010101" pitchFamily="49" charset="-122"/>
+                <a:ea typeface="新宋体" panose="02010609030101010101" pitchFamily="49" charset="-122"/>
+              </a:rPr>
+              <a:t>假设</a:t>
+            </a:r>
+            <a:r>
+              <a:rPr lang="en-US" altLang="zh-CN" sz="1200" dirty="0">
+                <a:solidFill>
+                  <a:srgbClr val="FF0000"/>
+                </a:solidFill>
+                <a:latin typeface="新宋体" panose="02010609030101010101" pitchFamily="49" charset="-122"/>
+                <a:ea typeface="新宋体" panose="02010609030101010101" pitchFamily="49" charset="-122"/>
+              </a:rPr>
+              <a:t>)</a:t>
+            </a:r>
+            <a:r>
+              <a:rPr lang="zh-CN" altLang="en-US" sz="1200" dirty="0">
+                <a:solidFill>
+                  <a:srgbClr val="FF0000"/>
+                </a:solidFill>
+                <a:latin typeface="新宋体" panose="02010609030101010101" pitchFamily="49" charset="-122"/>
+                <a:ea typeface="新宋体" panose="02010609030101010101" pitchFamily="49" charset="-122"/>
+              </a:rPr>
+              <a:t>记录中取出一页数据</a:t>
+            </a:r>
+            <a:r>
+              <a:rPr lang="en-US" altLang="zh-CN" sz="1200" dirty="0">
+                <a:solidFill>
+                  <a:srgbClr val="FF0000"/>
+                </a:solidFill>
+                <a:latin typeface="新宋体" panose="02010609030101010101" pitchFamily="49" charset="-122"/>
+                <a:ea typeface="新宋体" panose="02010609030101010101" pitchFamily="49" charset="-122"/>
+              </a:rPr>
+              <a:t>(</a:t>
+            </a:r>
+            <a:r>
+              <a:rPr lang="zh-CN" altLang="en-US" sz="1200" dirty="0">
+                <a:solidFill>
+                  <a:srgbClr val="FF0000"/>
+                </a:solidFill>
+                <a:latin typeface="新宋体" panose="02010609030101010101" pitchFamily="49" charset="-122"/>
+                <a:ea typeface="新宋体" panose="02010609030101010101" pitchFamily="49" charset="-122"/>
+              </a:rPr>
+              <a:t>如</a:t>
+            </a:r>
+            <a:r>
+              <a:rPr lang="en-US" altLang="zh-CN" sz="1200" dirty="0">
+                <a:solidFill>
+                  <a:srgbClr val="FF0000"/>
+                </a:solidFill>
+                <a:latin typeface="新宋体" panose="02010609030101010101" pitchFamily="49" charset="-122"/>
+                <a:ea typeface="新宋体" panose="02010609030101010101" pitchFamily="49" charset="-122"/>
+              </a:rPr>
+              <a:t>10</a:t>
+            </a:r>
+            <a:r>
+              <a:rPr lang="zh-CN" altLang="en-US" sz="1200" dirty="0">
+                <a:solidFill>
+                  <a:srgbClr val="FF0000"/>
+                </a:solidFill>
+                <a:latin typeface="新宋体" panose="02010609030101010101" pitchFamily="49" charset="-122"/>
+                <a:ea typeface="新宋体" panose="02010609030101010101" pitchFamily="49" charset="-122"/>
+              </a:rPr>
+              <a:t>条</a:t>
+            </a:r>
+            <a:r>
+              <a:rPr lang="en-US" altLang="zh-CN" sz="1200" dirty="0">
+                <a:solidFill>
+                  <a:srgbClr val="FF0000"/>
+                </a:solidFill>
+                <a:latin typeface="新宋体" panose="02010609030101010101" pitchFamily="49" charset="-122"/>
+                <a:ea typeface="新宋体" panose="02010609030101010101" pitchFamily="49" charset="-122"/>
+              </a:rPr>
+              <a:t>)</a:t>
+            </a:r>
+            <a:r>
+              <a:rPr lang="zh-CN" altLang="en-US" sz="1200" dirty="0">
+                <a:solidFill>
+                  <a:srgbClr val="FF0000"/>
+                </a:solidFill>
+                <a:latin typeface="新宋体" panose="02010609030101010101" pitchFamily="49" charset="-122"/>
+                <a:ea typeface="新宋体" panose="02010609030101010101" pitchFamily="49" charset="-122"/>
+              </a:rPr>
+              <a:t>，在去关联匹配。</a:t>
+            </a:r>
+            <a:r>
+              <a:rPr lang="en-US" altLang="zh-CN" sz="1200" b="1" dirty="0">
+                <a:solidFill>
+                  <a:srgbClr val="7030A0"/>
+                </a:solidFill>
+                <a:latin typeface="新宋体" panose="02010609030101010101" pitchFamily="49" charset="-122"/>
+                <a:ea typeface="新宋体" panose="02010609030101010101" pitchFamily="49" charset="-122"/>
+              </a:rPr>
+              <a:t>10</a:t>
+            </a:r>
+            <a:r>
+              <a:rPr lang="zh-CN" altLang="en-US" sz="1200" b="1" dirty="0">
+                <a:solidFill>
+                  <a:srgbClr val="7030A0"/>
+                </a:solidFill>
+                <a:latin typeface="新宋体" panose="02010609030101010101" pitchFamily="49" charset="-122"/>
+                <a:ea typeface="新宋体" panose="02010609030101010101" pitchFamily="49" charset="-122"/>
+              </a:rPr>
+              <a:t>条去关联快还是</a:t>
+            </a:r>
+            <a:r>
+              <a:rPr lang="en-US" altLang="zh-CN" sz="1200" b="1" dirty="0">
+                <a:solidFill>
+                  <a:srgbClr val="7030A0"/>
+                </a:solidFill>
+                <a:latin typeface="新宋体" panose="02010609030101010101" pitchFamily="49" charset="-122"/>
+                <a:ea typeface="新宋体" panose="02010609030101010101" pitchFamily="49" charset="-122"/>
+              </a:rPr>
+              <a:t>1</a:t>
+            </a:r>
+            <a:r>
+              <a:rPr lang="zh-CN" altLang="en-US" sz="1200" b="1" dirty="0">
+                <a:solidFill>
+                  <a:srgbClr val="7030A0"/>
+                </a:solidFill>
+                <a:latin typeface="新宋体" panose="02010609030101010101" pitchFamily="49" charset="-122"/>
+                <a:ea typeface="新宋体" panose="02010609030101010101" pitchFamily="49" charset="-122"/>
+              </a:rPr>
+              <a:t>万条快？</a:t>
+            </a:r>
+            <a:endParaRPr lang="en-US" altLang="zh-CN" sz="1200" b="1" dirty="0">
+              <a:solidFill>
+                <a:srgbClr val="7030A0"/>
+              </a:solidFill>
+              <a:latin typeface="新宋体" panose="02010609030101010101" pitchFamily="49" charset="-122"/>
+              <a:ea typeface="新宋体" panose="02010609030101010101" pitchFamily="49" charset="-122"/>
+            </a:endParaRPr>
+          </a:p>
+          <a:p>
+            <a:r>
+              <a:rPr lang="en-US" altLang="zh-CN" sz="1200" dirty="0">
+                <a:solidFill>
+                  <a:srgbClr val="FF0000"/>
+                </a:solidFill>
+                <a:latin typeface="新宋体" panose="02010609030101010101" pitchFamily="49" charset="-122"/>
+                <a:ea typeface="新宋体" panose="02010609030101010101" pitchFamily="49" charset="-122"/>
+              </a:rPr>
+              <a:t>4</a:t>
+            </a:r>
+            <a:r>
+              <a:rPr lang="zh-CN" altLang="en-US" sz="1200" dirty="0">
+                <a:solidFill>
+                  <a:srgbClr val="FF0000"/>
+                </a:solidFill>
+                <a:latin typeface="新宋体" panose="02010609030101010101" pitchFamily="49" charset="-122"/>
+                <a:ea typeface="新宋体" panose="02010609030101010101" pitchFamily="49" charset="-122"/>
+              </a:rPr>
+              <a:t>、通过缓存条件检索，将模糊匹配转化为精准匹配。</a:t>
+            </a:r>
+            <a:r>
+              <a:rPr lang="zh-CN" altLang="en-US" sz="1200" b="1" dirty="0">
+                <a:solidFill>
+                  <a:srgbClr val="7030A0"/>
+                </a:solidFill>
+                <a:latin typeface="新宋体" panose="02010609030101010101" pitchFamily="49" charset="-122"/>
+                <a:ea typeface="新宋体" panose="02010609030101010101" pitchFamily="49" charset="-122"/>
+              </a:rPr>
+              <a:t>孰优孰劣？</a:t>
+            </a:r>
+            <a:endParaRPr lang="en-US" altLang="zh-CN" sz="1200" b="1" dirty="0">
+              <a:solidFill>
+                <a:srgbClr val="7030A0"/>
+              </a:solidFill>
+              <a:latin typeface="新宋体" panose="02010609030101010101" pitchFamily="49" charset="-122"/>
+              <a:ea typeface="新宋体" panose="02010609030101010101" pitchFamily="49" charset="-122"/>
+            </a:endParaRPr>
+          </a:p>
+          <a:p>
+            <a:r>
+              <a:rPr lang="en-US" altLang="zh-CN" sz="1200" dirty="0">
+                <a:solidFill>
+                  <a:srgbClr val="FF0000"/>
+                </a:solidFill>
+                <a:latin typeface="新宋体" panose="02010609030101010101" pitchFamily="49" charset="-122"/>
+                <a:ea typeface="新宋体" panose="02010609030101010101" pitchFamily="49" charset="-122"/>
+              </a:rPr>
+              <a:t>5</a:t>
+            </a:r>
+            <a:r>
+              <a:rPr lang="zh-CN" altLang="en-US" sz="1200" dirty="0">
+                <a:solidFill>
+                  <a:srgbClr val="FF0000"/>
+                </a:solidFill>
+                <a:latin typeface="新宋体" panose="02010609030101010101" pitchFamily="49" charset="-122"/>
+                <a:ea typeface="新宋体" panose="02010609030101010101" pitchFamily="49" charset="-122"/>
+              </a:rPr>
+              <a:t>、</a:t>
+            </a:r>
+            <a:r>
+              <a:rPr lang="en-US" altLang="zh-CN" sz="1200" dirty="0" err="1">
+                <a:solidFill>
+                  <a:srgbClr val="FF0000"/>
+                </a:solidFill>
+                <a:latin typeface="新宋体" panose="02010609030101010101" pitchFamily="49" charset="-122"/>
+                <a:ea typeface="新宋体" panose="02010609030101010101" pitchFamily="49" charset="-122"/>
+              </a:rPr>
+              <a:t>sqltoy</a:t>
+            </a:r>
+            <a:r>
+              <a:rPr lang="zh-CN" altLang="en-US" sz="1200" dirty="0">
+                <a:solidFill>
+                  <a:srgbClr val="FF0000"/>
+                </a:solidFill>
+                <a:latin typeface="新宋体" panose="02010609030101010101" pitchFamily="49" charset="-122"/>
+                <a:ea typeface="新宋体" panose="02010609030101010101" pitchFamily="49" charset="-122"/>
+              </a:rPr>
+              <a:t>提供了大量的辅助工具，如安全脱敏、数据格式化、行列旋转等。用通用的算法来解决不同数据库的差异</a:t>
+            </a:r>
+            <a:endParaRPr lang="en-US" altLang="zh-CN" sz="1200" dirty="0">
+              <a:solidFill>
+                <a:srgbClr val="FF0000"/>
+              </a:solidFill>
+              <a:latin typeface="新宋体" panose="02010609030101010101" pitchFamily="49" charset="-122"/>
+              <a:ea typeface="新宋体" panose="02010609030101010101" pitchFamily="49" charset="-122"/>
+            </a:endParaRPr>
+          </a:p>
+          <a:p>
+            <a:endParaRPr lang="en-US" altLang="zh-CN" dirty="0"/>
+          </a:p>
+        </p:txBody>
+      </p:sp>
+      <p:sp>
+        <p:nvSpPr>
+          <p:cNvPr id="15" name="矩形 14"/>
+          <p:cNvSpPr/>
+          <p:nvPr/>
+        </p:nvSpPr>
+        <p:spPr>
+          <a:xfrm>
+            <a:off x="6130118" y="2388358"/>
+            <a:ext cx="486866" cy="1364776"/>
+          </a:xfrm>
+          <a:prstGeom prst="rect">
+            <a:avLst/>
+          </a:prstGeom>
+        </p:spPr>
+        <p:style>
+          <a:lnRef idx="2">
+            <a:schemeClr val="accent4"/>
+          </a:lnRef>
+          <a:fillRef idx="1">
+            <a:schemeClr val="lt1"/>
+          </a:fillRef>
+          <a:effectRef idx="0">
+            <a:schemeClr val="accent4"/>
+          </a:effectRef>
+          <a:fontRef idx="minor">
+            <a:schemeClr val="dk1"/>
+          </a:fontRef>
+        </p:style>
+        <p:txBody>
+          <a:bodyPr rtlCol="0" anchor="ctr"/>
+          <a:lstStyle/>
+          <a:p>
+            <a:pPr algn="ctr"/>
+            <a:r>
+              <a:rPr lang="en-US" altLang="zh-CN" b="1" dirty="0">
+                <a:solidFill>
+                  <a:srgbClr val="FF0000"/>
+                </a:solidFill>
+              </a:rPr>
+              <a:t>VS</a:t>
+            </a:r>
+            <a:endParaRPr lang="zh-CN" altLang="en-US" b="1" dirty="0">
+              <a:solidFill>
+                <a:srgbClr val="FF0000"/>
+              </a:solidFill>
+            </a:endParaRPr>
+          </a:p>
+        </p:txBody>
+      </p:sp>
+      <p:pic>
+        <p:nvPicPr>
+          <p:cNvPr id="17" name="图片 16"/>
+          <p:cNvPicPr>
+            <a:picLocks noChangeAspect="1"/>
+          </p:cNvPicPr>
+          <p:nvPr/>
+        </p:nvPicPr>
+        <p:blipFill>
+          <a:blip r:embed="rId2">
+            <a:extLst>
+              <a:ext uri="{28A0092B-C50C-407E-A947-70E740481C1C}">
+                <a14:useLocalDpi xmlns:a14="http://schemas.microsoft.com/office/drawing/2010/main" val="0"/>
+              </a:ext>
+            </a:extLst>
+          </a:blip>
+          <a:stretch>
+            <a:fillRect/>
+          </a:stretch>
+        </p:blipFill>
+        <p:spPr>
+          <a:xfrm>
+            <a:off x="6739813" y="1365157"/>
+            <a:ext cx="4874431" cy="4009362"/>
+          </a:xfrm>
+          <a:prstGeom prst="rect">
+            <a:avLst/>
+          </a:prstGeom>
+        </p:spPr>
+      </p:pic>
+    </p:spTree>
   </p:cSld>
   <p:clrMapOvr>
     <a:masterClrMapping/>
@@ -4401,7 +7780,7 @@
     </a:clrScheme>
     <a:fontScheme name="Office">
       <a:majorFont>
-        <a:latin typeface="等线 Light" panose="020F0302020204030204"/>
+        <a:latin typeface="等线 Light"/>
         <a:ea typeface=""/>
         <a:cs typeface=""/>
         <a:font script="Jpan" typeface="游ゴシック Light"/>
@@ -4434,26 +7813,9 @@
         <a:font script="Viet" typeface="Times New Roman"/>
         <a:font script="Uigh" typeface="Microsoft Uighur"/>
         <a:font script="Geor" typeface="Sylfaen"/>
-        <a:font script="Armn" typeface="Arial"/>
-        <a:font script="Bugi" typeface="Leelawadee UI"/>
-        <a:font script="Bopo" typeface="Microsoft JhengHei"/>
-        <a:font script="Java" typeface="Javanese Text"/>
-        <a:font script="Lisu" typeface="Segoe UI"/>
-        <a:font script="Mymr" typeface="Myanmar Text"/>
-        <a:font script="Nkoo" typeface="Ebrima"/>
-        <a:font script="Olck" typeface="Nirmala UI"/>
-        <a:font script="Osma" typeface="Ebrima"/>
-        <a:font script="Phag" typeface="Phagspa"/>
-        <a:font script="Syrn" typeface="Estrangelo Edessa"/>
-        <a:font script="Syrj" typeface="Estrangelo Edessa"/>
-        <a:font script="Syre" typeface="Estrangelo Edessa"/>
-        <a:font script="Sora" typeface="Nirmala UI"/>
-        <a:font script="Tale" typeface="Microsoft Tai Le"/>
-        <a:font script="Talu" typeface="Microsoft New Tai Lue"/>
-        <a:font script="Tfng" typeface="Ebrima"/>
       </a:majorFont>
       <a:minorFont>
-        <a:latin typeface="等线" panose="020F0502020204030204"/>
+        <a:latin typeface="等线"/>
         <a:ea typeface=""/>
         <a:cs typeface=""/>
         <a:font script="Jpan" typeface="游ゴシック"/>
@@ -4486,23 +7848,6 @@
         <a:font script="Viet" typeface="Arial"/>
         <a:font script="Uigh" typeface="Microsoft Uighur"/>
         <a:font script="Geor" typeface="Sylfaen"/>
-        <a:font script="Armn" typeface="Arial"/>
-        <a:font script="Bugi" typeface="Leelawadee UI"/>
-        <a:font script="Bopo" typeface="Microsoft JhengHei"/>
-        <a:font script="Java" typeface="Javanese Text"/>
-        <a:font script="Lisu" typeface="Segoe UI"/>
-        <a:font script="Mymr" typeface="Myanmar Text"/>
-        <a:font script="Nkoo" typeface="Ebrima"/>
-        <a:font script="Olck" typeface="Nirmala UI"/>
-        <a:font script="Osma" typeface="Ebrima"/>
-        <a:font script="Phag" typeface="Phagspa"/>
-        <a:font script="Syrn" typeface="Estrangelo Edessa"/>
-        <a:font script="Syrj" typeface="Estrangelo Edessa"/>
-        <a:font script="Syre" typeface="Estrangelo Edessa"/>
-        <a:font script="Sora" typeface="Nirmala UI"/>
-        <a:font script="Tale" typeface="Microsoft Tai Le"/>
-        <a:font script="Talu" typeface="Microsoft New Tai Lue"/>
-        <a:font script="Tfng" typeface="Ebrima"/>
       </a:minorFont>
     </a:fontScheme>
     <a:fmtScheme name="Office">
@@ -4643,8 +7988,265 @@
       </a:bgFillStyleLst>
     </a:fmtScheme>
   </a:themeElements>
-  <a:objectDefaults/>
-  <a:extraClrSchemeLst/>
+  <a:extLst>
+    <a:ext uri="{05A4C25C-085E-4340-85A3-A5531E510DB2}">
+      <thm15:themeFamily xmlns:thm15="http://schemas.microsoft.com/office/thememl/2012/main" name="Office Theme" id="{62F939B6-93AF-4DB8-9C6B-D6C7DFDC589F}" vid="{4A3C46E8-61CC-4603-A589-7422A47A8E4A}"/>
+    </a:ext>
+  </a:extLst>
+</a:theme>
+</file>
+
+<file path=ppt/theme/theme2.xml><?xml version="1.0" encoding="utf-8"?>
+<a:theme xmlns:a="http://schemas.openxmlformats.org/drawingml/2006/main" name="1_Office 主题​​">
+  <a:themeElements>
+    <a:clrScheme name="Office">
+      <a:dk1>
+        <a:sysClr val="windowText" lastClr="000000"/>
+      </a:dk1>
+      <a:lt1>
+        <a:sysClr val="window" lastClr="FFFFFF"/>
+      </a:lt1>
+      <a:dk2>
+        <a:srgbClr val="44546A"/>
+      </a:dk2>
+      <a:lt2>
+        <a:srgbClr val="E7E6E6"/>
+      </a:lt2>
+      <a:accent1>
+        <a:srgbClr val="4472C4"/>
+      </a:accent1>
+      <a:accent2>
+        <a:srgbClr val="ED7D31"/>
+      </a:accent2>
+      <a:accent3>
+        <a:srgbClr val="A5A5A5"/>
+      </a:accent3>
+      <a:accent4>
+        <a:srgbClr val="FFC000"/>
+      </a:accent4>
+      <a:accent5>
+        <a:srgbClr val="5B9BD5"/>
+      </a:accent5>
+      <a:accent6>
+        <a:srgbClr val="70AD47"/>
+      </a:accent6>
+      <a:hlink>
+        <a:srgbClr val="0563C1"/>
+      </a:hlink>
+      <a:folHlink>
+        <a:srgbClr val="954F72"/>
+      </a:folHlink>
+    </a:clrScheme>
+    <a:fontScheme name="Office">
+      <a:majorFont>
+        <a:latin typeface="等线 Light"/>
+        <a:ea typeface=""/>
+        <a:cs typeface=""/>
+        <a:font script="Jpan" typeface="游ゴシック Light"/>
+        <a:font script="Hang" typeface="맑은 고딕"/>
+        <a:font script="Hans" typeface="等线 Light"/>
+        <a:font script="Hant" typeface="新細明體"/>
+        <a:font script="Arab" typeface="Times New Roman"/>
+        <a:font script="Hebr" typeface="Times New Roman"/>
+        <a:font script="Thai" typeface="Angsana New"/>
+        <a:font script="Ethi" typeface="Nyala"/>
+        <a:font script="Beng" typeface="Vrinda"/>
+        <a:font script="Gujr" typeface="Shruti"/>
+        <a:font script="Khmr" typeface="MoolBoran"/>
+        <a:font script="Knda" typeface="Tunga"/>
+        <a:font script="Guru" typeface="Raavi"/>
+        <a:font script="Cans" typeface="Euphemia"/>
+        <a:font script="Cher" typeface="Plantagenet Cherokee"/>
+        <a:font script="Yiii" typeface="Microsoft Yi Baiti"/>
+        <a:font script="Tibt" typeface="Microsoft Himalaya"/>
+        <a:font script="Thaa" typeface="MV Boli"/>
+        <a:font script="Deva" typeface="Mangal"/>
+        <a:font script="Telu" typeface="Gautami"/>
+        <a:font script="Taml" typeface="Latha"/>
+        <a:font script="Syrc" typeface="Estrangelo Edessa"/>
+        <a:font script="Orya" typeface="Kalinga"/>
+        <a:font script="Mlym" typeface="Kartika"/>
+        <a:font script="Laoo" typeface="DokChampa"/>
+        <a:font script="Sinh" typeface="Iskoola Pota"/>
+        <a:font script="Mong" typeface="Mongolian Baiti"/>
+        <a:font script="Viet" typeface="Times New Roman"/>
+        <a:font script="Uigh" typeface="Microsoft Uighur"/>
+        <a:font script="Geor" typeface="Sylfaen"/>
+      </a:majorFont>
+      <a:minorFont>
+        <a:latin typeface="等线"/>
+        <a:ea typeface=""/>
+        <a:cs typeface=""/>
+        <a:font script="Jpan" typeface="游ゴシック"/>
+        <a:font script="Hang" typeface="맑은 고딕"/>
+        <a:font script="Hans" typeface="等线"/>
+        <a:font script="Hant" typeface="新細明體"/>
+        <a:font script="Arab" typeface="Arial"/>
+        <a:font script="Hebr" typeface="Arial"/>
+        <a:font script="Thai" typeface="Cordia New"/>
+        <a:font script="Ethi" typeface="Nyala"/>
+        <a:font script="Beng" typeface="Vrinda"/>
+        <a:font script="Gujr" typeface="Shruti"/>
+        <a:font script="Khmr" typeface="DaunPenh"/>
+        <a:font script="Knda" typeface="Tunga"/>
+        <a:font script="Guru" typeface="Raavi"/>
+        <a:font script="Cans" typeface="Euphemia"/>
+        <a:font script="Cher" typeface="Plantagenet Cherokee"/>
+        <a:font script="Yiii" typeface="Microsoft Yi Baiti"/>
+        <a:font script="Tibt" typeface="Microsoft Himalaya"/>
+        <a:font script="Thaa" typeface="MV Boli"/>
+        <a:font script="Deva" typeface="Mangal"/>
+        <a:font script="Telu" typeface="Gautami"/>
+        <a:font script="Taml" typeface="Latha"/>
+        <a:font script="Syrc" typeface="Estrangelo Edessa"/>
+        <a:font script="Orya" typeface="Kalinga"/>
+        <a:font script="Mlym" typeface="Kartika"/>
+        <a:font script="Laoo" typeface="DokChampa"/>
+        <a:font script="Sinh" typeface="Iskoola Pota"/>
+        <a:font script="Mong" typeface="Mongolian Baiti"/>
+        <a:font script="Viet" typeface="Arial"/>
+        <a:font script="Uigh" typeface="Microsoft Uighur"/>
+        <a:font script="Geor" typeface="Sylfaen"/>
+      </a:minorFont>
+    </a:fontScheme>
+    <a:fmtScheme name="Office">
+      <a:fillStyleLst>
+        <a:solidFill>
+          <a:schemeClr val="phClr"/>
+        </a:solidFill>
+        <a:gradFill rotWithShape="1">
+          <a:gsLst>
+            <a:gs pos="0">
+              <a:schemeClr val="phClr">
+                <a:lumMod val="110000"/>
+                <a:satMod val="105000"/>
+                <a:tint val="67000"/>
+              </a:schemeClr>
+            </a:gs>
+            <a:gs pos="50000">
+              <a:schemeClr val="phClr">
+                <a:lumMod val="105000"/>
+                <a:satMod val="103000"/>
+                <a:tint val="73000"/>
+              </a:schemeClr>
+            </a:gs>
+            <a:gs pos="100000">
+              <a:schemeClr val="phClr">
+                <a:lumMod val="105000"/>
+                <a:satMod val="109000"/>
+                <a:tint val="81000"/>
+              </a:schemeClr>
+            </a:gs>
+          </a:gsLst>
+          <a:lin ang="5400000" scaled="0"/>
+        </a:gradFill>
+        <a:gradFill rotWithShape="1">
+          <a:gsLst>
+            <a:gs pos="0">
+              <a:schemeClr val="phClr">
+                <a:satMod val="103000"/>
+                <a:lumMod val="102000"/>
+                <a:tint val="94000"/>
+              </a:schemeClr>
+            </a:gs>
+            <a:gs pos="50000">
+              <a:schemeClr val="phClr">
+                <a:satMod val="110000"/>
+                <a:lumMod val="100000"/>
+                <a:shade val="100000"/>
+              </a:schemeClr>
+            </a:gs>
+            <a:gs pos="100000">
+              <a:schemeClr val="phClr">
+                <a:lumMod val="99000"/>
+                <a:satMod val="120000"/>
+                <a:shade val="78000"/>
+              </a:schemeClr>
+            </a:gs>
+          </a:gsLst>
+          <a:lin ang="5400000" scaled="0"/>
+        </a:gradFill>
+      </a:fillStyleLst>
+      <a:lnStyleLst>
+        <a:ln w="6350" cap="flat" cmpd="sng" algn="ctr">
+          <a:solidFill>
+            <a:schemeClr val="phClr"/>
+          </a:solidFill>
+          <a:prstDash val="solid"/>
+          <a:miter lim="800000"/>
+        </a:ln>
+        <a:ln w="12700" cap="flat" cmpd="sng" algn="ctr">
+          <a:solidFill>
+            <a:schemeClr val="phClr"/>
+          </a:solidFill>
+          <a:prstDash val="solid"/>
+          <a:miter lim="800000"/>
+        </a:ln>
+        <a:ln w="19050" cap="flat" cmpd="sng" algn="ctr">
+          <a:solidFill>
+            <a:schemeClr val="phClr"/>
+          </a:solidFill>
+          <a:prstDash val="solid"/>
+          <a:miter lim="800000"/>
+        </a:ln>
+      </a:lnStyleLst>
+      <a:effectStyleLst>
+        <a:effectStyle>
+          <a:effectLst/>
+        </a:effectStyle>
+        <a:effectStyle>
+          <a:effectLst/>
+        </a:effectStyle>
+        <a:effectStyle>
+          <a:effectLst>
+            <a:outerShdw blurRad="57150" dist="19050" dir="5400000" algn="ctr" rotWithShape="0">
+              <a:srgbClr val="000000">
+                <a:alpha val="63000"/>
+              </a:srgbClr>
+            </a:outerShdw>
+          </a:effectLst>
+        </a:effectStyle>
+      </a:effectStyleLst>
+      <a:bgFillStyleLst>
+        <a:solidFill>
+          <a:schemeClr val="phClr"/>
+        </a:solidFill>
+        <a:solidFill>
+          <a:schemeClr val="phClr">
+            <a:tint val="95000"/>
+            <a:satMod val="170000"/>
+          </a:schemeClr>
+        </a:solidFill>
+        <a:gradFill rotWithShape="1">
+          <a:gsLst>
+            <a:gs pos="0">
+              <a:schemeClr val="phClr">
+                <a:tint val="93000"/>
+                <a:satMod val="150000"/>
+                <a:shade val="98000"/>
+                <a:lumMod val="102000"/>
+              </a:schemeClr>
+            </a:gs>
+            <a:gs pos="50000">
+              <a:schemeClr val="phClr">
+                <a:tint val="98000"/>
+                <a:satMod val="130000"/>
+                <a:shade val="90000"/>
+                <a:lumMod val="103000"/>
+              </a:schemeClr>
+            </a:gs>
+            <a:gs pos="100000">
+              <a:schemeClr val="phClr">
+                <a:shade val="63000"/>
+                <a:satMod val="120000"/>
+              </a:schemeClr>
+            </a:gs>
+          </a:gsLst>
+          <a:lin ang="5400000" scaled="0"/>
+        </a:gradFill>
+      </a:bgFillStyleLst>
+    </a:fmtScheme>
+  </a:themeElements>
   <a:extLst>
     <a:ext uri="{05A4C25C-085E-4340-85A3-A5531E510DB2}">
       <thm15:themeFamily xmlns:thm15="http://schemas.microsoft.com/office/thememl/2012/main" name="Office Theme" id="{62F939B6-93AF-4DB8-9C6B-D6C7DFDC589F}" vid="{4A3C46E8-61CC-4603-A589-7422A47A8E4A}"/>
